--- a/figure/ch01/ch01.pptx
+++ b/figure/ch01/ch01.pptx
@@ -5,13 +5,19 @@
     <p:sldMasterId id="2147483648" r:id="rId1"/>
   </p:sldMasterIdLst>
   <p:notesMasterIdLst>
-    <p:notesMasterId r:id="rId6"/>
+    <p:notesMasterId r:id="rId12"/>
   </p:notesMasterIdLst>
   <p:sldIdLst>
     <p:sldId id="256" r:id="rId2"/>
     <p:sldId id="257" r:id="rId3"/>
     <p:sldId id="258" r:id="rId4"/>
     <p:sldId id="259" r:id="rId5"/>
+    <p:sldId id="260" r:id="rId6"/>
+    <p:sldId id="266" r:id="rId7"/>
+    <p:sldId id="267" r:id="rId8"/>
+    <p:sldId id="261" r:id="rId9"/>
+    <p:sldId id="264" r:id="rId10"/>
+    <p:sldId id="265" r:id="rId11"/>
   </p:sldIdLst>
   <p:sldSz cx="9144000" cy="6858000" type="screen4x3"/>
   <p:notesSz cx="6858000" cy="9144000"/>
@@ -112,7 +118,7 @@
   </p:defaultTextStyle>
   <p:extLst>
     <p:ext uri="{EFAFB233-063F-42B5-8137-9DF3F51BA10A}">
-      <p15:sldGuideLst xmlns:p15="http://schemas.microsoft.com/office/powerpoint/2012/main">
+      <p15:sldGuideLst xmlns:p15="http://schemas.microsoft.com/office/powerpoint/2012/main" xmlns="">
         <p15:guide id="1" orient="horz" pos="2160" userDrawn="1">
           <p15:clr>
             <a:srgbClr val="A4A3A4"/>
@@ -211,7 +217,7 @@
           <a:p>
             <a:fld id="{CF179854-E995-0D4B-9289-27D9613E462A}" type="datetimeFigureOut">
               <a:rPr lang="en-US" smtClean="0"/>
-              <a:t>3/2/18</a:t>
+              <a:t>3/23/2018</a:t>
             </a:fld>
             <a:endParaRPr lang="en-US" dirty="0"/>
           </a:p>
@@ -660,7 +666,7 @@
           <a:p>
             <a:fld id="{DDFA6A0B-BABF-43C1-A1EF-3094122818E4}" type="datetimeFigureOut">
               <a:rPr lang="en-US" smtClean="0"/>
-              <a:t>3/2/18</a:t>
+              <a:t>3/23/2018</a:t>
             </a:fld>
             <a:endParaRPr lang="en-US" dirty="0"/>
           </a:p>
@@ -830,7 +836,7 @@
           <a:p>
             <a:fld id="{DDFA6A0B-BABF-43C1-A1EF-3094122818E4}" type="datetimeFigureOut">
               <a:rPr lang="en-US" smtClean="0"/>
-              <a:t>3/2/18</a:t>
+              <a:t>3/23/2018</a:t>
             </a:fld>
             <a:endParaRPr lang="en-US" dirty="0"/>
           </a:p>
@@ -1010,7 +1016,7 @@
           <a:p>
             <a:fld id="{DDFA6A0B-BABF-43C1-A1EF-3094122818E4}" type="datetimeFigureOut">
               <a:rPr lang="en-US" smtClean="0"/>
-              <a:t>3/2/18</a:t>
+              <a:t>3/23/2018</a:t>
             </a:fld>
             <a:endParaRPr lang="en-US" dirty="0"/>
           </a:p>
@@ -1180,7 +1186,7 @@
           <a:p>
             <a:fld id="{DDFA6A0B-BABF-43C1-A1EF-3094122818E4}" type="datetimeFigureOut">
               <a:rPr lang="en-US" smtClean="0"/>
-              <a:t>3/2/18</a:t>
+              <a:t>3/23/2018</a:t>
             </a:fld>
             <a:endParaRPr lang="en-US" dirty="0"/>
           </a:p>
@@ -1426,7 +1432,7 @@
           <a:p>
             <a:fld id="{DDFA6A0B-BABF-43C1-A1EF-3094122818E4}" type="datetimeFigureOut">
               <a:rPr lang="en-US" smtClean="0"/>
-              <a:t>3/2/18</a:t>
+              <a:t>3/23/2018</a:t>
             </a:fld>
             <a:endParaRPr lang="en-US" dirty="0"/>
           </a:p>
@@ -1714,7 +1720,7 @@
           <a:p>
             <a:fld id="{DDFA6A0B-BABF-43C1-A1EF-3094122818E4}" type="datetimeFigureOut">
               <a:rPr lang="en-US" smtClean="0"/>
-              <a:t>3/2/18</a:t>
+              <a:t>3/23/2018</a:t>
             </a:fld>
             <a:endParaRPr lang="en-US" dirty="0"/>
           </a:p>
@@ -2136,7 +2142,7 @@
           <a:p>
             <a:fld id="{DDFA6A0B-BABF-43C1-A1EF-3094122818E4}" type="datetimeFigureOut">
               <a:rPr lang="en-US" smtClean="0"/>
-              <a:t>3/2/18</a:t>
+              <a:t>3/23/2018</a:t>
             </a:fld>
             <a:endParaRPr lang="en-US" dirty="0"/>
           </a:p>
@@ -2254,7 +2260,7 @@
           <a:p>
             <a:fld id="{DDFA6A0B-BABF-43C1-A1EF-3094122818E4}" type="datetimeFigureOut">
               <a:rPr lang="en-US" smtClean="0"/>
-              <a:t>3/2/18</a:t>
+              <a:t>3/23/2018</a:t>
             </a:fld>
             <a:endParaRPr lang="en-US" dirty="0"/>
           </a:p>
@@ -2349,7 +2355,7 @@
           <a:p>
             <a:fld id="{DDFA6A0B-BABF-43C1-A1EF-3094122818E4}" type="datetimeFigureOut">
               <a:rPr lang="en-US" smtClean="0"/>
-              <a:t>3/2/18</a:t>
+              <a:t>3/23/2018</a:t>
             </a:fld>
             <a:endParaRPr lang="en-US" dirty="0"/>
           </a:p>
@@ -2626,7 +2632,7 @@
           <a:p>
             <a:fld id="{DDFA6A0B-BABF-43C1-A1EF-3094122818E4}" type="datetimeFigureOut">
               <a:rPr lang="en-US" smtClean="0"/>
-              <a:t>3/2/18</a:t>
+              <a:t>3/23/2018</a:t>
             </a:fld>
             <a:endParaRPr lang="en-US" dirty="0"/>
           </a:p>
@@ -2879,7 +2885,7 @@
           <a:p>
             <a:fld id="{DDFA6A0B-BABF-43C1-A1EF-3094122818E4}" type="datetimeFigureOut">
               <a:rPr lang="en-US" smtClean="0"/>
-              <a:t>3/2/18</a:t>
+              <a:t>3/23/2018</a:t>
             </a:fld>
             <a:endParaRPr lang="en-US" dirty="0"/>
           </a:p>
@@ -3092,7 +3098,7 @@
           <a:p>
             <a:fld id="{DDFA6A0B-BABF-43C1-A1EF-3094122818E4}" type="datetimeFigureOut">
               <a:rPr lang="en-US" smtClean="0"/>
-              <a:t>3/2/18</a:t>
+              <a:t>3/23/2018</a:t>
             </a:fld>
             <a:endParaRPr lang="en-US" dirty="0"/>
           </a:p>
@@ -5251,10 +5257,6 @@
               </a:rPr>
               <a:t>10 °C</a:t>
             </a:r>
-            <a:endParaRPr lang="en-US" sz="1650" dirty="0">
-              <a:latin typeface="Times New Roman" panose="02020603050405020304" pitchFamily="18" charset="0"/>
-              <a:cs typeface="Times New Roman" panose="02020603050405020304" pitchFamily="18" charset="0"/>
-            </a:endParaRPr>
           </a:p>
         </p:txBody>
       </p:sp>
@@ -5287,10 +5289,6 @@
               </a:rPr>
               <a:t>15 °C</a:t>
             </a:r>
-            <a:endParaRPr lang="en-US" sz="1650" dirty="0">
-              <a:latin typeface="Times New Roman" panose="02020603050405020304" pitchFamily="18" charset="0"/>
-              <a:cs typeface="Times New Roman" panose="02020603050405020304" pitchFamily="18" charset="0"/>
-            </a:endParaRPr>
           </a:p>
         </p:txBody>
       </p:sp>
@@ -5321,19 +5319,8 @@
                 <a:latin typeface="Times New Roman" panose="02020603050405020304" pitchFamily="18" charset="0"/>
                 <a:cs typeface="Times New Roman" panose="02020603050405020304" pitchFamily="18" charset="0"/>
               </a:rPr>
-              <a:t>2</a:t>
+              <a:t>20 °C</a:t>
             </a:r>
-            <a:r>
-              <a:rPr lang="en-US" sz="1650" dirty="0">
-                <a:latin typeface="Times New Roman" panose="02020603050405020304" pitchFamily="18" charset="0"/>
-                <a:cs typeface="Times New Roman" panose="02020603050405020304" pitchFamily="18" charset="0"/>
-              </a:rPr>
-              <a:t>0 °C</a:t>
-            </a:r>
-            <a:endParaRPr lang="en-US" sz="1650" dirty="0">
-              <a:latin typeface="Times New Roman" panose="02020603050405020304" pitchFamily="18" charset="0"/>
-              <a:cs typeface="Times New Roman" panose="02020603050405020304" pitchFamily="18" charset="0"/>
-            </a:endParaRPr>
           </a:p>
         </p:txBody>
       </p:sp>
@@ -5366,10 +5353,6 @@
               </a:rPr>
               <a:t>25 °C</a:t>
             </a:r>
-            <a:endParaRPr lang="en-US" sz="1650" dirty="0">
-              <a:latin typeface="Times New Roman" panose="02020603050405020304" pitchFamily="18" charset="0"/>
-              <a:cs typeface="Times New Roman" panose="02020603050405020304" pitchFamily="18" charset="0"/>
-            </a:endParaRPr>
           </a:p>
         </p:txBody>
       </p:sp>
@@ -5402,10 +5385,6 @@
               </a:rPr>
               <a:t>30 °C</a:t>
             </a:r>
-            <a:endParaRPr lang="en-US" sz="1650" dirty="0">
-              <a:latin typeface="Times New Roman" panose="02020603050405020304" pitchFamily="18" charset="0"/>
-              <a:cs typeface="Times New Roman" panose="02020603050405020304" pitchFamily="18" charset="0"/>
-            </a:endParaRPr>
           </a:p>
         </p:txBody>
       </p:sp>
@@ -5419,6 +5398,1786 @@
   <p:clrMapOvr>
     <a:masterClrMapping/>
   </p:clrMapOvr>
+</p:sld>
+</file>
+
+<file path=ppt/slides/slide10.xml><?xml version="1.0" encoding="utf-8"?>
+<p:sld xmlns:a="http://schemas.openxmlformats.org/drawingml/2006/main" xmlns:r="http://schemas.openxmlformats.org/officeDocument/2006/relationships" xmlns:p="http://schemas.openxmlformats.org/presentationml/2006/main">
+  <p:cSld>
+    <p:spTree>
+      <p:nvGrpSpPr>
+        <p:cNvPr id="1" name=""/>
+        <p:cNvGrpSpPr/>
+        <p:nvPr/>
+      </p:nvGrpSpPr>
+      <p:grpSpPr>
+        <a:xfrm>
+          <a:off x="0" y="0"/>
+          <a:ext cx="0" cy="0"/>
+          <a:chOff x="0" y="0"/>
+          <a:chExt cx="0" cy="0"/>
+        </a:xfrm>
+      </p:grpSpPr>
+      <p:grpSp>
+        <p:nvGrpSpPr>
+          <p:cNvPr id="2" name="Group 1"/>
+          <p:cNvGrpSpPr/>
+          <p:nvPr/>
+        </p:nvGrpSpPr>
+        <p:grpSpPr>
+          <a:xfrm>
+            <a:off x="2840082" y="1803136"/>
+            <a:ext cx="778778" cy="610087"/>
+            <a:chOff x="628359" y="968829"/>
+            <a:chExt cx="1038370" cy="813449"/>
+          </a:xfrm>
+        </p:grpSpPr>
+        <p:grpSp>
+          <p:nvGrpSpPr>
+            <p:cNvPr id="3" name="Group 2"/>
+            <p:cNvGrpSpPr/>
+            <p:nvPr/>
+          </p:nvGrpSpPr>
+          <p:grpSpPr>
+            <a:xfrm rot="19185875">
+              <a:off x="980929" y="1005602"/>
+              <a:ext cx="685800" cy="457200"/>
+              <a:chOff x="1143000" y="1143000"/>
+              <a:chExt cx="685800" cy="457200"/>
+            </a:xfrm>
+          </p:grpSpPr>
+          <p:sp>
+            <p:nvSpPr>
+              <p:cNvPr id="10" name="Oval 9"/>
+              <p:cNvSpPr/>
+              <p:nvPr/>
+            </p:nvSpPr>
+            <p:spPr>
+              <a:xfrm>
+                <a:off x="1143000" y="1143000"/>
+                <a:ext cx="685800" cy="457200"/>
+              </a:xfrm>
+              <a:prstGeom prst="ellipse">
+                <a:avLst/>
+              </a:prstGeom>
+              <a:solidFill>
+                <a:srgbClr val="FF0000"/>
+              </a:solidFill>
+              <a:ln>
+                <a:solidFill>
+                  <a:schemeClr val="tx1"/>
+                </a:solidFill>
+              </a:ln>
+            </p:spPr>
+            <p:style>
+              <a:lnRef idx="2">
+                <a:schemeClr val="accent1">
+                  <a:shade val="50000"/>
+                </a:schemeClr>
+              </a:lnRef>
+              <a:fillRef idx="1">
+                <a:schemeClr val="accent1"/>
+              </a:fillRef>
+              <a:effectRef idx="0">
+                <a:schemeClr val="accent1"/>
+              </a:effectRef>
+              <a:fontRef idx="minor">
+                <a:schemeClr val="lt1"/>
+              </a:fontRef>
+            </p:style>
+            <p:txBody>
+              <a:bodyPr rtlCol="0" anchor="ctr"/>
+              <a:lstStyle/>
+              <a:p>
+                <a:pPr algn="ctr"/>
+                <a:endParaRPr lang="en-US" sz="1350" dirty="0"/>
+              </a:p>
+            </p:txBody>
+          </p:sp>
+          <p:sp>
+            <p:nvSpPr>
+              <p:cNvPr id="11" name="Oval 10"/>
+              <p:cNvSpPr/>
+              <p:nvPr/>
+            </p:nvSpPr>
+            <p:spPr>
+              <a:xfrm>
+                <a:off x="1485900" y="1295400"/>
+                <a:ext cx="190500" cy="152400"/>
+              </a:xfrm>
+              <a:prstGeom prst="ellipse">
+                <a:avLst/>
+              </a:prstGeom>
+              <a:solidFill>
+                <a:schemeClr val="tx1"/>
+              </a:solidFill>
+              <a:ln>
+                <a:noFill/>
+              </a:ln>
+            </p:spPr>
+            <p:style>
+              <a:lnRef idx="2">
+                <a:schemeClr val="accent1">
+                  <a:shade val="50000"/>
+                </a:schemeClr>
+              </a:lnRef>
+              <a:fillRef idx="1">
+                <a:schemeClr val="accent1"/>
+              </a:fillRef>
+              <a:effectRef idx="0">
+                <a:schemeClr val="accent1"/>
+              </a:effectRef>
+              <a:fontRef idx="minor">
+                <a:schemeClr val="lt1"/>
+              </a:fontRef>
+            </p:style>
+            <p:txBody>
+              <a:bodyPr rtlCol="0" anchor="ctr"/>
+              <a:lstStyle/>
+              <a:p>
+                <a:pPr algn="ctr"/>
+                <a:endParaRPr lang="en-US" sz="1350" dirty="0"/>
+              </a:p>
+            </p:txBody>
+          </p:sp>
+        </p:grpSp>
+        <p:grpSp>
+          <p:nvGrpSpPr>
+            <p:cNvPr id="4" name="Group 3"/>
+            <p:cNvGrpSpPr/>
+            <p:nvPr/>
+          </p:nvGrpSpPr>
+          <p:grpSpPr>
+            <a:xfrm rot="19185875">
+              <a:off x="628943" y="968829"/>
+              <a:ext cx="685800" cy="457200"/>
+              <a:chOff x="1143000" y="1143000"/>
+              <a:chExt cx="685800" cy="457200"/>
+            </a:xfrm>
+          </p:grpSpPr>
+          <p:sp>
+            <p:nvSpPr>
+              <p:cNvPr id="8" name="Oval 7"/>
+              <p:cNvSpPr/>
+              <p:nvPr/>
+            </p:nvSpPr>
+            <p:spPr>
+              <a:xfrm>
+                <a:off x="1143000" y="1143000"/>
+                <a:ext cx="685800" cy="457200"/>
+              </a:xfrm>
+              <a:prstGeom prst="ellipse">
+                <a:avLst/>
+              </a:prstGeom>
+              <a:solidFill>
+                <a:srgbClr val="FF0000"/>
+              </a:solidFill>
+              <a:ln>
+                <a:solidFill>
+                  <a:schemeClr val="tx1"/>
+                </a:solidFill>
+              </a:ln>
+            </p:spPr>
+            <p:style>
+              <a:lnRef idx="2">
+                <a:schemeClr val="accent1">
+                  <a:shade val="50000"/>
+                </a:schemeClr>
+              </a:lnRef>
+              <a:fillRef idx="1">
+                <a:schemeClr val="accent1"/>
+              </a:fillRef>
+              <a:effectRef idx="0">
+                <a:schemeClr val="accent1"/>
+              </a:effectRef>
+              <a:fontRef idx="minor">
+                <a:schemeClr val="lt1"/>
+              </a:fontRef>
+            </p:style>
+            <p:txBody>
+              <a:bodyPr rtlCol="0" anchor="ctr"/>
+              <a:lstStyle/>
+              <a:p>
+                <a:pPr algn="ctr"/>
+                <a:endParaRPr lang="en-US" sz="1350" dirty="0"/>
+              </a:p>
+            </p:txBody>
+          </p:sp>
+          <p:sp>
+            <p:nvSpPr>
+              <p:cNvPr id="9" name="Oval 8"/>
+              <p:cNvSpPr/>
+              <p:nvPr/>
+            </p:nvSpPr>
+            <p:spPr>
+              <a:xfrm>
+                <a:off x="1485900" y="1295400"/>
+                <a:ext cx="190500" cy="152400"/>
+              </a:xfrm>
+              <a:prstGeom prst="ellipse">
+                <a:avLst/>
+              </a:prstGeom>
+              <a:solidFill>
+                <a:schemeClr val="tx1"/>
+              </a:solidFill>
+              <a:ln>
+                <a:noFill/>
+              </a:ln>
+            </p:spPr>
+            <p:style>
+              <a:lnRef idx="2">
+                <a:schemeClr val="accent1">
+                  <a:shade val="50000"/>
+                </a:schemeClr>
+              </a:lnRef>
+              <a:fillRef idx="1">
+                <a:schemeClr val="accent1"/>
+              </a:fillRef>
+              <a:effectRef idx="0">
+                <a:schemeClr val="accent1"/>
+              </a:effectRef>
+              <a:fontRef idx="minor">
+                <a:schemeClr val="lt1"/>
+              </a:fontRef>
+            </p:style>
+            <p:txBody>
+              <a:bodyPr rtlCol="0" anchor="ctr"/>
+              <a:lstStyle/>
+              <a:p>
+                <a:pPr algn="ctr"/>
+                <a:endParaRPr lang="en-US" sz="1350" dirty="0"/>
+              </a:p>
+            </p:txBody>
+          </p:sp>
+        </p:grpSp>
+        <p:grpSp>
+          <p:nvGrpSpPr>
+            <p:cNvPr id="5" name="Group 4"/>
+            <p:cNvGrpSpPr/>
+            <p:nvPr/>
+          </p:nvGrpSpPr>
+          <p:grpSpPr>
+            <a:xfrm rot="19185875">
+              <a:off x="628359" y="1325078"/>
+              <a:ext cx="685800" cy="457200"/>
+              <a:chOff x="1143000" y="1143000"/>
+              <a:chExt cx="685800" cy="457200"/>
+            </a:xfrm>
+          </p:grpSpPr>
+          <p:sp>
+            <p:nvSpPr>
+              <p:cNvPr id="6" name="Oval 5"/>
+              <p:cNvSpPr/>
+              <p:nvPr/>
+            </p:nvSpPr>
+            <p:spPr>
+              <a:xfrm>
+                <a:off x="1143000" y="1143000"/>
+                <a:ext cx="685800" cy="457200"/>
+              </a:xfrm>
+              <a:prstGeom prst="ellipse">
+                <a:avLst/>
+              </a:prstGeom>
+              <a:solidFill>
+                <a:srgbClr val="FF0000"/>
+              </a:solidFill>
+              <a:ln>
+                <a:solidFill>
+                  <a:schemeClr val="tx1"/>
+                </a:solidFill>
+              </a:ln>
+            </p:spPr>
+            <p:style>
+              <a:lnRef idx="2">
+                <a:schemeClr val="accent1">
+                  <a:shade val="50000"/>
+                </a:schemeClr>
+              </a:lnRef>
+              <a:fillRef idx="1">
+                <a:schemeClr val="accent1"/>
+              </a:fillRef>
+              <a:effectRef idx="0">
+                <a:schemeClr val="accent1"/>
+              </a:effectRef>
+              <a:fontRef idx="minor">
+                <a:schemeClr val="lt1"/>
+              </a:fontRef>
+            </p:style>
+            <p:txBody>
+              <a:bodyPr rtlCol="0" anchor="ctr"/>
+              <a:lstStyle/>
+              <a:p>
+                <a:pPr algn="ctr"/>
+                <a:endParaRPr lang="en-US" sz="1350" dirty="0"/>
+              </a:p>
+            </p:txBody>
+          </p:sp>
+          <p:sp>
+            <p:nvSpPr>
+              <p:cNvPr id="7" name="Oval 6"/>
+              <p:cNvSpPr/>
+              <p:nvPr/>
+            </p:nvSpPr>
+            <p:spPr>
+              <a:xfrm>
+                <a:off x="1485900" y="1295400"/>
+                <a:ext cx="190500" cy="152400"/>
+              </a:xfrm>
+              <a:prstGeom prst="ellipse">
+                <a:avLst/>
+              </a:prstGeom>
+              <a:solidFill>
+                <a:schemeClr val="tx1"/>
+              </a:solidFill>
+              <a:ln>
+                <a:noFill/>
+              </a:ln>
+            </p:spPr>
+            <p:style>
+              <a:lnRef idx="2">
+                <a:schemeClr val="accent1">
+                  <a:shade val="50000"/>
+                </a:schemeClr>
+              </a:lnRef>
+              <a:fillRef idx="1">
+                <a:schemeClr val="accent1"/>
+              </a:fillRef>
+              <a:effectRef idx="0">
+                <a:schemeClr val="accent1"/>
+              </a:effectRef>
+              <a:fontRef idx="minor">
+                <a:schemeClr val="lt1"/>
+              </a:fontRef>
+            </p:style>
+            <p:txBody>
+              <a:bodyPr rtlCol="0" anchor="ctr"/>
+              <a:lstStyle/>
+              <a:p>
+                <a:pPr algn="ctr"/>
+                <a:endParaRPr lang="en-US" sz="1350" dirty="0"/>
+              </a:p>
+            </p:txBody>
+          </p:sp>
+        </p:grpSp>
+      </p:grpSp>
+      <p:grpSp>
+        <p:nvGrpSpPr>
+          <p:cNvPr id="12" name="Group 11"/>
+          <p:cNvGrpSpPr/>
+          <p:nvPr/>
+        </p:nvGrpSpPr>
+        <p:grpSpPr>
+          <a:xfrm>
+            <a:off x="2826310" y="3657113"/>
+            <a:ext cx="778778" cy="610087"/>
+            <a:chOff x="628359" y="968829"/>
+            <a:chExt cx="1038370" cy="813449"/>
+          </a:xfrm>
+        </p:grpSpPr>
+        <p:grpSp>
+          <p:nvGrpSpPr>
+            <p:cNvPr id="13" name="Group 12"/>
+            <p:cNvGrpSpPr/>
+            <p:nvPr/>
+          </p:nvGrpSpPr>
+          <p:grpSpPr>
+            <a:xfrm rot="19185875">
+              <a:off x="980929" y="1005602"/>
+              <a:ext cx="685800" cy="457200"/>
+              <a:chOff x="1143000" y="1143000"/>
+              <a:chExt cx="685800" cy="457200"/>
+            </a:xfrm>
+          </p:grpSpPr>
+          <p:sp>
+            <p:nvSpPr>
+              <p:cNvPr id="20" name="Oval 19"/>
+              <p:cNvSpPr/>
+              <p:nvPr/>
+            </p:nvSpPr>
+            <p:spPr>
+              <a:xfrm>
+                <a:off x="1143000" y="1143000"/>
+                <a:ext cx="685800" cy="457200"/>
+              </a:xfrm>
+              <a:prstGeom prst="ellipse">
+                <a:avLst/>
+              </a:prstGeom>
+              <a:solidFill>
+                <a:srgbClr val="7030A0"/>
+              </a:solidFill>
+              <a:ln>
+                <a:solidFill>
+                  <a:schemeClr val="tx1"/>
+                </a:solidFill>
+              </a:ln>
+            </p:spPr>
+            <p:style>
+              <a:lnRef idx="2">
+                <a:schemeClr val="accent1">
+                  <a:shade val="50000"/>
+                </a:schemeClr>
+              </a:lnRef>
+              <a:fillRef idx="1">
+                <a:schemeClr val="accent1"/>
+              </a:fillRef>
+              <a:effectRef idx="0">
+                <a:schemeClr val="accent1"/>
+              </a:effectRef>
+              <a:fontRef idx="minor">
+                <a:schemeClr val="lt1"/>
+              </a:fontRef>
+            </p:style>
+            <p:txBody>
+              <a:bodyPr rtlCol="0" anchor="ctr"/>
+              <a:lstStyle/>
+              <a:p>
+                <a:pPr algn="ctr"/>
+                <a:endParaRPr lang="en-US" sz="1350" dirty="0"/>
+              </a:p>
+            </p:txBody>
+          </p:sp>
+          <p:sp>
+            <p:nvSpPr>
+              <p:cNvPr id="21" name="Oval 20"/>
+              <p:cNvSpPr/>
+              <p:nvPr/>
+            </p:nvSpPr>
+            <p:spPr>
+              <a:xfrm>
+                <a:off x="1485900" y="1295400"/>
+                <a:ext cx="190500" cy="152400"/>
+              </a:xfrm>
+              <a:prstGeom prst="ellipse">
+                <a:avLst/>
+              </a:prstGeom>
+              <a:solidFill>
+                <a:schemeClr val="tx1"/>
+              </a:solidFill>
+              <a:ln>
+                <a:noFill/>
+              </a:ln>
+            </p:spPr>
+            <p:style>
+              <a:lnRef idx="2">
+                <a:schemeClr val="accent1">
+                  <a:shade val="50000"/>
+                </a:schemeClr>
+              </a:lnRef>
+              <a:fillRef idx="1">
+                <a:schemeClr val="accent1"/>
+              </a:fillRef>
+              <a:effectRef idx="0">
+                <a:schemeClr val="accent1"/>
+              </a:effectRef>
+              <a:fontRef idx="minor">
+                <a:schemeClr val="lt1"/>
+              </a:fontRef>
+            </p:style>
+            <p:txBody>
+              <a:bodyPr rtlCol="0" anchor="ctr"/>
+              <a:lstStyle/>
+              <a:p>
+                <a:pPr algn="ctr"/>
+                <a:endParaRPr lang="en-US" sz="1350" dirty="0"/>
+              </a:p>
+            </p:txBody>
+          </p:sp>
+        </p:grpSp>
+        <p:grpSp>
+          <p:nvGrpSpPr>
+            <p:cNvPr id="14" name="Group 13"/>
+            <p:cNvGrpSpPr/>
+            <p:nvPr/>
+          </p:nvGrpSpPr>
+          <p:grpSpPr>
+            <a:xfrm rot="19185875">
+              <a:off x="628943" y="968829"/>
+              <a:ext cx="685800" cy="457200"/>
+              <a:chOff x="1143000" y="1143000"/>
+              <a:chExt cx="685800" cy="457200"/>
+            </a:xfrm>
+          </p:grpSpPr>
+          <p:sp>
+            <p:nvSpPr>
+              <p:cNvPr id="18" name="Oval 17"/>
+              <p:cNvSpPr/>
+              <p:nvPr/>
+            </p:nvSpPr>
+            <p:spPr>
+              <a:xfrm>
+                <a:off x="1143000" y="1143000"/>
+                <a:ext cx="685800" cy="457200"/>
+              </a:xfrm>
+              <a:prstGeom prst="ellipse">
+                <a:avLst/>
+              </a:prstGeom>
+              <a:solidFill>
+                <a:srgbClr val="7030A0"/>
+              </a:solidFill>
+              <a:ln>
+                <a:solidFill>
+                  <a:schemeClr val="tx1"/>
+                </a:solidFill>
+              </a:ln>
+            </p:spPr>
+            <p:style>
+              <a:lnRef idx="2">
+                <a:schemeClr val="accent1">
+                  <a:shade val="50000"/>
+                </a:schemeClr>
+              </a:lnRef>
+              <a:fillRef idx="1">
+                <a:schemeClr val="accent1"/>
+              </a:fillRef>
+              <a:effectRef idx="0">
+                <a:schemeClr val="accent1"/>
+              </a:effectRef>
+              <a:fontRef idx="minor">
+                <a:schemeClr val="lt1"/>
+              </a:fontRef>
+            </p:style>
+            <p:txBody>
+              <a:bodyPr rtlCol="0" anchor="ctr"/>
+              <a:lstStyle/>
+              <a:p>
+                <a:pPr algn="ctr"/>
+                <a:endParaRPr lang="en-US" sz="1350" dirty="0"/>
+              </a:p>
+            </p:txBody>
+          </p:sp>
+          <p:sp>
+            <p:nvSpPr>
+              <p:cNvPr id="19" name="Oval 18"/>
+              <p:cNvSpPr/>
+              <p:nvPr/>
+            </p:nvSpPr>
+            <p:spPr>
+              <a:xfrm>
+                <a:off x="1485900" y="1295400"/>
+                <a:ext cx="190500" cy="152400"/>
+              </a:xfrm>
+              <a:prstGeom prst="ellipse">
+                <a:avLst/>
+              </a:prstGeom>
+              <a:solidFill>
+                <a:schemeClr val="tx1"/>
+              </a:solidFill>
+              <a:ln>
+                <a:noFill/>
+              </a:ln>
+            </p:spPr>
+            <p:style>
+              <a:lnRef idx="2">
+                <a:schemeClr val="accent1">
+                  <a:shade val="50000"/>
+                </a:schemeClr>
+              </a:lnRef>
+              <a:fillRef idx="1">
+                <a:schemeClr val="accent1"/>
+              </a:fillRef>
+              <a:effectRef idx="0">
+                <a:schemeClr val="accent1"/>
+              </a:effectRef>
+              <a:fontRef idx="minor">
+                <a:schemeClr val="lt1"/>
+              </a:fontRef>
+            </p:style>
+            <p:txBody>
+              <a:bodyPr rtlCol="0" anchor="ctr"/>
+              <a:lstStyle/>
+              <a:p>
+                <a:pPr algn="ctr"/>
+                <a:endParaRPr lang="en-US" sz="1350" dirty="0"/>
+              </a:p>
+            </p:txBody>
+          </p:sp>
+        </p:grpSp>
+        <p:grpSp>
+          <p:nvGrpSpPr>
+            <p:cNvPr id="15" name="Group 14"/>
+            <p:cNvGrpSpPr/>
+            <p:nvPr/>
+          </p:nvGrpSpPr>
+          <p:grpSpPr>
+            <a:xfrm rot="19185875">
+              <a:off x="628359" y="1325078"/>
+              <a:ext cx="685800" cy="457200"/>
+              <a:chOff x="1143000" y="1143000"/>
+              <a:chExt cx="685800" cy="457200"/>
+            </a:xfrm>
+          </p:grpSpPr>
+          <p:sp>
+            <p:nvSpPr>
+              <p:cNvPr id="16" name="Oval 15"/>
+              <p:cNvSpPr/>
+              <p:nvPr/>
+            </p:nvSpPr>
+            <p:spPr>
+              <a:xfrm>
+                <a:off x="1143000" y="1143000"/>
+                <a:ext cx="685800" cy="457200"/>
+              </a:xfrm>
+              <a:prstGeom prst="ellipse">
+                <a:avLst/>
+              </a:prstGeom>
+              <a:solidFill>
+                <a:srgbClr val="7030A0"/>
+              </a:solidFill>
+              <a:ln>
+                <a:solidFill>
+                  <a:schemeClr val="tx1"/>
+                </a:solidFill>
+              </a:ln>
+            </p:spPr>
+            <p:style>
+              <a:lnRef idx="2">
+                <a:schemeClr val="accent1">
+                  <a:shade val="50000"/>
+                </a:schemeClr>
+              </a:lnRef>
+              <a:fillRef idx="1">
+                <a:schemeClr val="accent1"/>
+              </a:fillRef>
+              <a:effectRef idx="0">
+                <a:schemeClr val="accent1"/>
+              </a:effectRef>
+              <a:fontRef idx="minor">
+                <a:schemeClr val="lt1"/>
+              </a:fontRef>
+            </p:style>
+            <p:txBody>
+              <a:bodyPr rtlCol="0" anchor="ctr"/>
+              <a:lstStyle/>
+              <a:p>
+                <a:pPr algn="ctr"/>
+                <a:endParaRPr lang="en-US" sz="1350" dirty="0"/>
+              </a:p>
+            </p:txBody>
+          </p:sp>
+          <p:sp>
+            <p:nvSpPr>
+              <p:cNvPr id="17" name="Oval 16"/>
+              <p:cNvSpPr/>
+              <p:nvPr/>
+            </p:nvSpPr>
+            <p:spPr>
+              <a:xfrm>
+                <a:off x="1485900" y="1295400"/>
+                <a:ext cx="190500" cy="152400"/>
+              </a:xfrm>
+              <a:prstGeom prst="ellipse">
+                <a:avLst/>
+              </a:prstGeom>
+              <a:solidFill>
+                <a:schemeClr val="tx1"/>
+              </a:solidFill>
+              <a:ln>
+                <a:noFill/>
+              </a:ln>
+            </p:spPr>
+            <p:style>
+              <a:lnRef idx="2">
+                <a:schemeClr val="accent1">
+                  <a:shade val="50000"/>
+                </a:schemeClr>
+              </a:lnRef>
+              <a:fillRef idx="1">
+                <a:schemeClr val="accent1"/>
+              </a:fillRef>
+              <a:effectRef idx="0">
+                <a:schemeClr val="accent1"/>
+              </a:effectRef>
+              <a:fontRef idx="minor">
+                <a:schemeClr val="lt1"/>
+              </a:fontRef>
+            </p:style>
+            <p:txBody>
+              <a:bodyPr rtlCol="0" anchor="ctr"/>
+              <a:lstStyle/>
+              <a:p>
+                <a:pPr algn="ctr"/>
+                <a:endParaRPr lang="en-US" sz="1350" dirty="0"/>
+              </a:p>
+            </p:txBody>
+          </p:sp>
+        </p:grpSp>
+      </p:grpSp>
+      <p:grpSp>
+        <p:nvGrpSpPr>
+          <p:cNvPr id="22" name="Group 21"/>
+          <p:cNvGrpSpPr/>
+          <p:nvPr/>
+        </p:nvGrpSpPr>
+        <p:grpSpPr>
+          <a:xfrm>
+            <a:off x="4694841" y="1828313"/>
+            <a:ext cx="778778" cy="610087"/>
+            <a:chOff x="628359" y="968829"/>
+            <a:chExt cx="1038370" cy="813449"/>
+          </a:xfrm>
+        </p:grpSpPr>
+        <p:grpSp>
+          <p:nvGrpSpPr>
+            <p:cNvPr id="23" name="Group 22"/>
+            <p:cNvGrpSpPr/>
+            <p:nvPr/>
+          </p:nvGrpSpPr>
+          <p:grpSpPr>
+            <a:xfrm rot="19185875">
+              <a:off x="980929" y="1005602"/>
+              <a:ext cx="685800" cy="457200"/>
+              <a:chOff x="1143000" y="1143000"/>
+              <a:chExt cx="685800" cy="457200"/>
+            </a:xfrm>
+          </p:grpSpPr>
+          <p:sp>
+            <p:nvSpPr>
+              <p:cNvPr id="30" name="Oval 29"/>
+              <p:cNvSpPr/>
+              <p:nvPr/>
+            </p:nvSpPr>
+            <p:spPr>
+              <a:xfrm>
+                <a:off x="1143000" y="1143000"/>
+                <a:ext cx="685800" cy="457200"/>
+              </a:xfrm>
+              <a:prstGeom prst="ellipse">
+                <a:avLst/>
+              </a:prstGeom>
+              <a:solidFill>
+                <a:schemeClr val="tx2"/>
+              </a:solidFill>
+              <a:ln>
+                <a:solidFill>
+                  <a:schemeClr val="tx1"/>
+                </a:solidFill>
+              </a:ln>
+            </p:spPr>
+            <p:style>
+              <a:lnRef idx="2">
+                <a:schemeClr val="accent1">
+                  <a:shade val="50000"/>
+                </a:schemeClr>
+              </a:lnRef>
+              <a:fillRef idx="1">
+                <a:schemeClr val="accent1"/>
+              </a:fillRef>
+              <a:effectRef idx="0">
+                <a:schemeClr val="accent1"/>
+              </a:effectRef>
+              <a:fontRef idx="minor">
+                <a:schemeClr val="lt1"/>
+              </a:fontRef>
+            </p:style>
+            <p:txBody>
+              <a:bodyPr rtlCol="0" anchor="ctr"/>
+              <a:lstStyle/>
+              <a:p>
+                <a:pPr algn="ctr"/>
+                <a:endParaRPr lang="en-US" sz="1350" dirty="0"/>
+              </a:p>
+            </p:txBody>
+          </p:sp>
+          <p:sp>
+            <p:nvSpPr>
+              <p:cNvPr id="31" name="Oval 30"/>
+              <p:cNvSpPr/>
+              <p:nvPr/>
+            </p:nvSpPr>
+            <p:spPr>
+              <a:xfrm>
+                <a:off x="1485900" y="1295400"/>
+                <a:ext cx="190500" cy="152400"/>
+              </a:xfrm>
+              <a:prstGeom prst="ellipse">
+                <a:avLst/>
+              </a:prstGeom>
+              <a:solidFill>
+                <a:schemeClr val="tx1"/>
+              </a:solidFill>
+              <a:ln>
+                <a:noFill/>
+              </a:ln>
+            </p:spPr>
+            <p:style>
+              <a:lnRef idx="2">
+                <a:schemeClr val="accent1">
+                  <a:shade val="50000"/>
+                </a:schemeClr>
+              </a:lnRef>
+              <a:fillRef idx="1">
+                <a:schemeClr val="accent1"/>
+              </a:fillRef>
+              <a:effectRef idx="0">
+                <a:schemeClr val="accent1"/>
+              </a:effectRef>
+              <a:fontRef idx="minor">
+                <a:schemeClr val="lt1"/>
+              </a:fontRef>
+            </p:style>
+            <p:txBody>
+              <a:bodyPr rtlCol="0" anchor="ctr"/>
+              <a:lstStyle/>
+              <a:p>
+                <a:pPr algn="ctr"/>
+                <a:endParaRPr lang="en-US" sz="1350" dirty="0"/>
+              </a:p>
+            </p:txBody>
+          </p:sp>
+        </p:grpSp>
+        <p:grpSp>
+          <p:nvGrpSpPr>
+            <p:cNvPr id="24" name="Group 23"/>
+            <p:cNvGrpSpPr/>
+            <p:nvPr/>
+          </p:nvGrpSpPr>
+          <p:grpSpPr>
+            <a:xfrm rot="19185875">
+              <a:off x="628943" y="968829"/>
+              <a:ext cx="685800" cy="457200"/>
+              <a:chOff x="1143000" y="1143000"/>
+              <a:chExt cx="685800" cy="457200"/>
+            </a:xfrm>
+          </p:grpSpPr>
+          <p:sp>
+            <p:nvSpPr>
+              <p:cNvPr id="28" name="Oval 27"/>
+              <p:cNvSpPr/>
+              <p:nvPr/>
+            </p:nvSpPr>
+            <p:spPr>
+              <a:xfrm>
+                <a:off x="1143000" y="1143000"/>
+                <a:ext cx="685800" cy="457200"/>
+              </a:xfrm>
+              <a:prstGeom prst="ellipse">
+                <a:avLst/>
+              </a:prstGeom>
+              <a:solidFill>
+                <a:schemeClr val="tx2"/>
+              </a:solidFill>
+              <a:ln>
+                <a:solidFill>
+                  <a:schemeClr val="tx1"/>
+                </a:solidFill>
+              </a:ln>
+            </p:spPr>
+            <p:style>
+              <a:lnRef idx="2">
+                <a:schemeClr val="accent1">
+                  <a:shade val="50000"/>
+                </a:schemeClr>
+              </a:lnRef>
+              <a:fillRef idx="1">
+                <a:schemeClr val="accent1"/>
+              </a:fillRef>
+              <a:effectRef idx="0">
+                <a:schemeClr val="accent1"/>
+              </a:effectRef>
+              <a:fontRef idx="minor">
+                <a:schemeClr val="lt1"/>
+              </a:fontRef>
+            </p:style>
+            <p:txBody>
+              <a:bodyPr rtlCol="0" anchor="ctr"/>
+              <a:lstStyle/>
+              <a:p>
+                <a:pPr algn="ctr"/>
+                <a:endParaRPr lang="en-US" sz="1350" dirty="0"/>
+              </a:p>
+            </p:txBody>
+          </p:sp>
+          <p:sp>
+            <p:nvSpPr>
+              <p:cNvPr id="29" name="Oval 28"/>
+              <p:cNvSpPr/>
+              <p:nvPr/>
+            </p:nvSpPr>
+            <p:spPr>
+              <a:xfrm>
+                <a:off x="1485900" y="1295400"/>
+                <a:ext cx="190500" cy="152400"/>
+              </a:xfrm>
+              <a:prstGeom prst="ellipse">
+                <a:avLst/>
+              </a:prstGeom>
+              <a:solidFill>
+                <a:schemeClr val="tx1"/>
+              </a:solidFill>
+              <a:ln>
+                <a:noFill/>
+              </a:ln>
+            </p:spPr>
+            <p:style>
+              <a:lnRef idx="2">
+                <a:schemeClr val="accent1">
+                  <a:shade val="50000"/>
+                </a:schemeClr>
+              </a:lnRef>
+              <a:fillRef idx="1">
+                <a:schemeClr val="accent1"/>
+              </a:fillRef>
+              <a:effectRef idx="0">
+                <a:schemeClr val="accent1"/>
+              </a:effectRef>
+              <a:fontRef idx="minor">
+                <a:schemeClr val="lt1"/>
+              </a:fontRef>
+            </p:style>
+            <p:txBody>
+              <a:bodyPr rtlCol="0" anchor="ctr"/>
+              <a:lstStyle/>
+              <a:p>
+                <a:pPr algn="ctr"/>
+                <a:endParaRPr lang="en-US" sz="1350" dirty="0"/>
+              </a:p>
+            </p:txBody>
+          </p:sp>
+        </p:grpSp>
+        <p:grpSp>
+          <p:nvGrpSpPr>
+            <p:cNvPr id="25" name="Group 24"/>
+            <p:cNvGrpSpPr/>
+            <p:nvPr/>
+          </p:nvGrpSpPr>
+          <p:grpSpPr>
+            <a:xfrm rot="19185875">
+              <a:off x="628359" y="1325078"/>
+              <a:ext cx="685800" cy="457200"/>
+              <a:chOff x="1143000" y="1143000"/>
+              <a:chExt cx="685800" cy="457200"/>
+            </a:xfrm>
+          </p:grpSpPr>
+          <p:sp>
+            <p:nvSpPr>
+              <p:cNvPr id="26" name="Oval 25"/>
+              <p:cNvSpPr/>
+              <p:nvPr/>
+            </p:nvSpPr>
+            <p:spPr>
+              <a:xfrm>
+                <a:off x="1143000" y="1143000"/>
+                <a:ext cx="685800" cy="457200"/>
+              </a:xfrm>
+              <a:prstGeom prst="ellipse">
+                <a:avLst/>
+              </a:prstGeom>
+              <a:solidFill>
+                <a:schemeClr val="tx2"/>
+              </a:solidFill>
+              <a:ln>
+                <a:solidFill>
+                  <a:schemeClr val="tx1"/>
+                </a:solidFill>
+              </a:ln>
+            </p:spPr>
+            <p:style>
+              <a:lnRef idx="2">
+                <a:schemeClr val="accent1">
+                  <a:shade val="50000"/>
+                </a:schemeClr>
+              </a:lnRef>
+              <a:fillRef idx="1">
+                <a:schemeClr val="accent1"/>
+              </a:fillRef>
+              <a:effectRef idx="0">
+                <a:schemeClr val="accent1"/>
+              </a:effectRef>
+              <a:fontRef idx="minor">
+                <a:schemeClr val="lt1"/>
+              </a:fontRef>
+            </p:style>
+            <p:txBody>
+              <a:bodyPr rtlCol="0" anchor="ctr"/>
+              <a:lstStyle/>
+              <a:p>
+                <a:pPr algn="ctr"/>
+                <a:endParaRPr lang="en-US" sz="1350" dirty="0"/>
+              </a:p>
+            </p:txBody>
+          </p:sp>
+          <p:sp>
+            <p:nvSpPr>
+              <p:cNvPr id="27" name="Oval 26"/>
+              <p:cNvSpPr/>
+              <p:nvPr/>
+            </p:nvSpPr>
+            <p:spPr>
+              <a:xfrm>
+                <a:off x="1485900" y="1295400"/>
+                <a:ext cx="190500" cy="152400"/>
+              </a:xfrm>
+              <a:prstGeom prst="ellipse">
+                <a:avLst/>
+              </a:prstGeom>
+              <a:solidFill>
+                <a:schemeClr val="tx1"/>
+              </a:solidFill>
+              <a:ln>
+                <a:noFill/>
+              </a:ln>
+            </p:spPr>
+            <p:style>
+              <a:lnRef idx="2">
+                <a:schemeClr val="accent1">
+                  <a:shade val="50000"/>
+                </a:schemeClr>
+              </a:lnRef>
+              <a:fillRef idx="1">
+                <a:schemeClr val="accent1"/>
+              </a:fillRef>
+              <a:effectRef idx="0">
+                <a:schemeClr val="accent1"/>
+              </a:effectRef>
+              <a:fontRef idx="minor">
+                <a:schemeClr val="lt1"/>
+              </a:fontRef>
+            </p:style>
+            <p:txBody>
+              <a:bodyPr rtlCol="0" anchor="ctr"/>
+              <a:lstStyle/>
+              <a:p>
+                <a:pPr algn="ctr"/>
+                <a:endParaRPr lang="en-US" sz="1350" dirty="0"/>
+              </a:p>
+            </p:txBody>
+          </p:sp>
+        </p:grpSp>
+      </p:grpSp>
+      <p:grpSp>
+        <p:nvGrpSpPr>
+          <p:cNvPr id="32" name="Group 31"/>
+          <p:cNvGrpSpPr/>
+          <p:nvPr/>
+        </p:nvGrpSpPr>
+        <p:grpSpPr>
+          <a:xfrm>
+            <a:off x="4648200" y="3657113"/>
+            <a:ext cx="778778" cy="610087"/>
+            <a:chOff x="628359" y="968829"/>
+            <a:chExt cx="1038370" cy="813449"/>
+          </a:xfrm>
+        </p:grpSpPr>
+        <p:grpSp>
+          <p:nvGrpSpPr>
+            <p:cNvPr id="33" name="Group 32"/>
+            <p:cNvGrpSpPr/>
+            <p:nvPr/>
+          </p:nvGrpSpPr>
+          <p:grpSpPr>
+            <a:xfrm rot="19185875">
+              <a:off x="980929" y="1005602"/>
+              <a:ext cx="685800" cy="457200"/>
+              <a:chOff x="1143000" y="1143000"/>
+              <a:chExt cx="685800" cy="457200"/>
+            </a:xfrm>
+          </p:grpSpPr>
+          <p:sp>
+            <p:nvSpPr>
+              <p:cNvPr id="40" name="Oval 39"/>
+              <p:cNvSpPr/>
+              <p:nvPr/>
+            </p:nvSpPr>
+            <p:spPr>
+              <a:xfrm>
+                <a:off x="1143000" y="1143000"/>
+                <a:ext cx="685800" cy="457200"/>
+              </a:xfrm>
+              <a:prstGeom prst="ellipse">
+                <a:avLst/>
+              </a:prstGeom>
+              <a:solidFill>
+                <a:schemeClr val="tx2">
+                  <a:lumMod val="20000"/>
+                  <a:lumOff val="80000"/>
+                </a:schemeClr>
+              </a:solidFill>
+              <a:ln>
+                <a:solidFill>
+                  <a:schemeClr val="tx1"/>
+                </a:solidFill>
+              </a:ln>
+            </p:spPr>
+            <p:style>
+              <a:lnRef idx="2">
+                <a:schemeClr val="accent1">
+                  <a:shade val="50000"/>
+                </a:schemeClr>
+              </a:lnRef>
+              <a:fillRef idx="1">
+                <a:schemeClr val="accent1"/>
+              </a:fillRef>
+              <a:effectRef idx="0">
+                <a:schemeClr val="accent1"/>
+              </a:effectRef>
+              <a:fontRef idx="minor">
+                <a:schemeClr val="lt1"/>
+              </a:fontRef>
+            </p:style>
+            <p:txBody>
+              <a:bodyPr rtlCol="0" anchor="ctr"/>
+              <a:lstStyle/>
+              <a:p>
+                <a:pPr algn="ctr"/>
+                <a:endParaRPr lang="en-US" sz="1350" dirty="0"/>
+              </a:p>
+            </p:txBody>
+          </p:sp>
+          <p:sp>
+            <p:nvSpPr>
+              <p:cNvPr id="41" name="Oval 40"/>
+              <p:cNvSpPr/>
+              <p:nvPr/>
+            </p:nvSpPr>
+            <p:spPr>
+              <a:xfrm>
+                <a:off x="1485900" y="1295400"/>
+                <a:ext cx="190500" cy="152400"/>
+              </a:xfrm>
+              <a:prstGeom prst="ellipse">
+                <a:avLst/>
+              </a:prstGeom>
+              <a:solidFill>
+                <a:schemeClr val="tx1"/>
+              </a:solidFill>
+              <a:ln>
+                <a:noFill/>
+              </a:ln>
+            </p:spPr>
+            <p:style>
+              <a:lnRef idx="2">
+                <a:schemeClr val="accent1">
+                  <a:shade val="50000"/>
+                </a:schemeClr>
+              </a:lnRef>
+              <a:fillRef idx="1">
+                <a:schemeClr val="accent1"/>
+              </a:fillRef>
+              <a:effectRef idx="0">
+                <a:schemeClr val="accent1"/>
+              </a:effectRef>
+              <a:fontRef idx="minor">
+                <a:schemeClr val="lt1"/>
+              </a:fontRef>
+            </p:style>
+            <p:txBody>
+              <a:bodyPr rtlCol="0" anchor="ctr"/>
+              <a:lstStyle/>
+              <a:p>
+                <a:pPr algn="ctr"/>
+                <a:endParaRPr lang="en-US" sz="1350" dirty="0"/>
+              </a:p>
+            </p:txBody>
+          </p:sp>
+        </p:grpSp>
+        <p:grpSp>
+          <p:nvGrpSpPr>
+            <p:cNvPr id="34" name="Group 33"/>
+            <p:cNvGrpSpPr/>
+            <p:nvPr/>
+          </p:nvGrpSpPr>
+          <p:grpSpPr>
+            <a:xfrm rot="19185875">
+              <a:off x="628943" y="968829"/>
+              <a:ext cx="685800" cy="457200"/>
+              <a:chOff x="1143000" y="1143000"/>
+              <a:chExt cx="685800" cy="457200"/>
+            </a:xfrm>
+          </p:grpSpPr>
+          <p:sp>
+            <p:nvSpPr>
+              <p:cNvPr id="38" name="Oval 37"/>
+              <p:cNvSpPr/>
+              <p:nvPr/>
+            </p:nvSpPr>
+            <p:spPr>
+              <a:xfrm>
+                <a:off x="1143000" y="1143000"/>
+                <a:ext cx="685800" cy="457200"/>
+              </a:xfrm>
+              <a:prstGeom prst="ellipse">
+                <a:avLst/>
+              </a:prstGeom>
+              <a:solidFill>
+                <a:schemeClr val="tx2">
+                  <a:lumMod val="20000"/>
+                  <a:lumOff val="80000"/>
+                </a:schemeClr>
+              </a:solidFill>
+              <a:ln>
+                <a:solidFill>
+                  <a:schemeClr val="tx1"/>
+                </a:solidFill>
+              </a:ln>
+            </p:spPr>
+            <p:style>
+              <a:lnRef idx="2">
+                <a:schemeClr val="accent1">
+                  <a:shade val="50000"/>
+                </a:schemeClr>
+              </a:lnRef>
+              <a:fillRef idx="1">
+                <a:schemeClr val="accent1"/>
+              </a:fillRef>
+              <a:effectRef idx="0">
+                <a:schemeClr val="accent1"/>
+              </a:effectRef>
+              <a:fontRef idx="minor">
+                <a:schemeClr val="lt1"/>
+              </a:fontRef>
+            </p:style>
+            <p:txBody>
+              <a:bodyPr rtlCol="0" anchor="ctr"/>
+              <a:lstStyle/>
+              <a:p>
+                <a:pPr algn="ctr"/>
+                <a:endParaRPr lang="en-US" sz="1350" dirty="0"/>
+              </a:p>
+            </p:txBody>
+          </p:sp>
+          <p:sp>
+            <p:nvSpPr>
+              <p:cNvPr id="39" name="Oval 38"/>
+              <p:cNvSpPr/>
+              <p:nvPr/>
+            </p:nvSpPr>
+            <p:spPr>
+              <a:xfrm>
+                <a:off x="1485900" y="1295400"/>
+                <a:ext cx="190500" cy="152400"/>
+              </a:xfrm>
+              <a:prstGeom prst="ellipse">
+                <a:avLst/>
+              </a:prstGeom>
+              <a:solidFill>
+                <a:schemeClr val="tx1"/>
+              </a:solidFill>
+              <a:ln>
+                <a:noFill/>
+              </a:ln>
+            </p:spPr>
+            <p:style>
+              <a:lnRef idx="2">
+                <a:schemeClr val="accent1">
+                  <a:shade val="50000"/>
+                </a:schemeClr>
+              </a:lnRef>
+              <a:fillRef idx="1">
+                <a:schemeClr val="accent1"/>
+              </a:fillRef>
+              <a:effectRef idx="0">
+                <a:schemeClr val="accent1"/>
+              </a:effectRef>
+              <a:fontRef idx="minor">
+                <a:schemeClr val="lt1"/>
+              </a:fontRef>
+            </p:style>
+            <p:txBody>
+              <a:bodyPr rtlCol="0" anchor="ctr"/>
+              <a:lstStyle/>
+              <a:p>
+                <a:pPr algn="ctr"/>
+                <a:endParaRPr lang="en-US" sz="1350" dirty="0"/>
+              </a:p>
+            </p:txBody>
+          </p:sp>
+        </p:grpSp>
+        <p:grpSp>
+          <p:nvGrpSpPr>
+            <p:cNvPr id="35" name="Group 34"/>
+            <p:cNvGrpSpPr/>
+            <p:nvPr/>
+          </p:nvGrpSpPr>
+          <p:grpSpPr>
+            <a:xfrm rot="19185875">
+              <a:off x="628359" y="1325078"/>
+              <a:ext cx="685800" cy="457200"/>
+              <a:chOff x="1143000" y="1143000"/>
+              <a:chExt cx="685800" cy="457200"/>
+            </a:xfrm>
+          </p:grpSpPr>
+          <p:sp>
+            <p:nvSpPr>
+              <p:cNvPr id="36" name="Oval 35"/>
+              <p:cNvSpPr/>
+              <p:nvPr/>
+            </p:nvSpPr>
+            <p:spPr>
+              <a:xfrm>
+                <a:off x="1143000" y="1143000"/>
+                <a:ext cx="685800" cy="457200"/>
+              </a:xfrm>
+              <a:prstGeom prst="ellipse">
+                <a:avLst/>
+              </a:prstGeom>
+              <a:solidFill>
+                <a:schemeClr val="tx2">
+                  <a:lumMod val="20000"/>
+                  <a:lumOff val="80000"/>
+                </a:schemeClr>
+              </a:solidFill>
+              <a:ln>
+                <a:solidFill>
+                  <a:schemeClr val="tx1"/>
+                </a:solidFill>
+              </a:ln>
+            </p:spPr>
+            <p:style>
+              <a:lnRef idx="2">
+                <a:schemeClr val="accent1">
+                  <a:shade val="50000"/>
+                </a:schemeClr>
+              </a:lnRef>
+              <a:fillRef idx="1">
+                <a:schemeClr val="accent1"/>
+              </a:fillRef>
+              <a:effectRef idx="0">
+                <a:schemeClr val="accent1"/>
+              </a:effectRef>
+              <a:fontRef idx="minor">
+                <a:schemeClr val="lt1"/>
+              </a:fontRef>
+            </p:style>
+            <p:txBody>
+              <a:bodyPr rtlCol="0" anchor="ctr"/>
+              <a:lstStyle/>
+              <a:p>
+                <a:pPr algn="ctr"/>
+                <a:endParaRPr lang="en-US" sz="1350" dirty="0"/>
+              </a:p>
+            </p:txBody>
+          </p:sp>
+          <p:sp>
+            <p:nvSpPr>
+              <p:cNvPr id="37" name="Oval 36"/>
+              <p:cNvSpPr/>
+              <p:nvPr/>
+            </p:nvSpPr>
+            <p:spPr>
+              <a:xfrm>
+                <a:off x="1485900" y="1295400"/>
+                <a:ext cx="190500" cy="152400"/>
+              </a:xfrm>
+              <a:prstGeom prst="ellipse">
+                <a:avLst/>
+              </a:prstGeom>
+              <a:solidFill>
+                <a:schemeClr val="tx1"/>
+              </a:solidFill>
+              <a:ln>
+                <a:noFill/>
+              </a:ln>
+            </p:spPr>
+            <p:style>
+              <a:lnRef idx="2">
+                <a:schemeClr val="accent1">
+                  <a:shade val="50000"/>
+                </a:schemeClr>
+              </a:lnRef>
+              <a:fillRef idx="1">
+                <a:schemeClr val="accent1"/>
+              </a:fillRef>
+              <a:effectRef idx="0">
+                <a:schemeClr val="accent1"/>
+              </a:effectRef>
+              <a:fontRef idx="minor">
+                <a:schemeClr val="lt1"/>
+              </a:fontRef>
+            </p:style>
+            <p:txBody>
+              <a:bodyPr rtlCol="0" anchor="ctr"/>
+              <a:lstStyle/>
+              <a:p>
+                <a:pPr algn="ctr"/>
+                <a:endParaRPr lang="en-US" sz="1350" dirty="0"/>
+              </a:p>
+            </p:txBody>
+          </p:sp>
+        </p:grpSp>
+      </p:grpSp>
+      <p:sp>
+        <p:nvSpPr>
+          <p:cNvPr id="52" name="TextBox 51"/>
+          <p:cNvSpPr txBox="1"/>
+          <p:nvPr/>
+        </p:nvSpPr>
+        <p:spPr>
+          <a:xfrm>
+            <a:off x="2972567" y="1329299"/>
+            <a:ext cx="359325" cy="346249"/>
+          </a:xfrm>
+          <a:prstGeom prst="rect">
+            <a:avLst/>
+          </a:prstGeom>
+          <a:noFill/>
+        </p:spPr>
+        <p:txBody>
+          <a:bodyPr wrap="square" rtlCol="0">
+            <a:spAutoFit/>
+          </a:bodyPr>
+          <a:lstStyle/>
+          <a:p>
+            <a:r>
+              <a:rPr lang="en-US" sz="1650" dirty="0" smtClean="0">
+                <a:latin typeface="Times New Roman" panose="02020603050405020304" pitchFamily="18" charset="0"/>
+                <a:cs typeface="Times New Roman" panose="02020603050405020304" pitchFamily="18" charset="0"/>
+              </a:rPr>
+              <a:t>A</a:t>
+            </a:r>
+            <a:endParaRPr lang="en-US" sz="1650" dirty="0">
+              <a:latin typeface="Times New Roman" panose="02020603050405020304" pitchFamily="18" charset="0"/>
+              <a:cs typeface="Times New Roman" panose="02020603050405020304" pitchFamily="18" charset="0"/>
+            </a:endParaRPr>
+          </a:p>
+        </p:txBody>
+      </p:sp>
+      <p:sp>
+        <p:nvSpPr>
+          <p:cNvPr id="61" name="TextBox 60"/>
+          <p:cNvSpPr txBox="1"/>
+          <p:nvPr/>
+        </p:nvSpPr>
+        <p:spPr>
+          <a:xfrm>
+            <a:off x="2997496" y="4383405"/>
+            <a:ext cx="359325" cy="346249"/>
+          </a:xfrm>
+          <a:prstGeom prst="rect">
+            <a:avLst/>
+          </a:prstGeom>
+          <a:noFill/>
+        </p:spPr>
+        <p:txBody>
+          <a:bodyPr wrap="square" rtlCol="0">
+            <a:spAutoFit/>
+          </a:bodyPr>
+          <a:lstStyle/>
+          <a:p>
+            <a:r>
+              <a:rPr lang="en-US" sz="1650" dirty="0" smtClean="0">
+                <a:latin typeface="Times New Roman" panose="02020603050405020304" pitchFamily="18" charset="0"/>
+                <a:cs typeface="Times New Roman" panose="02020603050405020304" pitchFamily="18" charset="0"/>
+              </a:rPr>
+              <a:t>B</a:t>
+            </a:r>
+            <a:endParaRPr lang="en-US" sz="1650" dirty="0">
+              <a:latin typeface="Times New Roman" panose="02020603050405020304" pitchFamily="18" charset="0"/>
+              <a:cs typeface="Times New Roman" panose="02020603050405020304" pitchFamily="18" charset="0"/>
+            </a:endParaRPr>
+          </a:p>
+        </p:txBody>
+      </p:sp>
+      <p:sp>
+        <p:nvSpPr>
+          <p:cNvPr id="62" name="TextBox 61"/>
+          <p:cNvSpPr txBox="1"/>
+          <p:nvPr/>
+        </p:nvSpPr>
+        <p:spPr>
+          <a:xfrm>
+            <a:off x="4793321" y="1329298"/>
+            <a:ext cx="359325" cy="346249"/>
+          </a:xfrm>
+          <a:prstGeom prst="rect">
+            <a:avLst/>
+          </a:prstGeom>
+          <a:noFill/>
+        </p:spPr>
+        <p:txBody>
+          <a:bodyPr wrap="square" rtlCol="0">
+            <a:spAutoFit/>
+          </a:bodyPr>
+          <a:lstStyle/>
+          <a:p>
+            <a:r>
+              <a:rPr lang="en-US" sz="1650" dirty="0">
+                <a:latin typeface="Times New Roman" panose="02020603050405020304" pitchFamily="18" charset="0"/>
+                <a:cs typeface="Times New Roman" panose="02020603050405020304" pitchFamily="18" charset="0"/>
+              </a:rPr>
+              <a:t>C</a:t>
+            </a:r>
+            <a:endParaRPr lang="en-US" sz="1650" dirty="0">
+              <a:latin typeface="Times New Roman" panose="02020603050405020304" pitchFamily="18" charset="0"/>
+              <a:cs typeface="Times New Roman" panose="02020603050405020304" pitchFamily="18" charset="0"/>
+            </a:endParaRPr>
+          </a:p>
+        </p:txBody>
+      </p:sp>
+      <p:sp>
+        <p:nvSpPr>
+          <p:cNvPr id="63" name="TextBox 62"/>
+          <p:cNvSpPr txBox="1"/>
+          <p:nvPr/>
+        </p:nvSpPr>
+        <p:spPr>
+          <a:xfrm>
+            <a:off x="4800600" y="4362680"/>
+            <a:ext cx="359325" cy="346249"/>
+          </a:xfrm>
+          <a:prstGeom prst="rect">
+            <a:avLst/>
+          </a:prstGeom>
+          <a:noFill/>
+        </p:spPr>
+        <p:txBody>
+          <a:bodyPr wrap="square" rtlCol="0">
+            <a:spAutoFit/>
+          </a:bodyPr>
+          <a:lstStyle/>
+          <a:p>
+            <a:r>
+              <a:rPr lang="en-US" sz="1650" dirty="0" smtClean="0">
+                <a:latin typeface="Times New Roman" panose="02020603050405020304" pitchFamily="18" charset="0"/>
+                <a:cs typeface="Times New Roman" panose="02020603050405020304" pitchFamily="18" charset="0"/>
+              </a:rPr>
+              <a:t>D</a:t>
+            </a:r>
+            <a:endParaRPr lang="en-US" sz="1650" dirty="0">
+              <a:latin typeface="Times New Roman" panose="02020603050405020304" pitchFamily="18" charset="0"/>
+              <a:cs typeface="Times New Roman" panose="02020603050405020304" pitchFamily="18" charset="0"/>
+            </a:endParaRPr>
+          </a:p>
+        </p:txBody>
+      </p:sp>
+      <p:cxnSp>
+        <p:nvCxnSpPr>
+          <p:cNvPr id="46" name="Straight Arrow Connector 45"/>
+          <p:cNvCxnSpPr/>
+          <p:nvPr/>
+        </p:nvCxnSpPr>
+        <p:spPr>
+          <a:xfrm>
+            <a:off x="3652404" y="2002166"/>
+            <a:ext cx="992540" cy="0"/>
+          </a:xfrm>
+          <a:prstGeom prst="straightConnector1">
+            <a:avLst/>
+          </a:prstGeom>
+          <a:ln w="38100">
+            <a:solidFill>
+              <a:schemeClr val="tx1"/>
+            </a:solidFill>
+            <a:headEnd type="arrow"/>
+            <a:tailEnd type="arrow"/>
+          </a:ln>
+        </p:spPr>
+        <p:style>
+          <a:lnRef idx="1">
+            <a:schemeClr val="accent1"/>
+          </a:lnRef>
+          <a:fillRef idx="0">
+            <a:schemeClr val="accent1"/>
+          </a:fillRef>
+          <a:effectRef idx="0">
+            <a:schemeClr val="accent1"/>
+          </a:effectRef>
+          <a:fontRef idx="minor">
+            <a:schemeClr val="tx1"/>
+          </a:fontRef>
+        </p:style>
+      </p:cxnSp>
+      <p:cxnSp>
+        <p:nvCxnSpPr>
+          <p:cNvPr id="47" name="Straight Arrow Connector 46"/>
+          <p:cNvCxnSpPr/>
+          <p:nvPr/>
+        </p:nvCxnSpPr>
+        <p:spPr>
+          <a:xfrm>
+            <a:off x="3652404" y="3940524"/>
+            <a:ext cx="992540" cy="0"/>
+          </a:xfrm>
+          <a:prstGeom prst="straightConnector1">
+            <a:avLst/>
+          </a:prstGeom>
+          <a:ln w="38100">
+            <a:solidFill>
+              <a:schemeClr val="tx1"/>
+            </a:solidFill>
+            <a:headEnd type="arrow"/>
+            <a:tailEnd type="arrow"/>
+          </a:ln>
+        </p:spPr>
+        <p:style>
+          <a:lnRef idx="1">
+            <a:schemeClr val="accent1"/>
+          </a:lnRef>
+          <a:fillRef idx="0">
+            <a:schemeClr val="accent1"/>
+          </a:fillRef>
+          <a:effectRef idx="0">
+            <a:schemeClr val="accent1"/>
+          </a:effectRef>
+          <a:fontRef idx="minor">
+            <a:schemeClr val="tx1"/>
+          </a:fontRef>
+        </p:style>
+      </p:cxnSp>
+      <p:cxnSp>
+        <p:nvCxnSpPr>
+          <p:cNvPr id="48" name="Straight Arrow Connector 47"/>
+          <p:cNvCxnSpPr/>
+          <p:nvPr/>
+        </p:nvCxnSpPr>
+        <p:spPr>
+          <a:xfrm rot="5400000">
+            <a:off x="2654007" y="3035045"/>
+            <a:ext cx="992540" cy="0"/>
+          </a:xfrm>
+          <a:prstGeom prst="straightConnector1">
+            <a:avLst/>
+          </a:prstGeom>
+          <a:ln w="38100">
+            <a:solidFill>
+              <a:schemeClr val="tx1"/>
+            </a:solidFill>
+            <a:headEnd type="arrow"/>
+            <a:tailEnd type="arrow"/>
+          </a:ln>
+        </p:spPr>
+        <p:style>
+          <a:lnRef idx="1">
+            <a:schemeClr val="accent1"/>
+          </a:lnRef>
+          <a:fillRef idx="0">
+            <a:schemeClr val="accent1"/>
+          </a:fillRef>
+          <a:effectRef idx="0">
+            <a:schemeClr val="accent1"/>
+          </a:effectRef>
+          <a:fontRef idx="minor">
+            <a:schemeClr val="tx1"/>
+          </a:fontRef>
+        </p:style>
+      </p:cxnSp>
+      <p:cxnSp>
+        <p:nvCxnSpPr>
+          <p:cNvPr id="50" name="Straight Arrow Connector 49"/>
+          <p:cNvCxnSpPr/>
+          <p:nvPr/>
+        </p:nvCxnSpPr>
+        <p:spPr>
+          <a:xfrm rot="5400000">
+            <a:off x="4555091" y="3062871"/>
+            <a:ext cx="992540" cy="0"/>
+          </a:xfrm>
+          <a:prstGeom prst="straightConnector1">
+            <a:avLst/>
+          </a:prstGeom>
+          <a:ln w="38100">
+            <a:solidFill>
+              <a:schemeClr val="tx1"/>
+            </a:solidFill>
+            <a:headEnd type="arrow"/>
+            <a:tailEnd type="arrow"/>
+          </a:ln>
+        </p:spPr>
+        <p:style>
+          <a:lnRef idx="1">
+            <a:schemeClr val="accent1"/>
+          </a:lnRef>
+          <a:fillRef idx="0">
+            <a:schemeClr val="accent1"/>
+          </a:fillRef>
+          <a:effectRef idx="0">
+            <a:schemeClr val="accent1"/>
+          </a:effectRef>
+          <a:fontRef idx="minor">
+            <a:schemeClr val="tx1"/>
+          </a:fontRef>
+        </p:style>
+      </p:cxnSp>
+      <p:cxnSp>
+        <p:nvCxnSpPr>
+          <p:cNvPr id="51" name="Straight Arrow Connector 50"/>
+          <p:cNvCxnSpPr/>
+          <p:nvPr/>
+        </p:nvCxnSpPr>
+        <p:spPr>
+          <a:xfrm>
+            <a:off x="3507671" y="2438400"/>
+            <a:ext cx="1137273" cy="1092915"/>
+          </a:xfrm>
+          <a:prstGeom prst="straightConnector1">
+            <a:avLst/>
+          </a:prstGeom>
+          <a:ln w="38100">
+            <a:solidFill>
+              <a:schemeClr val="tx1"/>
+            </a:solidFill>
+            <a:headEnd type="arrow"/>
+            <a:tailEnd type="arrow"/>
+          </a:ln>
+        </p:spPr>
+        <p:style>
+          <a:lnRef idx="1">
+            <a:schemeClr val="accent1"/>
+          </a:lnRef>
+          <a:fillRef idx="0">
+            <a:schemeClr val="accent1"/>
+          </a:fillRef>
+          <a:effectRef idx="0">
+            <a:schemeClr val="accent1"/>
+          </a:effectRef>
+          <a:fontRef idx="minor">
+            <a:schemeClr val="tx1"/>
+          </a:fontRef>
+        </p:style>
+      </p:cxnSp>
+      <p:cxnSp>
+        <p:nvCxnSpPr>
+          <p:cNvPr id="54" name="Straight Arrow Connector 53"/>
+          <p:cNvCxnSpPr/>
+          <p:nvPr/>
+        </p:nvCxnSpPr>
+        <p:spPr>
+          <a:xfrm rot="16200000">
+            <a:off x="3536557" y="2460579"/>
+            <a:ext cx="1137273" cy="1092915"/>
+          </a:xfrm>
+          <a:prstGeom prst="straightConnector1">
+            <a:avLst/>
+          </a:prstGeom>
+          <a:ln w="38100">
+            <a:solidFill>
+              <a:schemeClr val="tx1"/>
+            </a:solidFill>
+            <a:headEnd type="arrow"/>
+            <a:tailEnd type="arrow"/>
+          </a:ln>
+        </p:spPr>
+        <p:style>
+          <a:lnRef idx="1">
+            <a:schemeClr val="accent1"/>
+          </a:lnRef>
+          <a:fillRef idx="0">
+            <a:schemeClr val="accent1"/>
+          </a:fillRef>
+          <a:effectRef idx="0">
+            <a:schemeClr val="accent1"/>
+          </a:effectRef>
+          <a:fontRef idx="minor">
+            <a:schemeClr val="tx1"/>
+          </a:fontRef>
+        </p:style>
+      </p:cxnSp>
+    </p:spTree>
+    <p:extLst>
+      <p:ext uri="{BB962C8B-B14F-4D97-AF65-F5344CB8AC3E}">
+        <p14:creationId xmlns:p14="http://schemas.microsoft.com/office/powerpoint/2010/main" val="677362324"/>
+      </p:ext>
+    </p:extLst>
+  </p:cSld>
+  <p:clrMapOvr>
+    <a:masterClrMapping/>
+  </p:clrMapOvr>
+  <p:timing>
+    <p:tnLst>
+      <p:par>
+        <p:cTn id="1" dur="indefinite" restart="never" nodeType="tmRoot"/>
+      </p:par>
+    </p:tnLst>
+  </p:timing>
 </p:sld>
 </file>
 
@@ -13971,6 +15730,5168 @@
 </p:sld>
 </file>
 
+<file path=ppt/slides/slide5.xml><?xml version="1.0" encoding="utf-8"?>
+<p:sld xmlns:a="http://schemas.openxmlformats.org/drawingml/2006/main" xmlns:r="http://schemas.openxmlformats.org/officeDocument/2006/relationships" xmlns:p="http://schemas.openxmlformats.org/presentationml/2006/main">
+  <p:cSld>
+    <p:spTree>
+      <p:nvGrpSpPr>
+        <p:cNvPr id="1" name=""/>
+        <p:cNvGrpSpPr/>
+        <p:nvPr/>
+      </p:nvGrpSpPr>
+      <p:grpSpPr>
+        <a:xfrm>
+          <a:off x="0" y="0"/>
+          <a:ext cx="0" cy="0"/>
+          <a:chOff x="0" y="0"/>
+          <a:chExt cx="0" cy="0"/>
+        </a:xfrm>
+      </p:grpSpPr>
+      <p:sp>
+        <p:nvSpPr>
+          <p:cNvPr id="2" name="Title 1"/>
+          <p:cNvSpPr>
+            <a:spLocks noGrp="1"/>
+          </p:cNvSpPr>
+          <p:nvPr>
+            <p:ph type="title"/>
+          </p:nvPr>
+        </p:nvSpPr>
+        <p:spPr/>
+        <p:txBody>
+          <a:bodyPr/>
+          <a:lstStyle/>
+          <a:p>
+            <a:r>
+              <a:rPr lang="en-US" dirty="0" smtClean="0"/>
+              <a:t>Video 3</a:t>
+            </a:r>
+            <a:endParaRPr lang="en-US" dirty="0"/>
+          </a:p>
+        </p:txBody>
+      </p:sp>
+      <p:sp>
+        <p:nvSpPr>
+          <p:cNvPr id="3" name="Text Placeholder 2"/>
+          <p:cNvSpPr>
+            <a:spLocks noGrp="1"/>
+          </p:cNvSpPr>
+          <p:nvPr>
+            <p:ph type="body" idx="1"/>
+          </p:nvPr>
+        </p:nvSpPr>
+        <p:spPr/>
+        <p:txBody>
+          <a:bodyPr/>
+          <a:lstStyle/>
+          <a:p>
+            <a:endParaRPr lang="en-US"/>
+          </a:p>
+        </p:txBody>
+      </p:sp>
+    </p:spTree>
+    <p:extLst>
+      <p:ext uri="{BB962C8B-B14F-4D97-AF65-F5344CB8AC3E}">
+        <p14:creationId xmlns:p14="http://schemas.microsoft.com/office/powerpoint/2010/main" val="1538678357"/>
+      </p:ext>
+    </p:extLst>
+  </p:cSld>
+  <p:clrMapOvr>
+    <a:masterClrMapping/>
+  </p:clrMapOvr>
+  <p:timing>
+    <p:tnLst>
+      <p:par>
+        <p:cTn id="1" dur="indefinite" restart="never" nodeType="tmRoot"/>
+      </p:par>
+    </p:tnLst>
+  </p:timing>
+</p:sld>
+</file>
+
+<file path=ppt/slides/slide6.xml><?xml version="1.0" encoding="utf-8"?>
+<p:sld xmlns:a="http://schemas.openxmlformats.org/drawingml/2006/main" xmlns:r="http://schemas.openxmlformats.org/officeDocument/2006/relationships" xmlns:p="http://schemas.openxmlformats.org/presentationml/2006/main">
+  <p:cSld>
+    <p:spTree>
+      <p:nvGrpSpPr>
+        <p:cNvPr id="1" name=""/>
+        <p:cNvGrpSpPr/>
+        <p:nvPr/>
+      </p:nvGrpSpPr>
+      <p:grpSpPr>
+        <a:xfrm>
+          <a:off x="0" y="0"/>
+          <a:ext cx="0" cy="0"/>
+          <a:chOff x="0" y="0"/>
+          <a:chExt cx="0" cy="0"/>
+        </a:xfrm>
+      </p:grpSpPr>
+      <p:sp>
+        <p:nvSpPr>
+          <p:cNvPr id="4" name="Rectangle 3"/>
+          <p:cNvSpPr/>
+          <p:nvPr/>
+        </p:nvSpPr>
+        <p:spPr>
+          <a:xfrm>
+            <a:off x="1828800" y="1600200"/>
+            <a:ext cx="914400" cy="914400"/>
+          </a:xfrm>
+          <a:prstGeom prst="rect">
+            <a:avLst/>
+          </a:prstGeom>
+          <a:noFill/>
+          <a:ln>
+            <a:solidFill>
+              <a:schemeClr val="tx1"/>
+            </a:solidFill>
+          </a:ln>
+        </p:spPr>
+        <p:style>
+          <a:lnRef idx="2">
+            <a:schemeClr val="accent1">
+              <a:shade val="50000"/>
+            </a:schemeClr>
+          </a:lnRef>
+          <a:fillRef idx="1">
+            <a:schemeClr val="accent1"/>
+          </a:fillRef>
+          <a:effectRef idx="0">
+            <a:schemeClr val="accent1"/>
+          </a:effectRef>
+          <a:fontRef idx="minor">
+            <a:schemeClr val="lt1"/>
+          </a:fontRef>
+        </p:style>
+        <p:txBody>
+          <a:bodyPr rtlCol="0" anchor="ctr"/>
+          <a:lstStyle/>
+          <a:p>
+            <a:pPr algn="ctr"/>
+            <a:endParaRPr lang="en-US"/>
+          </a:p>
+        </p:txBody>
+      </p:sp>
+      <p:sp>
+        <p:nvSpPr>
+          <p:cNvPr id="5" name="Rectangle 4"/>
+          <p:cNvSpPr/>
+          <p:nvPr/>
+        </p:nvSpPr>
+        <p:spPr>
+          <a:xfrm>
+            <a:off x="2743200" y="1600200"/>
+            <a:ext cx="914400" cy="914400"/>
+          </a:xfrm>
+          <a:prstGeom prst="rect">
+            <a:avLst/>
+          </a:prstGeom>
+          <a:noFill/>
+          <a:ln>
+            <a:solidFill>
+              <a:schemeClr val="tx1"/>
+            </a:solidFill>
+          </a:ln>
+        </p:spPr>
+        <p:style>
+          <a:lnRef idx="2">
+            <a:schemeClr val="accent1">
+              <a:shade val="50000"/>
+            </a:schemeClr>
+          </a:lnRef>
+          <a:fillRef idx="1">
+            <a:schemeClr val="accent1"/>
+          </a:fillRef>
+          <a:effectRef idx="0">
+            <a:schemeClr val="accent1"/>
+          </a:effectRef>
+          <a:fontRef idx="minor">
+            <a:schemeClr val="lt1"/>
+          </a:fontRef>
+        </p:style>
+        <p:txBody>
+          <a:bodyPr rtlCol="0" anchor="ctr"/>
+          <a:lstStyle/>
+          <a:p>
+            <a:pPr algn="ctr"/>
+            <a:endParaRPr lang="en-US"/>
+          </a:p>
+        </p:txBody>
+      </p:sp>
+      <p:sp>
+        <p:nvSpPr>
+          <p:cNvPr id="6" name="Rectangle 5"/>
+          <p:cNvSpPr/>
+          <p:nvPr/>
+        </p:nvSpPr>
+        <p:spPr>
+          <a:xfrm>
+            <a:off x="1828800" y="2514600"/>
+            <a:ext cx="914400" cy="914400"/>
+          </a:xfrm>
+          <a:prstGeom prst="rect">
+            <a:avLst/>
+          </a:prstGeom>
+          <a:solidFill>
+            <a:srgbClr val="FF0000"/>
+          </a:solidFill>
+          <a:ln>
+            <a:solidFill>
+              <a:schemeClr val="tx1"/>
+            </a:solidFill>
+          </a:ln>
+        </p:spPr>
+        <p:style>
+          <a:lnRef idx="2">
+            <a:schemeClr val="accent1">
+              <a:shade val="50000"/>
+            </a:schemeClr>
+          </a:lnRef>
+          <a:fillRef idx="1">
+            <a:schemeClr val="accent1"/>
+          </a:fillRef>
+          <a:effectRef idx="0">
+            <a:schemeClr val="accent1"/>
+          </a:effectRef>
+          <a:fontRef idx="minor">
+            <a:schemeClr val="lt1"/>
+          </a:fontRef>
+        </p:style>
+        <p:txBody>
+          <a:bodyPr rtlCol="0" anchor="ctr"/>
+          <a:lstStyle/>
+          <a:p>
+            <a:pPr algn="ctr"/>
+            <a:endParaRPr lang="en-US"/>
+          </a:p>
+        </p:txBody>
+      </p:sp>
+      <p:sp>
+        <p:nvSpPr>
+          <p:cNvPr id="7" name="Rectangle 6"/>
+          <p:cNvSpPr/>
+          <p:nvPr/>
+        </p:nvSpPr>
+        <p:spPr>
+          <a:xfrm>
+            <a:off x="2743200" y="2514600"/>
+            <a:ext cx="914400" cy="914400"/>
+          </a:xfrm>
+          <a:prstGeom prst="rect">
+            <a:avLst/>
+          </a:prstGeom>
+          <a:solidFill>
+            <a:srgbClr val="FF0000"/>
+          </a:solidFill>
+          <a:ln>
+            <a:solidFill>
+              <a:schemeClr val="tx1"/>
+            </a:solidFill>
+          </a:ln>
+        </p:spPr>
+        <p:style>
+          <a:lnRef idx="2">
+            <a:schemeClr val="accent1">
+              <a:shade val="50000"/>
+            </a:schemeClr>
+          </a:lnRef>
+          <a:fillRef idx="1">
+            <a:schemeClr val="accent1"/>
+          </a:fillRef>
+          <a:effectRef idx="0">
+            <a:schemeClr val="accent1"/>
+          </a:effectRef>
+          <a:fontRef idx="minor">
+            <a:schemeClr val="lt1"/>
+          </a:fontRef>
+        </p:style>
+        <p:txBody>
+          <a:bodyPr rtlCol="0" anchor="ctr"/>
+          <a:lstStyle/>
+          <a:p>
+            <a:pPr algn="ctr"/>
+            <a:endParaRPr lang="en-US"/>
+          </a:p>
+        </p:txBody>
+      </p:sp>
+      <p:sp>
+        <p:nvSpPr>
+          <p:cNvPr id="8" name="TextBox 7"/>
+          <p:cNvSpPr txBox="1"/>
+          <p:nvPr/>
+        </p:nvSpPr>
+        <p:spPr>
+          <a:xfrm>
+            <a:off x="152400" y="1939751"/>
+            <a:ext cx="1600200" cy="346249"/>
+          </a:xfrm>
+          <a:prstGeom prst="rect">
+            <a:avLst/>
+          </a:prstGeom>
+          <a:noFill/>
+        </p:spPr>
+        <p:txBody>
+          <a:bodyPr wrap="square" rtlCol="0">
+            <a:spAutoFit/>
+          </a:bodyPr>
+          <a:lstStyle/>
+          <a:p>
+            <a:pPr algn="r"/>
+            <a:r>
+              <a:rPr lang="en-US" sz="1650" dirty="0" smtClean="0">
+                <a:latin typeface="Times New Roman" panose="02020603050405020304" pitchFamily="18" charset="0"/>
+                <a:cs typeface="Times New Roman" panose="02020603050405020304" pitchFamily="18" charset="0"/>
+              </a:rPr>
+              <a:t>High variance</a:t>
+            </a:r>
+            <a:endParaRPr lang="en-US" sz="1650" dirty="0">
+              <a:latin typeface="Times New Roman" panose="02020603050405020304" pitchFamily="18" charset="0"/>
+              <a:cs typeface="Times New Roman" panose="02020603050405020304" pitchFamily="18" charset="0"/>
+            </a:endParaRPr>
+          </a:p>
+        </p:txBody>
+      </p:sp>
+      <p:sp>
+        <p:nvSpPr>
+          <p:cNvPr id="9" name="TextBox 8"/>
+          <p:cNvSpPr txBox="1"/>
+          <p:nvPr/>
+        </p:nvSpPr>
+        <p:spPr>
+          <a:xfrm>
+            <a:off x="161925" y="2798675"/>
+            <a:ext cx="1600200" cy="346249"/>
+          </a:xfrm>
+          <a:prstGeom prst="rect">
+            <a:avLst/>
+          </a:prstGeom>
+          <a:noFill/>
+        </p:spPr>
+        <p:txBody>
+          <a:bodyPr wrap="square" rtlCol="0">
+            <a:spAutoFit/>
+          </a:bodyPr>
+          <a:lstStyle/>
+          <a:p>
+            <a:pPr algn="r"/>
+            <a:r>
+              <a:rPr lang="en-US" sz="1650" dirty="0" smtClean="0">
+                <a:latin typeface="Times New Roman" panose="02020603050405020304" pitchFamily="18" charset="0"/>
+                <a:cs typeface="Times New Roman" panose="02020603050405020304" pitchFamily="18" charset="0"/>
+              </a:rPr>
+              <a:t>Low variance</a:t>
+            </a:r>
+            <a:endParaRPr lang="en-US" sz="1650" dirty="0">
+              <a:latin typeface="Times New Roman" panose="02020603050405020304" pitchFamily="18" charset="0"/>
+              <a:cs typeface="Times New Roman" panose="02020603050405020304" pitchFamily="18" charset="0"/>
+            </a:endParaRPr>
+          </a:p>
+        </p:txBody>
+      </p:sp>
+      <p:sp>
+        <p:nvSpPr>
+          <p:cNvPr id="10" name="TextBox 9"/>
+          <p:cNvSpPr txBox="1"/>
+          <p:nvPr/>
+        </p:nvSpPr>
+        <p:spPr>
+          <a:xfrm>
+            <a:off x="2667000" y="1157548"/>
+            <a:ext cx="990600" cy="346249"/>
+          </a:xfrm>
+          <a:prstGeom prst="rect">
+            <a:avLst/>
+          </a:prstGeom>
+          <a:noFill/>
+        </p:spPr>
+        <p:txBody>
+          <a:bodyPr wrap="square" rtlCol="0">
+            <a:spAutoFit/>
+          </a:bodyPr>
+          <a:lstStyle/>
+          <a:p>
+            <a:pPr algn="r"/>
+            <a:r>
+              <a:rPr lang="en-US" sz="1650" dirty="0" smtClean="0">
+                <a:latin typeface="Times New Roman" panose="02020603050405020304" pitchFamily="18" charset="0"/>
+                <a:cs typeface="Times New Roman" panose="02020603050405020304" pitchFamily="18" charset="0"/>
+              </a:rPr>
+              <a:t>Non-DE</a:t>
+            </a:r>
+            <a:endParaRPr lang="en-US" sz="1650" dirty="0">
+              <a:latin typeface="Times New Roman" panose="02020603050405020304" pitchFamily="18" charset="0"/>
+              <a:cs typeface="Times New Roman" panose="02020603050405020304" pitchFamily="18" charset="0"/>
+            </a:endParaRPr>
+          </a:p>
+        </p:txBody>
+      </p:sp>
+      <p:sp>
+        <p:nvSpPr>
+          <p:cNvPr id="11" name="TextBox 10"/>
+          <p:cNvSpPr txBox="1"/>
+          <p:nvPr/>
+        </p:nvSpPr>
+        <p:spPr>
+          <a:xfrm>
+            <a:off x="2057400" y="1143000"/>
+            <a:ext cx="495300" cy="346249"/>
+          </a:xfrm>
+          <a:prstGeom prst="rect">
+            <a:avLst/>
+          </a:prstGeom>
+          <a:noFill/>
+        </p:spPr>
+        <p:txBody>
+          <a:bodyPr wrap="square" rtlCol="0">
+            <a:spAutoFit/>
+          </a:bodyPr>
+          <a:lstStyle/>
+          <a:p>
+            <a:pPr algn="r"/>
+            <a:r>
+              <a:rPr lang="en-US" sz="1650" dirty="0" smtClean="0">
+                <a:latin typeface="Times New Roman" panose="02020603050405020304" pitchFamily="18" charset="0"/>
+                <a:cs typeface="Times New Roman" panose="02020603050405020304" pitchFamily="18" charset="0"/>
+              </a:rPr>
+              <a:t>DE</a:t>
+            </a:r>
+            <a:endParaRPr lang="en-US" sz="1650" dirty="0">
+              <a:latin typeface="Times New Roman" panose="02020603050405020304" pitchFamily="18" charset="0"/>
+              <a:cs typeface="Times New Roman" panose="02020603050405020304" pitchFamily="18" charset="0"/>
+            </a:endParaRPr>
+          </a:p>
+        </p:txBody>
+      </p:sp>
+      <p:sp>
+        <p:nvSpPr>
+          <p:cNvPr id="12" name="TextBox 11"/>
+          <p:cNvSpPr txBox="1"/>
+          <p:nvPr/>
+        </p:nvSpPr>
+        <p:spPr>
+          <a:xfrm>
+            <a:off x="1981200" y="3733800"/>
+            <a:ext cx="1676400" cy="461665"/>
+          </a:xfrm>
+          <a:prstGeom prst="rect">
+            <a:avLst/>
+          </a:prstGeom>
+          <a:noFill/>
+        </p:spPr>
+        <p:txBody>
+          <a:bodyPr wrap="square" rtlCol="0">
+            <a:spAutoFit/>
+          </a:bodyPr>
+          <a:lstStyle/>
+          <a:p>
+            <a:pPr algn="ctr"/>
+            <a:r>
+              <a:rPr lang="en-US" sz="2400" dirty="0" smtClean="0">
+                <a:latin typeface="Consolas" panose="020B0609020204030204" pitchFamily="49" charset="0"/>
+                <a:cs typeface="Consolas" panose="020B0609020204030204" pitchFamily="49" charset="0"/>
+              </a:rPr>
+              <a:t>lm</a:t>
+            </a:r>
+            <a:endParaRPr lang="en-US" sz="2400" dirty="0">
+              <a:latin typeface="Consolas" panose="020B0609020204030204" pitchFamily="49" charset="0"/>
+              <a:cs typeface="Consolas" panose="020B0609020204030204" pitchFamily="49" charset="0"/>
+            </a:endParaRPr>
+          </a:p>
+        </p:txBody>
+      </p:sp>
+      <p:sp>
+        <p:nvSpPr>
+          <p:cNvPr id="13" name="Rectangle 12"/>
+          <p:cNvSpPr/>
+          <p:nvPr/>
+        </p:nvSpPr>
+        <p:spPr>
+          <a:xfrm>
+            <a:off x="6400800" y="1600200"/>
+            <a:ext cx="914400" cy="914400"/>
+          </a:xfrm>
+          <a:prstGeom prst="rect">
+            <a:avLst/>
+          </a:prstGeom>
+          <a:solidFill>
+            <a:srgbClr val="FF0000"/>
+          </a:solidFill>
+          <a:ln>
+            <a:solidFill>
+              <a:schemeClr val="tx1"/>
+            </a:solidFill>
+          </a:ln>
+        </p:spPr>
+        <p:style>
+          <a:lnRef idx="2">
+            <a:schemeClr val="accent1">
+              <a:shade val="50000"/>
+            </a:schemeClr>
+          </a:lnRef>
+          <a:fillRef idx="1">
+            <a:schemeClr val="accent1"/>
+          </a:fillRef>
+          <a:effectRef idx="0">
+            <a:schemeClr val="accent1"/>
+          </a:effectRef>
+          <a:fontRef idx="minor">
+            <a:schemeClr val="lt1"/>
+          </a:fontRef>
+        </p:style>
+        <p:txBody>
+          <a:bodyPr rtlCol="0" anchor="ctr"/>
+          <a:lstStyle/>
+          <a:p>
+            <a:pPr algn="ctr"/>
+            <a:endParaRPr lang="en-US"/>
+          </a:p>
+        </p:txBody>
+      </p:sp>
+      <p:sp>
+        <p:nvSpPr>
+          <p:cNvPr id="14" name="Rectangle 13"/>
+          <p:cNvSpPr/>
+          <p:nvPr/>
+        </p:nvSpPr>
+        <p:spPr>
+          <a:xfrm>
+            <a:off x="7315200" y="1600200"/>
+            <a:ext cx="914400" cy="914400"/>
+          </a:xfrm>
+          <a:prstGeom prst="rect">
+            <a:avLst/>
+          </a:prstGeom>
+          <a:noFill/>
+          <a:ln>
+            <a:solidFill>
+              <a:schemeClr val="tx1"/>
+            </a:solidFill>
+          </a:ln>
+        </p:spPr>
+        <p:style>
+          <a:lnRef idx="2">
+            <a:schemeClr val="accent1">
+              <a:shade val="50000"/>
+            </a:schemeClr>
+          </a:lnRef>
+          <a:fillRef idx="1">
+            <a:schemeClr val="accent1"/>
+          </a:fillRef>
+          <a:effectRef idx="0">
+            <a:schemeClr val="accent1"/>
+          </a:effectRef>
+          <a:fontRef idx="minor">
+            <a:schemeClr val="lt1"/>
+          </a:fontRef>
+        </p:style>
+        <p:txBody>
+          <a:bodyPr rtlCol="0" anchor="ctr"/>
+          <a:lstStyle/>
+          <a:p>
+            <a:pPr algn="ctr"/>
+            <a:endParaRPr lang="en-US"/>
+          </a:p>
+        </p:txBody>
+      </p:sp>
+      <p:sp>
+        <p:nvSpPr>
+          <p:cNvPr id="15" name="Rectangle 14"/>
+          <p:cNvSpPr/>
+          <p:nvPr/>
+        </p:nvSpPr>
+        <p:spPr>
+          <a:xfrm>
+            <a:off x="6400800" y="2514600"/>
+            <a:ext cx="914400" cy="914400"/>
+          </a:xfrm>
+          <a:prstGeom prst="rect">
+            <a:avLst/>
+          </a:prstGeom>
+          <a:solidFill>
+            <a:srgbClr val="FF0000"/>
+          </a:solidFill>
+          <a:ln>
+            <a:solidFill>
+              <a:schemeClr val="tx1"/>
+            </a:solidFill>
+          </a:ln>
+        </p:spPr>
+        <p:style>
+          <a:lnRef idx="2">
+            <a:schemeClr val="accent1">
+              <a:shade val="50000"/>
+            </a:schemeClr>
+          </a:lnRef>
+          <a:fillRef idx="1">
+            <a:schemeClr val="accent1"/>
+          </a:fillRef>
+          <a:effectRef idx="0">
+            <a:schemeClr val="accent1"/>
+          </a:effectRef>
+          <a:fontRef idx="minor">
+            <a:schemeClr val="lt1"/>
+          </a:fontRef>
+        </p:style>
+        <p:txBody>
+          <a:bodyPr rtlCol="0" anchor="ctr"/>
+          <a:lstStyle/>
+          <a:p>
+            <a:pPr algn="ctr"/>
+            <a:endParaRPr lang="en-US"/>
+          </a:p>
+        </p:txBody>
+      </p:sp>
+      <p:sp>
+        <p:nvSpPr>
+          <p:cNvPr id="16" name="Rectangle 15"/>
+          <p:cNvSpPr/>
+          <p:nvPr/>
+        </p:nvSpPr>
+        <p:spPr>
+          <a:xfrm>
+            <a:off x="7315200" y="2514600"/>
+            <a:ext cx="914400" cy="914400"/>
+          </a:xfrm>
+          <a:prstGeom prst="rect">
+            <a:avLst/>
+          </a:prstGeom>
+          <a:noFill/>
+          <a:ln>
+            <a:solidFill>
+              <a:schemeClr val="tx1"/>
+            </a:solidFill>
+          </a:ln>
+        </p:spPr>
+        <p:style>
+          <a:lnRef idx="2">
+            <a:schemeClr val="accent1">
+              <a:shade val="50000"/>
+            </a:schemeClr>
+          </a:lnRef>
+          <a:fillRef idx="1">
+            <a:schemeClr val="accent1"/>
+          </a:fillRef>
+          <a:effectRef idx="0">
+            <a:schemeClr val="accent1"/>
+          </a:effectRef>
+          <a:fontRef idx="minor">
+            <a:schemeClr val="lt1"/>
+          </a:fontRef>
+        </p:style>
+        <p:txBody>
+          <a:bodyPr rtlCol="0" anchor="ctr"/>
+          <a:lstStyle/>
+          <a:p>
+            <a:pPr algn="ctr"/>
+            <a:endParaRPr lang="en-US"/>
+          </a:p>
+        </p:txBody>
+      </p:sp>
+      <p:sp>
+        <p:nvSpPr>
+          <p:cNvPr id="17" name="TextBox 16"/>
+          <p:cNvSpPr txBox="1"/>
+          <p:nvPr/>
+        </p:nvSpPr>
+        <p:spPr>
+          <a:xfrm>
+            <a:off x="4724400" y="1939751"/>
+            <a:ext cx="1600200" cy="346249"/>
+          </a:xfrm>
+          <a:prstGeom prst="rect">
+            <a:avLst/>
+          </a:prstGeom>
+          <a:noFill/>
+        </p:spPr>
+        <p:txBody>
+          <a:bodyPr wrap="square" rtlCol="0">
+            <a:spAutoFit/>
+          </a:bodyPr>
+          <a:lstStyle/>
+          <a:p>
+            <a:pPr algn="r"/>
+            <a:r>
+              <a:rPr lang="en-US" sz="1650" dirty="0" smtClean="0">
+                <a:latin typeface="Times New Roman" panose="02020603050405020304" pitchFamily="18" charset="0"/>
+                <a:cs typeface="Times New Roman" panose="02020603050405020304" pitchFamily="18" charset="0"/>
+              </a:rPr>
+              <a:t>High variance</a:t>
+            </a:r>
+            <a:endParaRPr lang="en-US" sz="1650" dirty="0">
+              <a:latin typeface="Times New Roman" panose="02020603050405020304" pitchFamily="18" charset="0"/>
+              <a:cs typeface="Times New Roman" panose="02020603050405020304" pitchFamily="18" charset="0"/>
+            </a:endParaRPr>
+          </a:p>
+        </p:txBody>
+      </p:sp>
+      <p:sp>
+        <p:nvSpPr>
+          <p:cNvPr id="18" name="TextBox 17"/>
+          <p:cNvSpPr txBox="1"/>
+          <p:nvPr/>
+        </p:nvSpPr>
+        <p:spPr>
+          <a:xfrm>
+            <a:off x="4733925" y="2798675"/>
+            <a:ext cx="1600200" cy="346249"/>
+          </a:xfrm>
+          <a:prstGeom prst="rect">
+            <a:avLst/>
+          </a:prstGeom>
+          <a:noFill/>
+        </p:spPr>
+        <p:txBody>
+          <a:bodyPr wrap="square" rtlCol="0">
+            <a:spAutoFit/>
+          </a:bodyPr>
+          <a:lstStyle/>
+          <a:p>
+            <a:pPr algn="r"/>
+            <a:r>
+              <a:rPr lang="en-US" sz="1650" dirty="0" smtClean="0">
+                <a:latin typeface="Times New Roman" panose="02020603050405020304" pitchFamily="18" charset="0"/>
+                <a:cs typeface="Times New Roman" panose="02020603050405020304" pitchFamily="18" charset="0"/>
+              </a:rPr>
+              <a:t>Low variance</a:t>
+            </a:r>
+            <a:endParaRPr lang="en-US" sz="1650" dirty="0">
+              <a:latin typeface="Times New Roman" panose="02020603050405020304" pitchFamily="18" charset="0"/>
+              <a:cs typeface="Times New Roman" panose="02020603050405020304" pitchFamily="18" charset="0"/>
+            </a:endParaRPr>
+          </a:p>
+        </p:txBody>
+      </p:sp>
+      <p:sp>
+        <p:nvSpPr>
+          <p:cNvPr id="19" name="TextBox 18"/>
+          <p:cNvSpPr txBox="1"/>
+          <p:nvPr/>
+        </p:nvSpPr>
+        <p:spPr>
+          <a:xfrm>
+            <a:off x="7239000" y="1157548"/>
+            <a:ext cx="990600" cy="346249"/>
+          </a:xfrm>
+          <a:prstGeom prst="rect">
+            <a:avLst/>
+          </a:prstGeom>
+          <a:noFill/>
+        </p:spPr>
+        <p:txBody>
+          <a:bodyPr wrap="square" rtlCol="0">
+            <a:spAutoFit/>
+          </a:bodyPr>
+          <a:lstStyle/>
+          <a:p>
+            <a:pPr algn="r"/>
+            <a:r>
+              <a:rPr lang="en-US" sz="1650" dirty="0" smtClean="0">
+                <a:latin typeface="Times New Roman" panose="02020603050405020304" pitchFamily="18" charset="0"/>
+                <a:cs typeface="Times New Roman" panose="02020603050405020304" pitchFamily="18" charset="0"/>
+              </a:rPr>
+              <a:t>Non-DE</a:t>
+            </a:r>
+            <a:endParaRPr lang="en-US" sz="1650" dirty="0">
+              <a:latin typeface="Times New Roman" panose="02020603050405020304" pitchFamily="18" charset="0"/>
+              <a:cs typeface="Times New Roman" panose="02020603050405020304" pitchFamily="18" charset="0"/>
+            </a:endParaRPr>
+          </a:p>
+        </p:txBody>
+      </p:sp>
+      <p:sp>
+        <p:nvSpPr>
+          <p:cNvPr id="20" name="TextBox 19"/>
+          <p:cNvSpPr txBox="1"/>
+          <p:nvPr/>
+        </p:nvSpPr>
+        <p:spPr>
+          <a:xfrm>
+            <a:off x="6629400" y="1143000"/>
+            <a:ext cx="495300" cy="346249"/>
+          </a:xfrm>
+          <a:prstGeom prst="rect">
+            <a:avLst/>
+          </a:prstGeom>
+          <a:noFill/>
+        </p:spPr>
+        <p:txBody>
+          <a:bodyPr wrap="square" rtlCol="0">
+            <a:spAutoFit/>
+          </a:bodyPr>
+          <a:lstStyle/>
+          <a:p>
+            <a:pPr algn="r"/>
+            <a:r>
+              <a:rPr lang="en-US" sz="1650" dirty="0" smtClean="0">
+                <a:latin typeface="Times New Roman" panose="02020603050405020304" pitchFamily="18" charset="0"/>
+                <a:cs typeface="Times New Roman" panose="02020603050405020304" pitchFamily="18" charset="0"/>
+              </a:rPr>
+              <a:t>DE</a:t>
+            </a:r>
+            <a:endParaRPr lang="en-US" sz="1650" dirty="0">
+              <a:latin typeface="Times New Roman" panose="02020603050405020304" pitchFamily="18" charset="0"/>
+              <a:cs typeface="Times New Roman" panose="02020603050405020304" pitchFamily="18" charset="0"/>
+            </a:endParaRPr>
+          </a:p>
+        </p:txBody>
+      </p:sp>
+      <p:sp>
+        <p:nvSpPr>
+          <p:cNvPr id="21" name="TextBox 20"/>
+          <p:cNvSpPr txBox="1"/>
+          <p:nvPr/>
+        </p:nvSpPr>
+        <p:spPr>
+          <a:xfrm>
+            <a:off x="6553200" y="3733800"/>
+            <a:ext cx="1676400" cy="461665"/>
+          </a:xfrm>
+          <a:prstGeom prst="rect">
+            <a:avLst/>
+          </a:prstGeom>
+          <a:noFill/>
+        </p:spPr>
+        <p:txBody>
+          <a:bodyPr wrap="square" rtlCol="0">
+            <a:spAutoFit/>
+          </a:bodyPr>
+          <a:lstStyle/>
+          <a:p>
+            <a:pPr algn="ctr"/>
+            <a:r>
+              <a:rPr lang="en-US" sz="2400" dirty="0" err="1" smtClean="0">
+                <a:latin typeface="Consolas" panose="020B0609020204030204" pitchFamily="49" charset="0"/>
+                <a:cs typeface="Consolas" panose="020B0609020204030204" pitchFamily="49" charset="0"/>
+              </a:rPr>
+              <a:t>limma</a:t>
+            </a:r>
+            <a:endParaRPr lang="en-US" sz="2400" dirty="0">
+              <a:latin typeface="Consolas" panose="020B0609020204030204" pitchFamily="49" charset="0"/>
+              <a:cs typeface="Consolas" panose="020B0609020204030204" pitchFamily="49" charset="0"/>
+            </a:endParaRPr>
+          </a:p>
+        </p:txBody>
+      </p:sp>
+    </p:spTree>
+    <p:extLst>
+      <p:ext uri="{BB962C8B-B14F-4D97-AF65-F5344CB8AC3E}">
+        <p14:creationId xmlns:p14="http://schemas.microsoft.com/office/powerpoint/2010/main" val="1333157058"/>
+      </p:ext>
+    </p:extLst>
+  </p:cSld>
+  <p:clrMapOvr>
+    <a:masterClrMapping/>
+  </p:clrMapOvr>
+</p:sld>
+</file>
+
+<file path=ppt/slides/slide7.xml><?xml version="1.0" encoding="utf-8"?>
+<p:sld xmlns:a="http://schemas.openxmlformats.org/drawingml/2006/main" xmlns:r="http://schemas.openxmlformats.org/officeDocument/2006/relationships" xmlns:p="http://schemas.openxmlformats.org/presentationml/2006/main">
+  <p:cSld>
+    <p:spTree>
+      <p:nvGrpSpPr>
+        <p:cNvPr id="1" name=""/>
+        <p:cNvGrpSpPr/>
+        <p:nvPr/>
+      </p:nvGrpSpPr>
+      <p:grpSpPr>
+        <a:xfrm>
+          <a:off x="0" y="0"/>
+          <a:ext cx="0" cy="0"/>
+          <a:chOff x="0" y="0"/>
+          <a:chExt cx="0" cy="0"/>
+        </a:xfrm>
+      </p:grpSpPr>
+      <p:sp>
+        <p:nvSpPr>
+          <p:cNvPr id="4" name="Rectangle 3"/>
+          <p:cNvSpPr/>
+          <p:nvPr/>
+        </p:nvSpPr>
+        <p:spPr>
+          <a:xfrm>
+            <a:off x="1828800" y="1600200"/>
+            <a:ext cx="914400" cy="914400"/>
+          </a:xfrm>
+          <a:prstGeom prst="rect">
+            <a:avLst/>
+          </a:prstGeom>
+          <a:noFill/>
+          <a:ln>
+            <a:solidFill>
+              <a:schemeClr val="tx1"/>
+            </a:solidFill>
+          </a:ln>
+        </p:spPr>
+        <p:style>
+          <a:lnRef idx="2">
+            <a:schemeClr val="accent1">
+              <a:shade val="50000"/>
+            </a:schemeClr>
+          </a:lnRef>
+          <a:fillRef idx="1">
+            <a:schemeClr val="accent1"/>
+          </a:fillRef>
+          <a:effectRef idx="0">
+            <a:schemeClr val="accent1"/>
+          </a:effectRef>
+          <a:fontRef idx="minor">
+            <a:schemeClr val="lt1"/>
+          </a:fontRef>
+        </p:style>
+        <p:txBody>
+          <a:bodyPr rtlCol="0" anchor="ctr"/>
+          <a:lstStyle/>
+          <a:p>
+            <a:pPr algn="ctr"/>
+            <a:endParaRPr lang="en-US"/>
+          </a:p>
+        </p:txBody>
+      </p:sp>
+      <p:sp>
+        <p:nvSpPr>
+          <p:cNvPr id="5" name="Rectangle 4"/>
+          <p:cNvSpPr/>
+          <p:nvPr/>
+        </p:nvSpPr>
+        <p:spPr>
+          <a:xfrm>
+            <a:off x="2743200" y="1600200"/>
+            <a:ext cx="914400" cy="914400"/>
+          </a:xfrm>
+          <a:prstGeom prst="rect">
+            <a:avLst/>
+          </a:prstGeom>
+          <a:noFill/>
+          <a:ln>
+            <a:solidFill>
+              <a:schemeClr val="tx1"/>
+            </a:solidFill>
+          </a:ln>
+        </p:spPr>
+        <p:style>
+          <a:lnRef idx="2">
+            <a:schemeClr val="accent1">
+              <a:shade val="50000"/>
+            </a:schemeClr>
+          </a:lnRef>
+          <a:fillRef idx="1">
+            <a:schemeClr val="accent1"/>
+          </a:fillRef>
+          <a:effectRef idx="0">
+            <a:schemeClr val="accent1"/>
+          </a:effectRef>
+          <a:fontRef idx="minor">
+            <a:schemeClr val="lt1"/>
+          </a:fontRef>
+        </p:style>
+        <p:txBody>
+          <a:bodyPr rtlCol="0" anchor="ctr"/>
+          <a:lstStyle/>
+          <a:p>
+            <a:pPr algn="ctr"/>
+            <a:endParaRPr lang="en-US"/>
+          </a:p>
+        </p:txBody>
+      </p:sp>
+      <p:sp>
+        <p:nvSpPr>
+          <p:cNvPr id="6" name="Rectangle 5"/>
+          <p:cNvSpPr/>
+          <p:nvPr/>
+        </p:nvSpPr>
+        <p:spPr>
+          <a:xfrm>
+            <a:off x="1828800" y="2514600"/>
+            <a:ext cx="914400" cy="914400"/>
+          </a:xfrm>
+          <a:prstGeom prst="rect">
+            <a:avLst/>
+          </a:prstGeom>
+          <a:noFill/>
+          <a:ln>
+            <a:solidFill>
+              <a:schemeClr val="tx1"/>
+            </a:solidFill>
+          </a:ln>
+        </p:spPr>
+        <p:style>
+          <a:lnRef idx="2">
+            <a:schemeClr val="accent1">
+              <a:shade val="50000"/>
+            </a:schemeClr>
+          </a:lnRef>
+          <a:fillRef idx="1">
+            <a:schemeClr val="accent1"/>
+          </a:fillRef>
+          <a:effectRef idx="0">
+            <a:schemeClr val="accent1"/>
+          </a:effectRef>
+          <a:fontRef idx="minor">
+            <a:schemeClr val="lt1"/>
+          </a:fontRef>
+        </p:style>
+        <p:txBody>
+          <a:bodyPr rtlCol="0" anchor="ctr"/>
+          <a:lstStyle/>
+          <a:p>
+            <a:pPr algn="ctr"/>
+            <a:endParaRPr lang="en-US"/>
+          </a:p>
+        </p:txBody>
+      </p:sp>
+      <p:sp>
+        <p:nvSpPr>
+          <p:cNvPr id="7" name="Rectangle 6"/>
+          <p:cNvSpPr/>
+          <p:nvPr/>
+        </p:nvSpPr>
+        <p:spPr>
+          <a:xfrm>
+            <a:off x="2743200" y="2514600"/>
+            <a:ext cx="914400" cy="914400"/>
+          </a:xfrm>
+          <a:prstGeom prst="rect">
+            <a:avLst/>
+          </a:prstGeom>
+          <a:noFill/>
+          <a:ln>
+            <a:solidFill>
+              <a:schemeClr val="tx1"/>
+            </a:solidFill>
+          </a:ln>
+        </p:spPr>
+        <p:style>
+          <a:lnRef idx="2">
+            <a:schemeClr val="accent1">
+              <a:shade val="50000"/>
+            </a:schemeClr>
+          </a:lnRef>
+          <a:fillRef idx="1">
+            <a:schemeClr val="accent1"/>
+          </a:fillRef>
+          <a:effectRef idx="0">
+            <a:schemeClr val="accent1"/>
+          </a:effectRef>
+          <a:fontRef idx="minor">
+            <a:schemeClr val="lt1"/>
+          </a:fontRef>
+        </p:style>
+        <p:txBody>
+          <a:bodyPr rtlCol="0" anchor="ctr"/>
+          <a:lstStyle/>
+          <a:p>
+            <a:pPr algn="ctr"/>
+            <a:endParaRPr lang="en-US"/>
+          </a:p>
+        </p:txBody>
+      </p:sp>
+      <p:sp>
+        <p:nvSpPr>
+          <p:cNvPr id="8" name="TextBox 7"/>
+          <p:cNvSpPr txBox="1"/>
+          <p:nvPr/>
+        </p:nvSpPr>
+        <p:spPr>
+          <a:xfrm>
+            <a:off x="523875" y="2320751"/>
+            <a:ext cx="1076325" cy="346249"/>
+          </a:xfrm>
+          <a:prstGeom prst="rect">
+            <a:avLst/>
+          </a:prstGeom>
+          <a:noFill/>
+        </p:spPr>
+        <p:txBody>
+          <a:bodyPr wrap="square" rtlCol="0">
+            <a:spAutoFit/>
+          </a:bodyPr>
+          <a:lstStyle/>
+          <a:p>
+            <a:pPr algn="r"/>
+            <a:r>
+              <a:rPr lang="en-US" sz="1650" dirty="0" smtClean="0">
+                <a:latin typeface="Times New Roman" panose="02020603050405020304" pitchFamily="18" charset="0"/>
+                <a:cs typeface="Times New Roman" panose="02020603050405020304" pitchFamily="18" charset="0"/>
+              </a:rPr>
+              <a:t>Variance</a:t>
+            </a:r>
+            <a:endParaRPr lang="en-US" sz="1650" dirty="0">
+              <a:latin typeface="Times New Roman" panose="02020603050405020304" pitchFamily="18" charset="0"/>
+              <a:cs typeface="Times New Roman" panose="02020603050405020304" pitchFamily="18" charset="0"/>
+            </a:endParaRPr>
+          </a:p>
+        </p:txBody>
+      </p:sp>
+      <p:sp>
+        <p:nvSpPr>
+          <p:cNvPr id="12" name="TextBox 11"/>
+          <p:cNvSpPr txBox="1"/>
+          <p:nvPr/>
+        </p:nvSpPr>
+        <p:spPr>
+          <a:xfrm>
+            <a:off x="1981200" y="3505200"/>
+            <a:ext cx="1676400" cy="461665"/>
+          </a:xfrm>
+          <a:prstGeom prst="rect">
+            <a:avLst/>
+          </a:prstGeom>
+          <a:noFill/>
+        </p:spPr>
+        <p:txBody>
+          <a:bodyPr wrap="square" rtlCol="0">
+            <a:spAutoFit/>
+          </a:bodyPr>
+          <a:lstStyle/>
+          <a:p>
+            <a:pPr algn="ctr"/>
+            <a:r>
+              <a:rPr lang="en-US" sz="2400" dirty="0" smtClean="0">
+                <a:latin typeface="Consolas" panose="020B0609020204030204" pitchFamily="49" charset="0"/>
+                <a:cs typeface="Consolas" panose="020B0609020204030204" pitchFamily="49" charset="0"/>
+              </a:rPr>
+              <a:t>lm</a:t>
+            </a:r>
+            <a:endParaRPr lang="en-US" sz="2400" dirty="0">
+              <a:latin typeface="Consolas" panose="020B0609020204030204" pitchFamily="49" charset="0"/>
+              <a:cs typeface="Consolas" panose="020B0609020204030204" pitchFamily="49" charset="0"/>
+            </a:endParaRPr>
+          </a:p>
+        </p:txBody>
+      </p:sp>
+      <p:sp>
+        <p:nvSpPr>
+          <p:cNvPr id="13" name="Rectangle 12"/>
+          <p:cNvSpPr/>
+          <p:nvPr/>
+        </p:nvSpPr>
+        <p:spPr>
+          <a:xfrm>
+            <a:off x="5648325" y="1600200"/>
+            <a:ext cx="914400" cy="914400"/>
+          </a:xfrm>
+          <a:prstGeom prst="rect">
+            <a:avLst/>
+          </a:prstGeom>
+          <a:noFill/>
+          <a:ln>
+            <a:solidFill>
+              <a:schemeClr val="tx1"/>
+            </a:solidFill>
+          </a:ln>
+        </p:spPr>
+        <p:style>
+          <a:lnRef idx="2">
+            <a:schemeClr val="accent1">
+              <a:shade val="50000"/>
+            </a:schemeClr>
+          </a:lnRef>
+          <a:fillRef idx="1">
+            <a:schemeClr val="accent1"/>
+          </a:fillRef>
+          <a:effectRef idx="0">
+            <a:schemeClr val="accent1"/>
+          </a:effectRef>
+          <a:fontRef idx="minor">
+            <a:schemeClr val="lt1"/>
+          </a:fontRef>
+        </p:style>
+        <p:txBody>
+          <a:bodyPr rtlCol="0" anchor="ctr"/>
+          <a:lstStyle/>
+          <a:p>
+            <a:pPr algn="ctr"/>
+            <a:endParaRPr lang="en-US"/>
+          </a:p>
+        </p:txBody>
+      </p:sp>
+      <p:sp>
+        <p:nvSpPr>
+          <p:cNvPr id="14" name="Rectangle 13"/>
+          <p:cNvSpPr/>
+          <p:nvPr/>
+        </p:nvSpPr>
+        <p:spPr>
+          <a:xfrm>
+            <a:off x="6562725" y="1600200"/>
+            <a:ext cx="914400" cy="914400"/>
+          </a:xfrm>
+          <a:prstGeom prst="rect">
+            <a:avLst/>
+          </a:prstGeom>
+          <a:noFill/>
+          <a:ln>
+            <a:solidFill>
+              <a:schemeClr val="tx1"/>
+            </a:solidFill>
+          </a:ln>
+        </p:spPr>
+        <p:style>
+          <a:lnRef idx="2">
+            <a:schemeClr val="accent1">
+              <a:shade val="50000"/>
+            </a:schemeClr>
+          </a:lnRef>
+          <a:fillRef idx="1">
+            <a:schemeClr val="accent1"/>
+          </a:fillRef>
+          <a:effectRef idx="0">
+            <a:schemeClr val="accent1"/>
+          </a:effectRef>
+          <a:fontRef idx="minor">
+            <a:schemeClr val="lt1"/>
+          </a:fontRef>
+        </p:style>
+        <p:txBody>
+          <a:bodyPr rtlCol="0" anchor="ctr"/>
+          <a:lstStyle/>
+          <a:p>
+            <a:pPr algn="ctr"/>
+            <a:endParaRPr lang="en-US"/>
+          </a:p>
+        </p:txBody>
+      </p:sp>
+      <p:sp>
+        <p:nvSpPr>
+          <p:cNvPr id="15" name="Rectangle 14"/>
+          <p:cNvSpPr/>
+          <p:nvPr/>
+        </p:nvSpPr>
+        <p:spPr>
+          <a:xfrm>
+            <a:off x="5648325" y="2514600"/>
+            <a:ext cx="914400" cy="914400"/>
+          </a:xfrm>
+          <a:prstGeom prst="rect">
+            <a:avLst/>
+          </a:prstGeom>
+          <a:noFill/>
+          <a:ln>
+            <a:solidFill>
+              <a:schemeClr val="tx1"/>
+            </a:solidFill>
+          </a:ln>
+        </p:spPr>
+        <p:style>
+          <a:lnRef idx="2">
+            <a:schemeClr val="accent1">
+              <a:shade val="50000"/>
+            </a:schemeClr>
+          </a:lnRef>
+          <a:fillRef idx="1">
+            <a:schemeClr val="accent1"/>
+          </a:fillRef>
+          <a:effectRef idx="0">
+            <a:schemeClr val="accent1"/>
+          </a:effectRef>
+          <a:fontRef idx="minor">
+            <a:schemeClr val="lt1"/>
+          </a:fontRef>
+        </p:style>
+        <p:txBody>
+          <a:bodyPr rtlCol="0" anchor="ctr"/>
+          <a:lstStyle/>
+          <a:p>
+            <a:pPr algn="ctr"/>
+            <a:endParaRPr lang="en-US"/>
+          </a:p>
+        </p:txBody>
+      </p:sp>
+      <p:sp>
+        <p:nvSpPr>
+          <p:cNvPr id="16" name="Rectangle 15"/>
+          <p:cNvSpPr/>
+          <p:nvPr/>
+        </p:nvSpPr>
+        <p:spPr>
+          <a:xfrm>
+            <a:off x="6562725" y="2514600"/>
+            <a:ext cx="914400" cy="914400"/>
+          </a:xfrm>
+          <a:prstGeom prst="rect">
+            <a:avLst/>
+          </a:prstGeom>
+          <a:noFill/>
+          <a:ln>
+            <a:solidFill>
+              <a:schemeClr val="tx1"/>
+            </a:solidFill>
+          </a:ln>
+        </p:spPr>
+        <p:style>
+          <a:lnRef idx="2">
+            <a:schemeClr val="accent1">
+              <a:shade val="50000"/>
+            </a:schemeClr>
+          </a:lnRef>
+          <a:fillRef idx="1">
+            <a:schemeClr val="accent1"/>
+          </a:fillRef>
+          <a:effectRef idx="0">
+            <a:schemeClr val="accent1"/>
+          </a:effectRef>
+          <a:fontRef idx="minor">
+            <a:schemeClr val="lt1"/>
+          </a:fontRef>
+        </p:style>
+        <p:txBody>
+          <a:bodyPr rtlCol="0" anchor="ctr"/>
+          <a:lstStyle/>
+          <a:p>
+            <a:pPr algn="ctr"/>
+            <a:endParaRPr lang="en-US"/>
+          </a:p>
+        </p:txBody>
+      </p:sp>
+      <p:sp>
+        <p:nvSpPr>
+          <p:cNvPr id="21" name="TextBox 20"/>
+          <p:cNvSpPr txBox="1"/>
+          <p:nvPr/>
+        </p:nvSpPr>
+        <p:spPr>
+          <a:xfrm>
+            <a:off x="5800725" y="3505200"/>
+            <a:ext cx="1676400" cy="461665"/>
+          </a:xfrm>
+          <a:prstGeom prst="rect">
+            <a:avLst/>
+          </a:prstGeom>
+          <a:noFill/>
+        </p:spPr>
+        <p:txBody>
+          <a:bodyPr wrap="square" rtlCol="0">
+            <a:spAutoFit/>
+          </a:bodyPr>
+          <a:lstStyle/>
+          <a:p>
+            <a:pPr algn="ctr"/>
+            <a:r>
+              <a:rPr lang="en-US" sz="2400" dirty="0" err="1" smtClean="0">
+                <a:latin typeface="Consolas" panose="020B0609020204030204" pitchFamily="49" charset="0"/>
+                <a:cs typeface="Consolas" panose="020B0609020204030204" pitchFamily="49" charset="0"/>
+              </a:rPr>
+              <a:t>limma</a:t>
+            </a:r>
+            <a:endParaRPr lang="en-US" sz="2400" dirty="0">
+              <a:latin typeface="Consolas" panose="020B0609020204030204" pitchFamily="49" charset="0"/>
+              <a:cs typeface="Consolas" panose="020B0609020204030204" pitchFamily="49" charset="0"/>
+            </a:endParaRPr>
+          </a:p>
+        </p:txBody>
+      </p:sp>
+      <p:sp>
+        <p:nvSpPr>
+          <p:cNvPr id="22" name="TextBox 21"/>
+          <p:cNvSpPr txBox="1"/>
+          <p:nvPr/>
+        </p:nvSpPr>
+        <p:spPr>
+          <a:xfrm>
+            <a:off x="2057400" y="2787475"/>
+            <a:ext cx="495300" cy="346249"/>
+          </a:xfrm>
+          <a:prstGeom prst="rect">
+            <a:avLst/>
+          </a:prstGeom>
+          <a:noFill/>
+        </p:spPr>
+        <p:txBody>
+          <a:bodyPr wrap="square" rtlCol="0">
+            <a:spAutoFit/>
+          </a:bodyPr>
+          <a:lstStyle/>
+          <a:p>
+            <a:pPr algn="ctr"/>
+            <a:r>
+              <a:rPr lang="en-US" sz="1650" dirty="0" smtClean="0">
+                <a:solidFill>
+                  <a:srgbClr val="FF0000"/>
+                </a:solidFill>
+                <a:latin typeface="Times New Roman" panose="02020603050405020304" pitchFamily="18" charset="0"/>
+                <a:cs typeface="Times New Roman" panose="02020603050405020304" pitchFamily="18" charset="0"/>
+              </a:rPr>
+              <a:t>DE</a:t>
+            </a:r>
+            <a:endParaRPr lang="en-US" sz="1650" dirty="0">
+              <a:solidFill>
+                <a:srgbClr val="FF0000"/>
+              </a:solidFill>
+              <a:latin typeface="Times New Roman" panose="02020603050405020304" pitchFamily="18" charset="0"/>
+              <a:cs typeface="Times New Roman" panose="02020603050405020304" pitchFamily="18" charset="0"/>
+            </a:endParaRPr>
+          </a:p>
+        </p:txBody>
+      </p:sp>
+      <p:sp>
+        <p:nvSpPr>
+          <p:cNvPr id="23" name="TextBox 22"/>
+          <p:cNvSpPr txBox="1"/>
+          <p:nvPr/>
+        </p:nvSpPr>
+        <p:spPr>
+          <a:xfrm>
+            <a:off x="2933700" y="2802024"/>
+            <a:ext cx="495300" cy="346249"/>
+          </a:xfrm>
+          <a:prstGeom prst="rect">
+            <a:avLst/>
+          </a:prstGeom>
+          <a:noFill/>
+        </p:spPr>
+        <p:txBody>
+          <a:bodyPr wrap="square" rtlCol="0">
+            <a:spAutoFit/>
+          </a:bodyPr>
+          <a:lstStyle/>
+          <a:p>
+            <a:pPr algn="ctr"/>
+            <a:r>
+              <a:rPr lang="en-US" sz="1650" dirty="0" smtClean="0">
+                <a:solidFill>
+                  <a:srgbClr val="FF0000"/>
+                </a:solidFill>
+                <a:latin typeface="Times New Roman" panose="02020603050405020304" pitchFamily="18" charset="0"/>
+                <a:cs typeface="Times New Roman" panose="02020603050405020304" pitchFamily="18" charset="0"/>
+              </a:rPr>
+              <a:t>DE</a:t>
+            </a:r>
+            <a:endParaRPr lang="en-US" sz="1650" dirty="0">
+              <a:solidFill>
+                <a:srgbClr val="FF0000"/>
+              </a:solidFill>
+              <a:latin typeface="Times New Roman" panose="02020603050405020304" pitchFamily="18" charset="0"/>
+              <a:cs typeface="Times New Roman" panose="02020603050405020304" pitchFamily="18" charset="0"/>
+            </a:endParaRPr>
+          </a:p>
+        </p:txBody>
+      </p:sp>
+      <p:sp>
+        <p:nvSpPr>
+          <p:cNvPr id="24" name="TextBox 23"/>
+          <p:cNvSpPr txBox="1"/>
+          <p:nvPr/>
+        </p:nvSpPr>
+        <p:spPr>
+          <a:xfrm>
+            <a:off x="5886450" y="1884275"/>
+            <a:ext cx="495300" cy="346249"/>
+          </a:xfrm>
+          <a:prstGeom prst="rect">
+            <a:avLst/>
+          </a:prstGeom>
+          <a:noFill/>
+        </p:spPr>
+        <p:txBody>
+          <a:bodyPr wrap="square" rtlCol="0">
+            <a:spAutoFit/>
+          </a:bodyPr>
+          <a:lstStyle/>
+          <a:p>
+            <a:pPr algn="ctr"/>
+            <a:r>
+              <a:rPr lang="en-US" sz="1650" dirty="0" smtClean="0">
+                <a:solidFill>
+                  <a:srgbClr val="FF0000"/>
+                </a:solidFill>
+                <a:latin typeface="Times New Roman" panose="02020603050405020304" pitchFamily="18" charset="0"/>
+                <a:cs typeface="Times New Roman" panose="02020603050405020304" pitchFamily="18" charset="0"/>
+              </a:rPr>
+              <a:t>DE</a:t>
+            </a:r>
+            <a:endParaRPr lang="en-US" sz="1650" dirty="0">
+              <a:solidFill>
+                <a:srgbClr val="FF0000"/>
+              </a:solidFill>
+              <a:latin typeface="Times New Roman" panose="02020603050405020304" pitchFamily="18" charset="0"/>
+              <a:cs typeface="Times New Roman" panose="02020603050405020304" pitchFamily="18" charset="0"/>
+            </a:endParaRPr>
+          </a:p>
+        </p:txBody>
+      </p:sp>
+      <p:sp>
+        <p:nvSpPr>
+          <p:cNvPr id="25" name="TextBox 24"/>
+          <p:cNvSpPr txBox="1"/>
+          <p:nvPr/>
+        </p:nvSpPr>
+        <p:spPr>
+          <a:xfrm>
+            <a:off x="5876925" y="2812071"/>
+            <a:ext cx="495300" cy="346249"/>
+          </a:xfrm>
+          <a:prstGeom prst="rect">
+            <a:avLst/>
+          </a:prstGeom>
+          <a:noFill/>
+        </p:spPr>
+        <p:txBody>
+          <a:bodyPr wrap="square" rtlCol="0">
+            <a:spAutoFit/>
+          </a:bodyPr>
+          <a:lstStyle/>
+          <a:p>
+            <a:pPr algn="ctr"/>
+            <a:r>
+              <a:rPr lang="en-US" sz="1650" dirty="0" smtClean="0">
+                <a:solidFill>
+                  <a:srgbClr val="FF0000"/>
+                </a:solidFill>
+                <a:latin typeface="Times New Roman" panose="02020603050405020304" pitchFamily="18" charset="0"/>
+                <a:cs typeface="Times New Roman" panose="02020603050405020304" pitchFamily="18" charset="0"/>
+              </a:rPr>
+              <a:t>DE</a:t>
+            </a:r>
+            <a:endParaRPr lang="en-US" sz="1650" dirty="0">
+              <a:solidFill>
+                <a:srgbClr val="FF0000"/>
+              </a:solidFill>
+              <a:latin typeface="Times New Roman" panose="02020603050405020304" pitchFamily="18" charset="0"/>
+              <a:cs typeface="Times New Roman" panose="02020603050405020304" pitchFamily="18" charset="0"/>
+            </a:endParaRPr>
+          </a:p>
+        </p:txBody>
+      </p:sp>
+      <p:sp>
+        <p:nvSpPr>
+          <p:cNvPr id="26" name="TextBox 25"/>
+          <p:cNvSpPr txBox="1"/>
+          <p:nvPr/>
+        </p:nvSpPr>
+        <p:spPr>
+          <a:xfrm>
+            <a:off x="2209800" y="872951"/>
+            <a:ext cx="1076325" cy="346249"/>
+          </a:xfrm>
+          <a:prstGeom prst="rect">
+            <a:avLst/>
+          </a:prstGeom>
+          <a:noFill/>
+        </p:spPr>
+        <p:txBody>
+          <a:bodyPr wrap="square" rtlCol="0">
+            <a:spAutoFit/>
+          </a:bodyPr>
+          <a:lstStyle/>
+          <a:p>
+            <a:pPr algn="r"/>
+            <a:r>
+              <a:rPr lang="en-US" sz="1650" dirty="0" smtClean="0">
+                <a:latin typeface="Times New Roman" panose="02020603050405020304" pitchFamily="18" charset="0"/>
+                <a:cs typeface="Times New Roman" panose="02020603050405020304" pitchFamily="18" charset="0"/>
+              </a:rPr>
+              <a:t>Effect size</a:t>
+            </a:r>
+            <a:endParaRPr lang="en-US" sz="1650" dirty="0">
+              <a:latin typeface="Times New Roman" panose="02020603050405020304" pitchFamily="18" charset="0"/>
+              <a:cs typeface="Times New Roman" panose="02020603050405020304" pitchFamily="18" charset="0"/>
+            </a:endParaRPr>
+          </a:p>
+        </p:txBody>
+      </p:sp>
+      <p:cxnSp>
+        <p:nvCxnSpPr>
+          <p:cNvPr id="27" name="Straight Arrow Connector 26"/>
+          <p:cNvCxnSpPr/>
+          <p:nvPr/>
+        </p:nvCxnSpPr>
+        <p:spPr>
+          <a:xfrm>
+            <a:off x="1600200" y="2777951"/>
+            <a:ext cx="0" cy="346249"/>
+          </a:xfrm>
+          <a:prstGeom prst="straightConnector1">
+            <a:avLst/>
+          </a:prstGeom>
+          <a:ln w="38100">
+            <a:solidFill>
+              <a:schemeClr val="tx1"/>
+            </a:solidFill>
+            <a:tailEnd type="arrow"/>
+          </a:ln>
+        </p:spPr>
+        <p:style>
+          <a:lnRef idx="1">
+            <a:schemeClr val="accent1"/>
+          </a:lnRef>
+          <a:fillRef idx="0">
+            <a:schemeClr val="accent1"/>
+          </a:fillRef>
+          <a:effectRef idx="0">
+            <a:schemeClr val="accent1"/>
+          </a:effectRef>
+          <a:fontRef idx="minor">
+            <a:schemeClr val="tx1"/>
+          </a:fontRef>
+        </p:style>
+      </p:cxnSp>
+      <p:cxnSp>
+        <p:nvCxnSpPr>
+          <p:cNvPr id="29" name="Straight Arrow Connector 28"/>
+          <p:cNvCxnSpPr/>
+          <p:nvPr/>
+        </p:nvCxnSpPr>
+        <p:spPr>
+          <a:xfrm>
+            <a:off x="3228975" y="1203498"/>
+            <a:ext cx="0" cy="346249"/>
+          </a:xfrm>
+          <a:prstGeom prst="straightConnector1">
+            <a:avLst/>
+          </a:prstGeom>
+          <a:ln w="38100">
+            <a:solidFill>
+              <a:schemeClr val="tx1"/>
+            </a:solidFill>
+            <a:tailEnd type="arrow"/>
+          </a:ln>
+        </p:spPr>
+        <p:style>
+          <a:lnRef idx="1">
+            <a:schemeClr val="accent1"/>
+          </a:lnRef>
+          <a:fillRef idx="0">
+            <a:schemeClr val="accent1"/>
+          </a:fillRef>
+          <a:effectRef idx="0">
+            <a:schemeClr val="accent1"/>
+          </a:effectRef>
+          <a:fontRef idx="minor">
+            <a:schemeClr val="tx1"/>
+          </a:fontRef>
+        </p:style>
+      </p:cxnSp>
+      <p:cxnSp>
+        <p:nvCxnSpPr>
+          <p:cNvPr id="30" name="Straight Arrow Connector 29"/>
+          <p:cNvCxnSpPr/>
+          <p:nvPr/>
+        </p:nvCxnSpPr>
+        <p:spPr>
+          <a:xfrm rot="10800000">
+            <a:off x="2286000" y="1219200"/>
+            <a:ext cx="0" cy="346249"/>
+          </a:xfrm>
+          <a:prstGeom prst="straightConnector1">
+            <a:avLst/>
+          </a:prstGeom>
+          <a:ln w="38100">
+            <a:solidFill>
+              <a:schemeClr val="tx1"/>
+            </a:solidFill>
+            <a:tailEnd type="arrow"/>
+          </a:ln>
+        </p:spPr>
+        <p:style>
+          <a:lnRef idx="1">
+            <a:schemeClr val="accent1"/>
+          </a:lnRef>
+          <a:fillRef idx="0">
+            <a:schemeClr val="accent1"/>
+          </a:fillRef>
+          <a:effectRef idx="0">
+            <a:schemeClr val="accent1"/>
+          </a:effectRef>
+          <a:fontRef idx="minor">
+            <a:schemeClr val="tx1"/>
+          </a:fontRef>
+        </p:style>
+      </p:cxnSp>
+      <p:cxnSp>
+        <p:nvCxnSpPr>
+          <p:cNvPr id="31" name="Straight Arrow Connector 30"/>
+          <p:cNvCxnSpPr/>
+          <p:nvPr/>
+        </p:nvCxnSpPr>
+        <p:spPr>
+          <a:xfrm rot="10800000">
+            <a:off x="1600200" y="1884275"/>
+            <a:ext cx="0" cy="346249"/>
+          </a:xfrm>
+          <a:prstGeom prst="straightConnector1">
+            <a:avLst/>
+          </a:prstGeom>
+          <a:ln w="38100">
+            <a:solidFill>
+              <a:schemeClr val="tx1"/>
+            </a:solidFill>
+            <a:tailEnd type="arrow"/>
+          </a:ln>
+        </p:spPr>
+        <p:style>
+          <a:lnRef idx="1">
+            <a:schemeClr val="accent1"/>
+          </a:lnRef>
+          <a:fillRef idx="0">
+            <a:schemeClr val="accent1"/>
+          </a:fillRef>
+          <a:effectRef idx="0">
+            <a:schemeClr val="accent1"/>
+          </a:effectRef>
+          <a:fontRef idx="minor">
+            <a:schemeClr val="tx1"/>
+          </a:fontRef>
+        </p:style>
+      </p:cxnSp>
+      <p:sp>
+        <p:nvSpPr>
+          <p:cNvPr id="32" name="TextBox 31"/>
+          <p:cNvSpPr txBox="1"/>
+          <p:nvPr/>
+        </p:nvSpPr>
+        <p:spPr>
+          <a:xfrm>
+            <a:off x="4343400" y="2320751"/>
+            <a:ext cx="1076325" cy="346249"/>
+          </a:xfrm>
+          <a:prstGeom prst="rect">
+            <a:avLst/>
+          </a:prstGeom>
+          <a:noFill/>
+        </p:spPr>
+        <p:txBody>
+          <a:bodyPr wrap="square" rtlCol="0">
+            <a:spAutoFit/>
+          </a:bodyPr>
+          <a:lstStyle/>
+          <a:p>
+            <a:pPr algn="r"/>
+            <a:r>
+              <a:rPr lang="en-US" sz="1650" dirty="0" smtClean="0">
+                <a:latin typeface="Times New Roman" panose="02020603050405020304" pitchFamily="18" charset="0"/>
+                <a:cs typeface="Times New Roman" panose="02020603050405020304" pitchFamily="18" charset="0"/>
+              </a:rPr>
+              <a:t>Variance</a:t>
+            </a:r>
+            <a:endParaRPr lang="en-US" sz="1650" dirty="0">
+              <a:latin typeface="Times New Roman" panose="02020603050405020304" pitchFamily="18" charset="0"/>
+              <a:cs typeface="Times New Roman" panose="02020603050405020304" pitchFamily="18" charset="0"/>
+            </a:endParaRPr>
+          </a:p>
+        </p:txBody>
+      </p:sp>
+      <p:cxnSp>
+        <p:nvCxnSpPr>
+          <p:cNvPr id="33" name="Straight Arrow Connector 32"/>
+          <p:cNvCxnSpPr/>
+          <p:nvPr/>
+        </p:nvCxnSpPr>
+        <p:spPr>
+          <a:xfrm>
+            <a:off x="5419725" y="2777951"/>
+            <a:ext cx="0" cy="346249"/>
+          </a:xfrm>
+          <a:prstGeom prst="straightConnector1">
+            <a:avLst/>
+          </a:prstGeom>
+          <a:ln w="38100">
+            <a:solidFill>
+              <a:schemeClr val="tx1"/>
+            </a:solidFill>
+            <a:tailEnd type="arrow"/>
+          </a:ln>
+        </p:spPr>
+        <p:style>
+          <a:lnRef idx="1">
+            <a:schemeClr val="accent1"/>
+          </a:lnRef>
+          <a:fillRef idx="0">
+            <a:schemeClr val="accent1"/>
+          </a:fillRef>
+          <a:effectRef idx="0">
+            <a:schemeClr val="accent1"/>
+          </a:effectRef>
+          <a:fontRef idx="minor">
+            <a:schemeClr val="tx1"/>
+          </a:fontRef>
+        </p:style>
+      </p:cxnSp>
+      <p:cxnSp>
+        <p:nvCxnSpPr>
+          <p:cNvPr id="34" name="Straight Arrow Connector 33"/>
+          <p:cNvCxnSpPr/>
+          <p:nvPr/>
+        </p:nvCxnSpPr>
+        <p:spPr>
+          <a:xfrm rot="10800000">
+            <a:off x="5419725" y="1884275"/>
+            <a:ext cx="0" cy="346249"/>
+          </a:xfrm>
+          <a:prstGeom prst="straightConnector1">
+            <a:avLst/>
+          </a:prstGeom>
+          <a:ln w="38100">
+            <a:solidFill>
+              <a:schemeClr val="tx1"/>
+            </a:solidFill>
+            <a:tailEnd type="arrow"/>
+          </a:ln>
+        </p:spPr>
+        <p:style>
+          <a:lnRef idx="1">
+            <a:schemeClr val="accent1"/>
+          </a:lnRef>
+          <a:fillRef idx="0">
+            <a:schemeClr val="accent1"/>
+          </a:fillRef>
+          <a:effectRef idx="0">
+            <a:schemeClr val="accent1"/>
+          </a:effectRef>
+          <a:fontRef idx="minor">
+            <a:schemeClr val="tx1"/>
+          </a:fontRef>
+        </p:style>
+      </p:cxnSp>
+      <p:sp>
+        <p:nvSpPr>
+          <p:cNvPr id="35" name="TextBox 34"/>
+          <p:cNvSpPr txBox="1"/>
+          <p:nvPr/>
+        </p:nvSpPr>
+        <p:spPr>
+          <a:xfrm>
+            <a:off x="6096000" y="838200"/>
+            <a:ext cx="1076325" cy="346249"/>
+          </a:xfrm>
+          <a:prstGeom prst="rect">
+            <a:avLst/>
+          </a:prstGeom>
+          <a:noFill/>
+        </p:spPr>
+        <p:txBody>
+          <a:bodyPr wrap="square" rtlCol="0">
+            <a:spAutoFit/>
+          </a:bodyPr>
+          <a:lstStyle/>
+          <a:p>
+            <a:pPr algn="r"/>
+            <a:r>
+              <a:rPr lang="en-US" sz="1650" dirty="0" smtClean="0">
+                <a:latin typeface="Times New Roman" panose="02020603050405020304" pitchFamily="18" charset="0"/>
+                <a:cs typeface="Times New Roman" panose="02020603050405020304" pitchFamily="18" charset="0"/>
+              </a:rPr>
+              <a:t>Effect size</a:t>
+            </a:r>
+            <a:endParaRPr lang="en-US" sz="1650" dirty="0">
+              <a:latin typeface="Times New Roman" panose="02020603050405020304" pitchFamily="18" charset="0"/>
+              <a:cs typeface="Times New Roman" panose="02020603050405020304" pitchFamily="18" charset="0"/>
+            </a:endParaRPr>
+          </a:p>
+        </p:txBody>
+      </p:sp>
+      <p:cxnSp>
+        <p:nvCxnSpPr>
+          <p:cNvPr id="36" name="Straight Arrow Connector 35"/>
+          <p:cNvCxnSpPr/>
+          <p:nvPr/>
+        </p:nvCxnSpPr>
+        <p:spPr>
+          <a:xfrm>
+            <a:off x="7115175" y="1168747"/>
+            <a:ext cx="0" cy="346249"/>
+          </a:xfrm>
+          <a:prstGeom prst="straightConnector1">
+            <a:avLst/>
+          </a:prstGeom>
+          <a:ln w="38100">
+            <a:solidFill>
+              <a:schemeClr val="tx1"/>
+            </a:solidFill>
+            <a:tailEnd type="arrow"/>
+          </a:ln>
+        </p:spPr>
+        <p:style>
+          <a:lnRef idx="1">
+            <a:schemeClr val="accent1"/>
+          </a:lnRef>
+          <a:fillRef idx="0">
+            <a:schemeClr val="accent1"/>
+          </a:fillRef>
+          <a:effectRef idx="0">
+            <a:schemeClr val="accent1"/>
+          </a:effectRef>
+          <a:fontRef idx="minor">
+            <a:schemeClr val="tx1"/>
+          </a:fontRef>
+        </p:style>
+      </p:cxnSp>
+      <p:cxnSp>
+        <p:nvCxnSpPr>
+          <p:cNvPr id="37" name="Straight Arrow Connector 36"/>
+          <p:cNvCxnSpPr/>
+          <p:nvPr/>
+        </p:nvCxnSpPr>
+        <p:spPr>
+          <a:xfrm rot="10800000">
+            <a:off x="6172200" y="1184449"/>
+            <a:ext cx="0" cy="346249"/>
+          </a:xfrm>
+          <a:prstGeom prst="straightConnector1">
+            <a:avLst/>
+          </a:prstGeom>
+          <a:ln w="38100">
+            <a:solidFill>
+              <a:schemeClr val="tx1"/>
+            </a:solidFill>
+            <a:tailEnd type="arrow"/>
+          </a:ln>
+        </p:spPr>
+        <p:style>
+          <a:lnRef idx="1">
+            <a:schemeClr val="accent1"/>
+          </a:lnRef>
+          <a:fillRef idx="0">
+            <a:schemeClr val="accent1"/>
+          </a:fillRef>
+          <a:effectRef idx="0">
+            <a:schemeClr val="accent1"/>
+          </a:effectRef>
+          <a:fontRef idx="minor">
+            <a:schemeClr val="tx1"/>
+          </a:fontRef>
+        </p:style>
+      </p:cxnSp>
+    </p:spTree>
+    <p:extLst>
+      <p:ext uri="{BB962C8B-B14F-4D97-AF65-F5344CB8AC3E}">
+        <p14:creationId xmlns:p14="http://schemas.microsoft.com/office/powerpoint/2010/main" val="284200594"/>
+      </p:ext>
+    </p:extLst>
+  </p:cSld>
+  <p:clrMapOvr>
+    <a:masterClrMapping/>
+  </p:clrMapOvr>
+</p:sld>
+</file>
+
+<file path=ppt/slides/slide8.xml><?xml version="1.0" encoding="utf-8"?>
+<p:sld xmlns:a="http://schemas.openxmlformats.org/drawingml/2006/main" xmlns:r="http://schemas.openxmlformats.org/officeDocument/2006/relationships" xmlns:p="http://schemas.openxmlformats.org/presentationml/2006/main">
+  <p:cSld>
+    <p:spTree>
+      <p:nvGrpSpPr>
+        <p:cNvPr id="1" name=""/>
+        <p:cNvGrpSpPr/>
+        <p:nvPr/>
+      </p:nvGrpSpPr>
+      <p:grpSpPr>
+        <a:xfrm>
+          <a:off x="0" y="0"/>
+          <a:ext cx="0" cy="0"/>
+          <a:chOff x="0" y="0"/>
+          <a:chExt cx="0" cy="0"/>
+        </a:xfrm>
+      </p:grpSpPr>
+      <p:grpSp>
+        <p:nvGrpSpPr>
+          <p:cNvPr id="2" name="Group 1"/>
+          <p:cNvGrpSpPr/>
+          <p:nvPr/>
+        </p:nvGrpSpPr>
+        <p:grpSpPr>
+          <a:xfrm>
+            <a:off x="2840082" y="1803136"/>
+            <a:ext cx="778778" cy="610087"/>
+            <a:chOff x="628359" y="968829"/>
+            <a:chExt cx="1038370" cy="813449"/>
+          </a:xfrm>
+        </p:grpSpPr>
+        <p:grpSp>
+          <p:nvGrpSpPr>
+            <p:cNvPr id="3" name="Group 2"/>
+            <p:cNvGrpSpPr/>
+            <p:nvPr/>
+          </p:nvGrpSpPr>
+          <p:grpSpPr>
+            <a:xfrm rot="19185875">
+              <a:off x="980929" y="1005602"/>
+              <a:ext cx="685800" cy="457200"/>
+              <a:chOff x="1143000" y="1143000"/>
+              <a:chExt cx="685800" cy="457200"/>
+            </a:xfrm>
+          </p:grpSpPr>
+          <p:sp>
+            <p:nvSpPr>
+              <p:cNvPr id="10" name="Oval 9"/>
+              <p:cNvSpPr/>
+              <p:nvPr/>
+            </p:nvSpPr>
+            <p:spPr>
+              <a:xfrm>
+                <a:off x="1143000" y="1143000"/>
+                <a:ext cx="685800" cy="457200"/>
+              </a:xfrm>
+              <a:prstGeom prst="ellipse">
+                <a:avLst/>
+              </a:prstGeom>
+              <a:solidFill>
+                <a:srgbClr val="FF0000"/>
+              </a:solidFill>
+              <a:ln>
+                <a:solidFill>
+                  <a:schemeClr val="tx1"/>
+                </a:solidFill>
+              </a:ln>
+            </p:spPr>
+            <p:style>
+              <a:lnRef idx="2">
+                <a:schemeClr val="accent1">
+                  <a:shade val="50000"/>
+                </a:schemeClr>
+              </a:lnRef>
+              <a:fillRef idx="1">
+                <a:schemeClr val="accent1"/>
+              </a:fillRef>
+              <a:effectRef idx="0">
+                <a:schemeClr val="accent1"/>
+              </a:effectRef>
+              <a:fontRef idx="minor">
+                <a:schemeClr val="lt1"/>
+              </a:fontRef>
+            </p:style>
+            <p:txBody>
+              <a:bodyPr rtlCol="0" anchor="ctr"/>
+              <a:lstStyle/>
+              <a:p>
+                <a:pPr algn="ctr"/>
+                <a:endParaRPr lang="en-US" sz="1350" dirty="0"/>
+              </a:p>
+            </p:txBody>
+          </p:sp>
+          <p:sp>
+            <p:nvSpPr>
+              <p:cNvPr id="11" name="Oval 10"/>
+              <p:cNvSpPr/>
+              <p:nvPr/>
+            </p:nvSpPr>
+            <p:spPr>
+              <a:xfrm>
+                <a:off x="1485900" y="1295400"/>
+                <a:ext cx="190500" cy="152400"/>
+              </a:xfrm>
+              <a:prstGeom prst="ellipse">
+                <a:avLst/>
+              </a:prstGeom>
+              <a:solidFill>
+                <a:schemeClr val="tx1"/>
+              </a:solidFill>
+              <a:ln>
+                <a:noFill/>
+              </a:ln>
+            </p:spPr>
+            <p:style>
+              <a:lnRef idx="2">
+                <a:schemeClr val="accent1">
+                  <a:shade val="50000"/>
+                </a:schemeClr>
+              </a:lnRef>
+              <a:fillRef idx="1">
+                <a:schemeClr val="accent1"/>
+              </a:fillRef>
+              <a:effectRef idx="0">
+                <a:schemeClr val="accent1"/>
+              </a:effectRef>
+              <a:fontRef idx="minor">
+                <a:schemeClr val="lt1"/>
+              </a:fontRef>
+            </p:style>
+            <p:txBody>
+              <a:bodyPr rtlCol="0" anchor="ctr"/>
+              <a:lstStyle/>
+              <a:p>
+                <a:pPr algn="ctr"/>
+                <a:endParaRPr lang="en-US" sz="1350" dirty="0"/>
+              </a:p>
+            </p:txBody>
+          </p:sp>
+        </p:grpSp>
+        <p:grpSp>
+          <p:nvGrpSpPr>
+            <p:cNvPr id="4" name="Group 3"/>
+            <p:cNvGrpSpPr/>
+            <p:nvPr/>
+          </p:nvGrpSpPr>
+          <p:grpSpPr>
+            <a:xfrm rot="19185875">
+              <a:off x="628943" y="968829"/>
+              <a:ext cx="685800" cy="457200"/>
+              <a:chOff x="1143000" y="1143000"/>
+              <a:chExt cx="685800" cy="457200"/>
+            </a:xfrm>
+          </p:grpSpPr>
+          <p:sp>
+            <p:nvSpPr>
+              <p:cNvPr id="8" name="Oval 7"/>
+              <p:cNvSpPr/>
+              <p:nvPr/>
+            </p:nvSpPr>
+            <p:spPr>
+              <a:xfrm>
+                <a:off x="1143000" y="1143000"/>
+                <a:ext cx="685800" cy="457200"/>
+              </a:xfrm>
+              <a:prstGeom prst="ellipse">
+                <a:avLst/>
+              </a:prstGeom>
+              <a:solidFill>
+                <a:srgbClr val="FF0000"/>
+              </a:solidFill>
+              <a:ln>
+                <a:solidFill>
+                  <a:schemeClr val="tx1"/>
+                </a:solidFill>
+              </a:ln>
+            </p:spPr>
+            <p:style>
+              <a:lnRef idx="2">
+                <a:schemeClr val="accent1">
+                  <a:shade val="50000"/>
+                </a:schemeClr>
+              </a:lnRef>
+              <a:fillRef idx="1">
+                <a:schemeClr val="accent1"/>
+              </a:fillRef>
+              <a:effectRef idx="0">
+                <a:schemeClr val="accent1"/>
+              </a:effectRef>
+              <a:fontRef idx="minor">
+                <a:schemeClr val="lt1"/>
+              </a:fontRef>
+            </p:style>
+            <p:txBody>
+              <a:bodyPr rtlCol="0" anchor="ctr"/>
+              <a:lstStyle/>
+              <a:p>
+                <a:pPr algn="ctr"/>
+                <a:endParaRPr lang="en-US" sz="1350" dirty="0"/>
+              </a:p>
+            </p:txBody>
+          </p:sp>
+          <p:sp>
+            <p:nvSpPr>
+              <p:cNvPr id="9" name="Oval 8"/>
+              <p:cNvSpPr/>
+              <p:nvPr/>
+            </p:nvSpPr>
+            <p:spPr>
+              <a:xfrm>
+                <a:off x="1485900" y="1295400"/>
+                <a:ext cx="190500" cy="152400"/>
+              </a:xfrm>
+              <a:prstGeom prst="ellipse">
+                <a:avLst/>
+              </a:prstGeom>
+              <a:solidFill>
+                <a:schemeClr val="tx1"/>
+              </a:solidFill>
+              <a:ln>
+                <a:noFill/>
+              </a:ln>
+            </p:spPr>
+            <p:style>
+              <a:lnRef idx="2">
+                <a:schemeClr val="accent1">
+                  <a:shade val="50000"/>
+                </a:schemeClr>
+              </a:lnRef>
+              <a:fillRef idx="1">
+                <a:schemeClr val="accent1"/>
+              </a:fillRef>
+              <a:effectRef idx="0">
+                <a:schemeClr val="accent1"/>
+              </a:effectRef>
+              <a:fontRef idx="minor">
+                <a:schemeClr val="lt1"/>
+              </a:fontRef>
+            </p:style>
+            <p:txBody>
+              <a:bodyPr rtlCol="0" anchor="ctr"/>
+              <a:lstStyle/>
+              <a:p>
+                <a:pPr algn="ctr"/>
+                <a:endParaRPr lang="en-US" sz="1350" dirty="0"/>
+              </a:p>
+            </p:txBody>
+          </p:sp>
+        </p:grpSp>
+        <p:grpSp>
+          <p:nvGrpSpPr>
+            <p:cNvPr id="5" name="Group 4"/>
+            <p:cNvGrpSpPr/>
+            <p:nvPr/>
+          </p:nvGrpSpPr>
+          <p:grpSpPr>
+            <a:xfrm rot="19185875">
+              <a:off x="628359" y="1325078"/>
+              <a:ext cx="685800" cy="457200"/>
+              <a:chOff x="1143000" y="1143000"/>
+              <a:chExt cx="685800" cy="457200"/>
+            </a:xfrm>
+          </p:grpSpPr>
+          <p:sp>
+            <p:nvSpPr>
+              <p:cNvPr id="6" name="Oval 5"/>
+              <p:cNvSpPr/>
+              <p:nvPr/>
+            </p:nvSpPr>
+            <p:spPr>
+              <a:xfrm>
+                <a:off x="1143000" y="1143000"/>
+                <a:ext cx="685800" cy="457200"/>
+              </a:xfrm>
+              <a:prstGeom prst="ellipse">
+                <a:avLst/>
+              </a:prstGeom>
+              <a:solidFill>
+                <a:srgbClr val="FF0000"/>
+              </a:solidFill>
+              <a:ln>
+                <a:solidFill>
+                  <a:schemeClr val="tx1"/>
+                </a:solidFill>
+              </a:ln>
+            </p:spPr>
+            <p:style>
+              <a:lnRef idx="2">
+                <a:schemeClr val="accent1">
+                  <a:shade val="50000"/>
+                </a:schemeClr>
+              </a:lnRef>
+              <a:fillRef idx="1">
+                <a:schemeClr val="accent1"/>
+              </a:fillRef>
+              <a:effectRef idx="0">
+                <a:schemeClr val="accent1"/>
+              </a:effectRef>
+              <a:fontRef idx="minor">
+                <a:schemeClr val="lt1"/>
+              </a:fontRef>
+            </p:style>
+            <p:txBody>
+              <a:bodyPr rtlCol="0" anchor="ctr"/>
+              <a:lstStyle/>
+              <a:p>
+                <a:pPr algn="ctr"/>
+                <a:endParaRPr lang="en-US" sz="1350" dirty="0"/>
+              </a:p>
+            </p:txBody>
+          </p:sp>
+          <p:sp>
+            <p:nvSpPr>
+              <p:cNvPr id="7" name="Oval 6"/>
+              <p:cNvSpPr/>
+              <p:nvPr/>
+            </p:nvSpPr>
+            <p:spPr>
+              <a:xfrm>
+                <a:off x="1485900" y="1295400"/>
+                <a:ext cx="190500" cy="152400"/>
+              </a:xfrm>
+              <a:prstGeom prst="ellipse">
+                <a:avLst/>
+              </a:prstGeom>
+              <a:solidFill>
+                <a:schemeClr val="tx1"/>
+              </a:solidFill>
+              <a:ln>
+                <a:noFill/>
+              </a:ln>
+            </p:spPr>
+            <p:style>
+              <a:lnRef idx="2">
+                <a:schemeClr val="accent1">
+                  <a:shade val="50000"/>
+                </a:schemeClr>
+              </a:lnRef>
+              <a:fillRef idx="1">
+                <a:schemeClr val="accent1"/>
+              </a:fillRef>
+              <a:effectRef idx="0">
+                <a:schemeClr val="accent1"/>
+              </a:effectRef>
+              <a:fontRef idx="minor">
+                <a:schemeClr val="lt1"/>
+              </a:fontRef>
+            </p:style>
+            <p:txBody>
+              <a:bodyPr rtlCol="0" anchor="ctr"/>
+              <a:lstStyle/>
+              <a:p>
+                <a:pPr algn="ctr"/>
+                <a:endParaRPr lang="en-US" sz="1350" dirty="0"/>
+              </a:p>
+            </p:txBody>
+          </p:sp>
+        </p:grpSp>
+      </p:grpSp>
+      <p:grpSp>
+        <p:nvGrpSpPr>
+          <p:cNvPr id="12" name="Group 11"/>
+          <p:cNvGrpSpPr/>
+          <p:nvPr/>
+        </p:nvGrpSpPr>
+        <p:grpSpPr>
+          <a:xfrm>
+            <a:off x="2826310" y="3657113"/>
+            <a:ext cx="778778" cy="610087"/>
+            <a:chOff x="628359" y="968829"/>
+            <a:chExt cx="1038370" cy="813449"/>
+          </a:xfrm>
+        </p:grpSpPr>
+        <p:grpSp>
+          <p:nvGrpSpPr>
+            <p:cNvPr id="13" name="Group 12"/>
+            <p:cNvGrpSpPr/>
+            <p:nvPr/>
+          </p:nvGrpSpPr>
+          <p:grpSpPr>
+            <a:xfrm rot="19185875">
+              <a:off x="980929" y="1005602"/>
+              <a:ext cx="685800" cy="457200"/>
+              <a:chOff x="1143000" y="1143000"/>
+              <a:chExt cx="685800" cy="457200"/>
+            </a:xfrm>
+          </p:grpSpPr>
+          <p:sp>
+            <p:nvSpPr>
+              <p:cNvPr id="20" name="Oval 19"/>
+              <p:cNvSpPr/>
+              <p:nvPr/>
+            </p:nvSpPr>
+            <p:spPr>
+              <a:xfrm>
+                <a:off x="1143000" y="1143000"/>
+                <a:ext cx="685800" cy="457200"/>
+              </a:xfrm>
+              <a:prstGeom prst="ellipse">
+                <a:avLst/>
+              </a:prstGeom>
+              <a:solidFill>
+                <a:srgbClr val="7030A0"/>
+              </a:solidFill>
+              <a:ln>
+                <a:solidFill>
+                  <a:schemeClr val="tx1"/>
+                </a:solidFill>
+              </a:ln>
+            </p:spPr>
+            <p:style>
+              <a:lnRef idx="2">
+                <a:schemeClr val="accent1">
+                  <a:shade val="50000"/>
+                </a:schemeClr>
+              </a:lnRef>
+              <a:fillRef idx="1">
+                <a:schemeClr val="accent1"/>
+              </a:fillRef>
+              <a:effectRef idx="0">
+                <a:schemeClr val="accent1"/>
+              </a:effectRef>
+              <a:fontRef idx="minor">
+                <a:schemeClr val="lt1"/>
+              </a:fontRef>
+            </p:style>
+            <p:txBody>
+              <a:bodyPr rtlCol="0" anchor="ctr"/>
+              <a:lstStyle/>
+              <a:p>
+                <a:pPr algn="ctr"/>
+                <a:endParaRPr lang="en-US" sz="1350" dirty="0"/>
+              </a:p>
+            </p:txBody>
+          </p:sp>
+          <p:sp>
+            <p:nvSpPr>
+              <p:cNvPr id="21" name="Oval 20"/>
+              <p:cNvSpPr/>
+              <p:nvPr/>
+            </p:nvSpPr>
+            <p:spPr>
+              <a:xfrm>
+                <a:off x="1485900" y="1295400"/>
+                <a:ext cx="190500" cy="152400"/>
+              </a:xfrm>
+              <a:prstGeom prst="ellipse">
+                <a:avLst/>
+              </a:prstGeom>
+              <a:solidFill>
+                <a:schemeClr val="tx1"/>
+              </a:solidFill>
+              <a:ln>
+                <a:noFill/>
+              </a:ln>
+            </p:spPr>
+            <p:style>
+              <a:lnRef idx="2">
+                <a:schemeClr val="accent1">
+                  <a:shade val="50000"/>
+                </a:schemeClr>
+              </a:lnRef>
+              <a:fillRef idx="1">
+                <a:schemeClr val="accent1"/>
+              </a:fillRef>
+              <a:effectRef idx="0">
+                <a:schemeClr val="accent1"/>
+              </a:effectRef>
+              <a:fontRef idx="minor">
+                <a:schemeClr val="lt1"/>
+              </a:fontRef>
+            </p:style>
+            <p:txBody>
+              <a:bodyPr rtlCol="0" anchor="ctr"/>
+              <a:lstStyle/>
+              <a:p>
+                <a:pPr algn="ctr"/>
+                <a:endParaRPr lang="en-US" sz="1350" dirty="0"/>
+              </a:p>
+            </p:txBody>
+          </p:sp>
+        </p:grpSp>
+        <p:grpSp>
+          <p:nvGrpSpPr>
+            <p:cNvPr id="14" name="Group 13"/>
+            <p:cNvGrpSpPr/>
+            <p:nvPr/>
+          </p:nvGrpSpPr>
+          <p:grpSpPr>
+            <a:xfrm rot="19185875">
+              <a:off x="628943" y="968829"/>
+              <a:ext cx="685800" cy="457200"/>
+              <a:chOff x="1143000" y="1143000"/>
+              <a:chExt cx="685800" cy="457200"/>
+            </a:xfrm>
+          </p:grpSpPr>
+          <p:sp>
+            <p:nvSpPr>
+              <p:cNvPr id="18" name="Oval 17"/>
+              <p:cNvSpPr/>
+              <p:nvPr/>
+            </p:nvSpPr>
+            <p:spPr>
+              <a:xfrm>
+                <a:off x="1143000" y="1143000"/>
+                <a:ext cx="685800" cy="457200"/>
+              </a:xfrm>
+              <a:prstGeom prst="ellipse">
+                <a:avLst/>
+              </a:prstGeom>
+              <a:solidFill>
+                <a:srgbClr val="7030A0"/>
+              </a:solidFill>
+              <a:ln>
+                <a:solidFill>
+                  <a:schemeClr val="tx1"/>
+                </a:solidFill>
+              </a:ln>
+            </p:spPr>
+            <p:style>
+              <a:lnRef idx="2">
+                <a:schemeClr val="accent1">
+                  <a:shade val="50000"/>
+                </a:schemeClr>
+              </a:lnRef>
+              <a:fillRef idx="1">
+                <a:schemeClr val="accent1"/>
+              </a:fillRef>
+              <a:effectRef idx="0">
+                <a:schemeClr val="accent1"/>
+              </a:effectRef>
+              <a:fontRef idx="minor">
+                <a:schemeClr val="lt1"/>
+              </a:fontRef>
+            </p:style>
+            <p:txBody>
+              <a:bodyPr rtlCol="0" anchor="ctr"/>
+              <a:lstStyle/>
+              <a:p>
+                <a:pPr algn="ctr"/>
+                <a:endParaRPr lang="en-US" sz="1350" dirty="0"/>
+              </a:p>
+            </p:txBody>
+          </p:sp>
+          <p:sp>
+            <p:nvSpPr>
+              <p:cNvPr id="19" name="Oval 18"/>
+              <p:cNvSpPr/>
+              <p:nvPr/>
+            </p:nvSpPr>
+            <p:spPr>
+              <a:xfrm>
+                <a:off x="1485900" y="1295400"/>
+                <a:ext cx="190500" cy="152400"/>
+              </a:xfrm>
+              <a:prstGeom prst="ellipse">
+                <a:avLst/>
+              </a:prstGeom>
+              <a:solidFill>
+                <a:schemeClr val="tx1"/>
+              </a:solidFill>
+              <a:ln>
+                <a:noFill/>
+              </a:ln>
+            </p:spPr>
+            <p:style>
+              <a:lnRef idx="2">
+                <a:schemeClr val="accent1">
+                  <a:shade val="50000"/>
+                </a:schemeClr>
+              </a:lnRef>
+              <a:fillRef idx="1">
+                <a:schemeClr val="accent1"/>
+              </a:fillRef>
+              <a:effectRef idx="0">
+                <a:schemeClr val="accent1"/>
+              </a:effectRef>
+              <a:fontRef idx="minor">
+                <a:schemeClr val="lt1"/>
+              </a:fontRef>
+            </p:style>
+            <p:txBody>
+              <a:bodyPr rtlCol="0" anchor="ctr"/>
+              <a:lstStyle/>
+              <a:p>
+                <a:pPr algn="ctr"/>
+                <a:endParaRPr lang="en-US" sz="1350" dirty="0"/>
+              </a:p>
+            </p:txBody>
+          </p:sp>
+        </p:grpSp>
+        <p:grpSp>
+          <p:nvGrpSpPr>
+            <p:cNvPr id="15" name="Group 14"/>
+            <p:cNvGrpSpPr/>
+            <p:nvPr/>
+          </p:nvGrpSpPr>
+          <p:grpSpPr>
+            <a:xfrm rot="19185875">
+              <a:off x="628359" y="1325078"/>
+              <a:ext cx="685800" cy="457200"/>
+              <a:chOff x="1143000" y="1143000"/>
+              <a:chExt cx="685800" cy="457200"/>
+            </a:xfrm>
+          </p:grpSpPr>
+          <p:sp>
+            <p:nvSpPr>
+              <p:cNvPr id="16" name="Oval 15"/>
+              <p:cNvSpPr/>
+              <p:nvPr/>
+            </p:nvSpPr>
+            <p:spPr>
+              <a:xfrm>
+                <a:off x="1143000" y="1143000"/>
+                <a:ext cx="685800" cy="457200"/>
+              </a:xfrm>
+              <a:prstGeom prst="ellipse">
+                <a:avLst/>
+              </a:prstGeom>
+              <a:solidFill>
+                <a:srgbClr val="7030A0"/>
+              </a:solidFill>
+              <a:ln>
+                <a:solidFill>
+                  <a:schemeClr val="tx1"/>
+                </a:solidFill>
+              </a:ln>
+            </p:spPr>
+            <p:style>
+              <a:lnRef idx="2">
+                <a:schemeClr val="accent1">
+                  <a:shade val="50000"/>
+                </a:schemeClr>
+              </a:lnRef>
+              <a:fillRef idx="1">
+                <a:schemeClr val="accent1"/>
+              </a:fillRef>
+              <a:effectRef idx="0">
+                <a:schemeClr val="accent1"/>
+              </a:effectRef>
+              <a:fontRef idx="minor">
+                <a:schemeClr val="lt1"/>
+              </a:fontRef>
+            </p:style>
+            <p:txBody>
+              <a:bodyPr rtlCol="0" anchor="ctr"/>
+              <a:lstStyle/>
+              <a:p>
+                <a:pPr algn="ctr"/>
+                <a:endParaRPr lang="en-US" sz="1350" dirty="0"/>
+              </a:p>
+            </p:txBody>
+          </p:sp>
+          <p:sp>
+            <p:nvSpPr>
+              <p:cNvPr id="17" name="Oval 16"/>
+              <p:cNvSpPr/>
+              <p:nvPr/>
+            </p:nvSpPr>
+            <p:spPr>
+              <a:xfrm>
+                <a:off x="1485900" y="1295400"/>
+                <a:ext cx="190500" cy="152400"/>
+              </a:xfrm>
+              <a:prstGeom prst="ellipse">
+                <a:avLst/>
+              </a:prstGeom>
+              <a:solidFill>
+                <a:schemeClr val="tx1"/>
+              </a:solidFill>
+              <a:ln>
+                <a:noFill/>
+              </a:ln>
+            </p:spPr>
+            <p:style>
+              <a:lnRef idx="2">
+                <a:schemeClr val="accent1">
+                  <a:shade val="50000"/>
+                </a:schemeClr>
+              </a:lnRef>
+              <a:fillRef idx="1">
+                <a:schemeClr val="accent1"/>
+              </a:fillRef>
+              <a:effectRef idx="0">
+                <a:schemeClr val="accent1"/>
+              </a:effectRef>
+              <a:fontRef idx="minor">
+                <a:schemeClr val="lt1"/>
+              </a:fontRef>
+            </p:style>
+            <p:txBody>
+              <a:bodyPr rtlCol="0" anchor="ctr"/>
+              <a:lstStyle/>
+              <a:p>
+                <a:pPr algn="ctr"/>
+                <a:endParaRPr lang="en-US" sz="1350" dirty="0"/>
+              </a:p>
+            </p:txBody>
+          </p:sp>
+        </p:grpSp>
+      </p:grpSp>
+      <p:grpSp>
+        <p:nvGrpSpPr>
+          <p:cNvPr id="22" name="Group 21"/>
+          <p:cNvGrpSpPr/>
+          <p:nvPr/>
+        </p:nvGrpSpPr>
+        <p:grpSpPr>
+          <a:xfrm>
+            <a:off x="4694841" y="1828313"/>
+            <a:ext cx="778778" cy="610087"/>
+            <a:chOff x="628359" y="968829"/>
+            <a:chExt cx="1038370" cy="813449"/>
+          </a:xfrm>
+        </p:grpSpPr>
+        <p:grpSp>
+          <p:nvGrpSpPr>
+            <p:cNvPr id="23" name="Group 22"/>
+            <p:cNvGrpSpPr/>
+            <p:nvPr/>
+          </p:nvGrpSpPr>
+          <p:grpSpPr>
+            <a:xfrm rot="19185875">
+              <a:off x="980929" y="1005602"/>
+              <a:ext cx="685800" cy="457200"/>
+              <a:chOff x="1143000" y="1143000"/>
+              <a:chExt cx="685800" cy="457200"/>
+            </a:xfrm>
+          </p:grpSpPr>
+          <p:sp>
+            <p:nvSpPr>
+              <p:cNvPr id="30" name="Oval 29"/>
+              <p:cNvSpPr/>
+              <p:nvPr/>
+            </p:nvSpPr>
+            <p:spPr>
+              <a:xfrm>
+                <a:off x="1143000" y="1143000"/>
+                <a:ext cx="685800" cy="457200"/>
+              </a:xfrm>
+              <a:prstGeom prst="ellipse">
+                <a:avLst/>
+              </a:prstGeom>
+              <a:solidFill>
+                <a:schemeClr val="tx2"/>
+              </a:solidFill>
+              <a:ln>
+                <a:solidFill>
+                  <a:schemeClr val="tx1"/>
+                </a:solidFill>
+              </a:ln>
+            </p:spPr>
+            <p:style>
+              <a:lnRef idx="2">
+                <a:schemeClr val="accent1">
+                  <a:shade val="50000"/>
+                </a:schemeClr>
+              </a:lnRef>
+              <a:fillRef idx="1">
+                <a:schemeClr val="accent1"/>
+              </a:fillRef>
+              <a:effectRef idx="0">
+                <a:schemeClr val="accent1"/>
+              </a:effectRef>
+              <a:fontRef idx="minor">
+                <a:schemeClr val="lt1"/>
+              </a:fontRef>
+            </p:style>
+            <p:txBody>
+              <a:bodyPr rtlCol="0" anchor="ctr"/>
+              <a:lstStyle/>
+              <a:p>
+                <a:pPr algn="ctr"/>
+                <a:endParaRPr lang="en-US" sz="1350" dirty="0"/>
+              </a:p>
+            </p:txBody>
+          </p:sp>
+          <p:sp>
+            <p:nvSpPr>
+              <p:cNvPr id="31" name="Oval 30"/>
+              <p:cNvSpPr/>
+              <p:nvPr/>
+            </p:nvSpPr>
+            <p:spPr>
+              <a:xfrm>
+                <a:off x="1485900" y="1295400"/>
+                <a:ext cx="190500" cy="152400"/>
+              </a:xfrm>
+              <a:prstGeom prst="ellipse">
+                <a:avLst/>
+              </a:prstGeom>
+              <a:solidFill>
+                <a:schemeClr val="tx1"/>
+              </a:solidFill>
+              <a:ln>
+                <a:noFill/>
+              </a:ln>
+            </p:spPr>
+            <p:style>
+              <a:lnRef idx="2">
+                <a:schemeClr val="accent1">
+                  <a:shade val="50000"/>
+                </a:schemeClr>
+              </a:lnRef>
+              <a:fillRef idx="1">
+                <a:schemeClr val="accent1"/>
+              </a:fillRef>
+              <a:effectRef idx="0">
+                <a:schemeClr val="accent1"/>
+              </a:effectRef>
+              <a:fontRef idx="minor">
+                <a:schemeClr val="lt1"/>
+              </a:fontRef>
+            </p:style>
+            <p:txBody>
+              <a:bodyPr rtlCol="0" anchor="ctr"/>
+              <a:lstStyle/>
+              <a:p>
+                <a:pPr algn="ctr"/>
+                <a:endParaRPr lang="en-US" sz="1350" dirty="0"/>
+              </a:p>
+            </p:txBody>
+          </p:sp>
+        </p:grpSp>
+        <p:grpSp>
+          <p:nvGrpSpPr>
+            <p:cNvPr id="24" name="Group 23"/>
+            <p:cNvGrpSpPr/>
+            <p:nvPr/>
+          </p:nvGrpSpPr>
+          <p:grpSpPr>
+            <a:xfrm rot="19185875">
+              <a:off x="628943" y="968829"/>
+              <a:ext cx="685800" cy="457200"/>
+              <a:chOff x="1143000" y="1143000"/>
+              <a:chExt cx="685800" cy="457200"/>
+            </a:xfrm>
+          </p:grpSpPr>
+          <p:sp>
+            <p:nvSpPr>
+              <p:cNvPr id="28" name="Oval 27"/>
+              <p:cNvSpPr/>
+              <p:nvPr/>
+            </p:nvSpPr>
+            <p:spPr>
+              <a:xfrm>
+                <a:off x="1143000" y="1143000"/>
+                <a:ext cx="685800" cy="457200"/>
+              </a:xfrm>
+              <a:prstGeom prst="ellipse">
+                <a:avLst/>
+              </a:prstGeom>
+              <a:solidFill>
+                <a:schemeClr val="tx2"/>
+              </a:solidFill>
+              <a:ln>
+                <a:solidFill>
+                  <a:schemeClr val="tx1"/>
+                </a:solidFill>
+              </a:ln>
+            </p:spPr>
+            <p:style>
+              <a:lnRef idx="2">
+                <a:schemeClr val="accent1">
+                  <a:shade val="50000"/>
+                </a:schemeClr>
+              </a:lnRef>
+              <a:fillRef idx="1">
+                <a:schemeClr val="accent1"/>
+              </a:fillRef>
+              <a:effectRef idx="0">
+                <a:schemeClr val="accent1"/>
+              </a:effectRef>
+              <a:fontRef idx="minor">
+                <a:schemeClr val="lt1"/>
+              </a:fontRef>
+            </p:style>
+            <p:txBody>
+              <a:bodyPr rtlCol="0" anchor="ctr"/>
+              <a:lstStyle/>
+              <a:p>
+                <a:pPr algn="ctr"/>
+                <a:endParaRPr lang="en-US" sz="1350" dirty="0"/>
+              </a:p>
+            </p:txBody>
+          </p:sp>
+          <p:sp>
+            <p:nvSpPr>
+              <p:cNvPr id="29" name="Oval 28"/>
+              <p:cNvSpPr/>
+              <p:nvPr/>
+            </p:nvSpPr>
+            <p:spPr>
+              <a:xfrm>
+                <a:off x="1485900" y="1295400"/>
+                <a:ext cx="190500" cy="152400"/>
+              </a:xfrm>
+              <a:prstGeom prst="ellipse">
+                <a:avLst/>
+              </a:prstGeom>
+              <a:solidFill>
+                <a:schemeClr val="tx1"/>
+              </a:solidFill>
+              <a:ln>
+                <a:noFill/>
+              </a:ln>
+            </p:spPr>
+            <p:style>
+              <a:lnRef idx="2">
+                <a:schemeClr val="accent1">
+                  <a:shade val="50000"/>
+                </a:schemeClr>
+              </a:lnRef>
+              <a:fillRef idx="1">
+                <a:schemeClr val="accent1"/>
+              </a:fillRef>
+              <a:effectRef idx="0">
+                <a:schemeClr val="accent1"/>
+              </a:effectRef>
+              <a:fontRef idx="minor">
+                <a:schemeClr val="lt1"/>
+              </a:fontRef>
+            </p:style>
+            <p:txBody>
+              <a:bodyPr rtlCol="0" anchor="ctr"/>
+              <a:lstStyle/>
+              <a:p>
+                <a:pPr algn="ctr"/>
+                <a:endParaRPr lang="en-US" sz="1350" dirty="0"/>
+              </a:p>
+            </p:txBody>
+          </p:sp>
+        </p:grpSp>
+        <p:grpSp>
+          <p:nvGrpSpPr>
+            <p:cNvPr id="25" name="Group 24"/>
+            <p:cNvGrpSpPr/>
+            <p:nvPr/>
+          </p:nvGrpSpPr>
+          <p:grpSpPr>
+            <a:xfrm rot="19185875">
+              <a:off x="628359" y="1325078"/>
+              <a:ext cx="685800" cy="457200"/>
+              <a:chOff x="1143000" y="1143000"/>
+              <a:chExt cx="685800" cy="457200"/>
+            </a:xfrm>
+          </p:grpSpPr>
+          <p:sp>
+            <p:nvSpPr>
+              <p:cNvPr id="26" name="Oval 25"/>
+              <p:cNvSpPr/>
+              <p:nvPr/>
+            </p:nvSpPr>
+            <p:spPr>
+              <a:xfrm>
+                <a:off x="1143000" y="1143000"/>
+                <a:ext cx="685800" cy="457200"/>
+              </a:xfrm>
+              <a:prstGeom prst="ellipse">
+                <a:avLst/>
+              </a:prstGeom>
+              <a:solidFill>
+                <a:schemeClr val="tx2"/>
+              </a:solidFill>
+              <a:ln>
+                <a:solidFill>
+                  <a:schemeClr val="tx1"/>
+                </a:solidFill>
+              </a:ln>
+            </p:spPr>
+            <p:style>
+              <a:lnRef idx="2">
+                <a:schemeClr val="accent1">
+                  <a:shade val="50000"/>
+                </a:schemeClr>
+              </a:lnRef>
+              <a:fillRef idx="1">
+                <a:schemeClr val="accent1"/>
+              </a:fillRef>
+              <a:effectRef idx="0">
+                <a:schemeClr val="accent1"/>
+              </a:effectRef>
+              <a:fontRef idx="minor">
+                <a:schemeClr val="lt1"/>
+              </a:fontRef>
+            </p:style>
+            <p:txBody>
+              <a:bodyPr rtlCol="0" anchor="ctr"/>
+              <a:lstStyle/>
+              <a:p>
+                <a:pPr algn="ctr"/>
+                <a:endParaRPr lang="en-US" sz="1350" dirty="0"/>
+              </a:p>
+            </p:txBody>
+          </p:sp>
+          <p:sp>
+            <p:nvSpPr>
+              <p:cNvPr id="27" name="Oval 26"/>
+              <p:cNvSpPr/>
+              <p:nvPr/>
+            </p:nvSpPr>
+            <p:spPr>
+              <a:xfrm>
+                <a:off x="1485900" y="1295400"/>
+                <a:ext cx="190500" cy="152400"/>
+              </a:xfrm>
+              <a:prstGeom prst="ellipse">
+                <a:avLst/>
+              </a:prstGeom>
+              <a:solidFill>
+                <a:schemeClr val="tx1"/>
+              </a:solidFill>
+              <a:ln>
+                <a:noFill/>
+              </a:ln>
+            </p:spPr>
+            <p:style>
+              <a:lnRef idx="2">
+                <a:schemeClr val="accent1">
+                  <a:shade val="50000"/>
+                </a:schemeClr>
+              </a:lnRef>
+              <a:fillRef idx="1">
+                <a:schemeClr val="accent1"/>
+              </a:fillRef>
+              <a:effectRef idx="0">
+                <a:schemeClr val="accent1"/>
+              </a:effectRef>
+              <a:fontRef idx="minor">
+                <a:schemeClr val="lt1"/>
+              </a:fontRef>
+            </p:style>
+            <p:txBody>
+              <a:bodyPr rtlCol="0" anchor="ctr"/>
+              <a:lstStyle/>
+              <a:p>
+                <a:pPr algn="ctr"/>
+                <a:endParaRPr lang="en-US" sz="1350" dirty="0"/>
+              </a:p>
+            </p:txBody>
+          </p:sp>
+        </p:grpSp>
+      </p:grpSp>
+      <p:grpSp>
+        <p:nvGrpSpPr>
+          <p:cNvPr id="32" name="Group 31"/>
+          <p:cNvGrpSpPr/>
+          <p:nvPr/>
+        </p:nvGrpSpPr>
+        <p:grpSpPr>
+          <a:xfrm>
+            <a:off x="4648200" y="3657113"/>
+            <a:ext cx="778778" cy="610087"/>
+            <a:chOff x="628359" y="968829"/>
+            <a:chExt cx="1038370" cy="813449"/>
+          </a:xfrm>
+        </p:grpSpPr>
+        <p:grpSp>
+          <p:nvGrpSpPr>
+            <p:cNvPr id="33" name="Group 32"/>
+            <p:cNvGrpSpPr/>
+            <p:nvPr/>
+          </p:nvGrpSpPr>
+          <p:grpSpPr>
+            <a:xfrm rot="19185875">
+              <a:off x="980929" y="1005602"/>
+              <a:ext cx="685800" cy="457200"/>
+              <a:chOff x="1143000" y="1143000"/>
+              <a:chExt cx="685800" cy="457200"/>
+            </a:xfrm>
+          </p:grpSpPr>
+          <p:sp>
+            <p:nvSpPr>
+              <p:cNvPr id="40" name="Oval 39"/>
+              <p:cNvSpPr/>
+              <p:nvPr/>
+            </p:nvSpPr>
+            <p:spPr>
+              <a:xfrm>
+                <a:off x="1143000" y="1143000"/>
+                <a:ext cx="685800" cy="457200"/>
+              </a:xfrm>
+              <a:prstGeom prst="ellipse">
+                <a:avLst/>
+              </a:prstGeom>
+              <a:solidFill>
+                <a:schemeClr val="tx2">
+                  <a:lumMod val="20000"/>
+                  <a:lumOff val="80000"/>
+                </a:schemeClr>
+              </a:solidFill>
+              <a:ln>
+                <a:solidFill>
+                  <a:schemeClr val="tx1"/>
+                </a:solidFill>
+              </a:ln>
+            </p:spPr>
+            <p:style>
+              <a:lnRef idx="2">
+                <a:schemeClr val="accent1">
+                  <a:shade val="50000"/>
+                </a:schemeClr>
+              </a:lnRef>
+              <a:fillRef idx="1">
+                <a:schemeClr val="accent1"/>
+              </a:fillRef>
+              <a:effectRef idx="0">
+                <a:schemeClr val="accent1"/>
+              </a:effectRef>
+              <a:fontRef idx="minor">
+                <a:schemeClr val="lt1"/>
+              </a:fontRef>
+            </p:style>
+            <p:txBody>
+              <a:bodyPr rtlCol="0" anchor="ctr"/>
+              <a:lstStyle/>
+              <a:p>
+                <a:pPr algn="ctr"/>
+                <a:endParaRPr lang="en-US" sz="1350" dirty="0"/>
+              </a:p>
+            </p:txBody>
+          </p:sp>
+          <p:sp>
+            <p:nvSpPr>
+              <p:cNvPr id="41" name="Oval 40"/>
+              <p:cNvSpPr/>
+              <p:nvPr/>
+            </p:nvSpPr>
+            <p:spPr>
+              <a:xfrm>
+                <a:off x="1485900" y="1295400"/>
+                <a:ext cx="190500" cy="152400"/>
+              </a:xfrm>
+              <a:prstGeom prst="ellipse">
+                <a:avLst/>
+              </a:prstGeom>
+              <a:solidFill>
+                <a:schemeClr val="tx1"/>
+              </a:solidFill>
+              <a:ln>
+                <a:noFill/>
+              </a:ln>
+            </p:spPr>
+            <p:style>
+              <a:lnRef idx="2">
+                <a:schemeClr val="accent1">
+                  <a:shade val="50000"/>
+                </a:schemeClr>
+              </a:lnRef>
+              <a:fillRef idx="1">
+                <a:schemeClr val="accent1"/>
+              </a:fillRef>
+              <a:effectRef idx="0">
+                <a:schemeClr val="accent1"/>
+              </a:effectRef>
+              <a:fontRef idx="minor">
+                <a:schemeClr val="lt1"/>
+              </a:fontRef>
+            </p:style>
+            <p:txBody>
+              <a:bodyPr rtlCol="0" anchor="ctr"/>
+              <a:lstStyle/>
+              <a:p>
+                <a:pPr algn="ctr"/>
+                <a:endParaRPr lang="en-US" sz="1350" dirty="0"/>
+              </a:p>
+            </p:txBody>
+          </p:sp>
+        </p:grpSp>
+        <p:grpSp>
+          <p:nvGrpSpPr>
+            <p:cNvPr id="34" name="Group 33"/>
+            <p:cNvGrpSpPr/>
+            <p:nvPr/>
+          </p:nvGrpSpPr>
+          <p:grpSpPr>
+            <a:xfrm rot="19185875">
+              <a:off x="628943" y="968829"/>
+              <a:ext cx="685800" cy="457200"/>
+              <a:chOff x="1143000" y="1143000"/>
+              <a:chExt cx="685800" cy="457200"/>
+            </a:xfrm>
+          </p:grpSpPr>
+          <p:sp>
+            <p:nvSpPr>
+              <p:cNvPr id="38" name="Oval 37"/>
+              <p:cNvSpPr/>
+              <p:nvPr/>
+            </p:nvSpPr>
+            <p:spPr>
+              <a:xfrm>
+                <a:off x="1143000" y="1143000"/>
+                <a:ext cx="685800" cy="457200"/>
+              </a:xfrm>
+              <a:prstGeom prst="ellipse">
+                <a:avLst/>
+              </a:prstGeom>
+              <a:solidFill>
+                <a:schemeClr val="tx2">
+                  <a:lumMod val="20000"/>
+                  <a:lumOff val="80000"/>
+                </a:schemeClr>
+              </a:solidFill>
+              <a:ln>
+                <a:solidFill>
+                  <a:schemeClr val="tx1"/>
+                </a:solidFill>
+              </a:ln>
+            </p:spPr>
+            <p:style>
+              <a:lnRef idx="2">
+                <a:schemeClr val="accent1">
+                  <a:shade val="50000"/>
+                </a:schemeClr>
+              </a:lnRef>
+              <a:fillRef idx="1">
+                <a:schemeClr val="accent1"/>
+              </a:fillRef>
+              <a:effectRef idx="0">
+                <a:schemeClr val="accent1"/>
+              </a:effectRef>
+              <a:fontRef idx="minor">
+                <a:schemeClr val="lt1"/>
+              </a:fontRef>
+            </p:style>
+            <p:txBody>
+              <a:bodyPr rtlCol="0" anchor="ctr"/>
+              <a:lstStyle/>
+              <a:p>
+                <a:pPr algn="ctr"/>
+                <a:endParaRPr lang="en-US" sz="1350" dirty="0"/>
+              </a:p>
+            </p:txBody>
+          </p:sp>
+          <p:sp>
+            <p:nvSpPr>
+              <p:cNvPr id="39" name="Oval 38"/>
+              <p:cNvSpPr/>
+              <p:nvPr/>
+            </p:nvSpPr>
+            <p:spPr>
+              <a:xfrm>
+                <a:off x="1485900" y="1295400"/>
+                <a:ext cx="190500" cy="152400"/>
+              </a:xfrm>
+              <a:prstGeom prst="ellipse">
+                <a:avLst/>
+              </a:prstGeom>
+              <a:solidFill>
+                <a:schemeClr val="tx1"/>
+              </a:solidFill>
+              <a:ln>
+                <a:noFill/>
+              </a:ln>
+            </p:spPr>
+            <p:style>
+              <a:lnRef idx="2">
+                <a:schemeClr val="accent1">
+                  <a:shade val="50000"/>
+                </a:schemeClr>
+              </a:lnRef>
+              <a:fillRef idx="1">
+                <a:schemeClr val="accent1"/>
+              </a:fillRef>
+              <a:effectRef idx="0">
+                <a:schemeClr val="accent1"/>
+              </a:effectRef>
+              <a:fontRef idx="minor">
+                <a:schemeClr val="lt1"/>
+              </a:fontRef>
+            </p:style>
+            <p:txBody>
+              <a:bodyPr rtlCol="0" anchor="ctr"/>
+              <a:lstStyle/>
+              <a:p>
+                <a:pPr algn="ctr"/>
+                <a:endParaRPr lang="en-US" sz="1350" dirty="0"/>
+              </a:p>
+            </p:txBody>
+          </p:sp>
+        </p:grpSp>
+        <p:grpSp>
+          <p:nvGrpSpPr>
+            <p:cNvPr id="35" name="Group 34"/>
+            <p:cNvGrpSpPr/>
+            <p:nvPr/>
+          </p:nvGrpSpPr>
+          <p:grpSpPr>
+            <a:xfrm rot="19185875">
+              <a:off x="628359" y="1325078"/>
+              <a:ext cx="685800" cy="457200"/>
+              <a:chOff x="1143000" y="1143000"/>
+              <a:chExt cx="685800" cy="457200"/>
+            </a:xfrm>
+          </p:grpSpPr>
+          <p:sp>
+            <p:nvSpPr>
+              <p:cNvPr id="36" name="Oval 35"/>
+              <p:cNvSpPr/>
+              <p:nvPr/>
+            </p:nvSpPr>
+            <p:spPr>
+              <a:xfrm>
+                <a:off x="1143000" y="1143000"/>
+                <a:ext cx="685800" cy="457200"/>
+              </a:xfrm>
+              <a:prstGeom prst="ellipse">
+                <a:avLst/>
+              </a:prstGeom>
+              <a:solidFill>
+                <a:schemeClr val="tx2">
+                  <a:lumMod val="20000"/>
+                  <a:lumOff val="80000"/>
+                </a:schemeClr>
+              </a:solidFill>
+              <a:ln>
+                <a:solidFill>
+                  <a:schemeClr val="tx1"/>
+                </a:solidFill>
+              </a:ln>
+            </p:spPr>
+            <p:style>
+              <a:lnRef idx="2">
+                <a:schemeClr val="accent1">
+                  <a:shade val="50000"/>
+                </a:schemeClr>
+              </a:lnRef>
+              <a:fillRef idx="1">
+                <a:schemeClr val="accent1"/>
+              </a:fillRef>
+              <a:effectRef idx="0">
+                <a:schemeClr val="accent1"/>
+              </a:effectRef>
+              <a:fontRef idx="minor">
+                <a:schemeClr val="lt1"/>
+              </a:fontRef>
+            </p:style>
+            <p:txBody>
+              <a:bodyPr rtlCol="0" anchor="ctr"/>
+              <a:lstStyle/>
+              <a:p>
+                <a:pPr algn="ctr"/>
+                <a:endParaRPr lang="en-US" sz="1350" dirty="0"/>
+              </a:p>
+            </p:txBody>
+          </p:sp>
+          <p:sp>
+            <p:nvSpPr>
+              <p:cNvPr id="37" name="Oval 36"/>
+              <p:cNvSpPr/>
+              <p:nvPr/>
+            </p:nvSpPr>
+            <p:spPr>
+              <a:xfrm>
+                <a:off x="1485900" y="1295400"/>
+                <a:ext cx="190500" cy="152400"/>
+              </a:xfrm>
+              <a:prstGeom prst="ellipse">
+                <a:avLst/>
+              </a:prstGeom>
+              <a:solidFill>
+                <a:schemeClr val="tx1"/>
+              </a:solidFill>
+              <a:ln>
+                <a:noFill/>
+              </a:ln>
+            </p:spPr>
+            <p:style>
+              <a:lnRef idx="2">
+                <a:schemeClr val="accent1">
+                  <a:shade val="50000"/>
+                </a:schemeClr>
+              </a:lnRef>
+              <a:fillRef idx="1">
+                <a:schemeClr val="accent1"/>
+              </a:fillRef>
+              <a:effectRef idx="0">
+                <a:schemeClr val="accent1"/>
+              </a:effectRef>
+              <a:fontRef idx="minor">
+                <a:schemeClr val="lt1"/>
+              </a:fontRef>
+            </p:style>
+            <p:txBody>
+              <a:bodyPr rtlCol="0" anchor="ctr"/>
+              <a:lstStyle/>
+              <a:p>
+                <a:pPr algn="ctr"/>
+                <a:endParaRPr lang="en-US" sz="1350" dirty="0"/>
+              </a:p>
+            </p:txBody>
+          </p:sp>
+        </p:grpSp>
+      </p:grpSp>
+      <p:sp>
+        <p:nvSpPr>
+          <p:cNvPr id="52" name="TextBox 51"/>
+          <p:cNvSpPr txBox="1"/>
+          <p:nvPr/>
+        </p:nvSpPr>
+        <p:spPr>
+          <a:xfrm>
+            <a:off x="2972567" y="1329299"/>
+            <a:ext cx="359325" cy="346249"/>
+          </a:xfrm>
+          <a:prstGeom prst="rect">
+            <a:avLst/>
+          </a:prstGeom>
+          <a:noFill/>
+        </p:spPr>
+        <p:txBody>
+          <a:bodyPr wrap="square" rtlCol="0">
+            <a:spAutoFit/>
+          </a:bodyPr>
+          <a:lstStyle/>
+          <a:p>
+            <a:r>
+              <a:rPr lang="en-US" sz="1650" dirty="0" smtClean="0">
+                <a:latin typeface="Times New Roman" panose="02020603050405020304" pitchFamily="18" charset="0"/>
+                <a:cs typeface="Times New Roman" panose="02020603050405020304" pitchFamily="18" charset="0"/>
+              </a:rPr>
+              <a:t>A</a:t>
+            </a:r>
+            <a:endParaRPr lang="en-US" sz="1650" dirty="0">
+              <a:latin typeface="Times New Roman" panose="02020603050405020304" pitchFamily="18" charset="0"/>
+              <a:cs typeface="Times New Roman" panose="02020603050405020304" pitchFamily="18" charset="0"/>
+            </a:endParaRPr>
+          </a:p>
+        </p:txBody>
+      </p:sp>
+      <p:sp>
+        <p:nvSpPr>
+          <p:cNvPr id="61" name="TextBox 60"/>
+          <p:cNvSpPr txBox="1"/>
+          <p:nvPr/>
+        </p:nvSpPr>
+        <p:spPr>
+          <a:xfrm>
+            <a:off x="2997496" y="4383405"/>
+            <a:ext cx="359325" cy="346249"/>
+          </a:xfrm>
+          <a:prstGeom prst="rect">
+            <a:avLst/>
+          </a:prstGeom>
+          <a:noFill/>
+        </p:spPr>
+        <p:txBody>
+          <a:bodyPr wrap="square" rtlCol="0">
+            <a:spAutoFit/>
+          </a:bodyPr>
+          <a:lstStyle/>
+          <a:p>
+            <a:r>
+              <a:rPr lang="en-US" sz="1650" dirty="0" smtClean="0">
+                <a:latin typeface="Times New Roman" panose="02020603050405020304" pitchFamily="18" charset="0"/>
+                <a:cs typeface="Times New Roman" panose="02020603050405020304" pitchFamily="18" charset="0"/>
+              </a:rPr>
+              <a:t>B</a:t>
+            </a:r>
+            <a:endParaRPr lang="en-US" sz="1650" dirty="0">
+              <a:latin typeface="Times New Roman" panose="02020603050405020304" pitchFamily="18" charset="0"/>
+              <a:cs typeface="Times New Roman" panose="02020603050405020304" pitchFamily="18" charset="0"/>
+            </a:endParaRPr>
+          </a:p>
+        </p:txBody>
+      </p:sp>
+      <p:sp>
+        <p:nvSpPr>
+          <p:cNvPr id="62" name="TextBox 61"/>
+          <p:cNvSpPr txBox="1"/>
+          <p:nvPr/>
+        </p:nvSpPr>
+        <p:spPr>
+          <a:xfrm>
+            <a:off x="4793321" y="1329298"/>
+            <a:ext cx="359325" cy="346249"/>
+          </a:xfrm>
+          <a:prstGeom prst="rect">
+            <a:avLst/>
+          </a:prstGeom>
+          <a:noFill/>
+        </p:spPr>
+        <p:txBody>
+          <a:bodyPr wrap="square" rtlCol="0">
+            <a:spAutoFit/>
+          </a:bodyPr>
+          <a:lstStyle/>
+          <a:p>
+            <a:r>
+              <a:rPr lang="en-US" sz="1650" dirty="0">
+                <a:latin typeface="Times New Roman" panose="02020603050405020304" pitchFamily="18" charset="0"/>
+                <a:cs typeface="Times New Roman" panose="02020603050405020304" pitchFamily="18" charset="0"/>
+              </a:rPr>
+              <a:t>C</a:t>
+            </a:r>
+            <a:endParaRPr lang="en-US" sz="1650" dirty="0">
+              <a:latin typeface="Times New Roman" panose="02020603050405020304" pitchFamily="18" charset="0"/>
+              <a:cs typeface="Times New Roman" panose="02020603050405020304" pitchFamily="18" charset="0"/>
+            </a:endParaRPr>
+          </a:p>
+        </p:txBody>
+      </p:sp>
+      <p:sp>
+        <p:nvSpPr>
+          <p:cNvPr id="63" name="TextBox 62"/>
+          <p:cNvSpPr txBox="1"/>
+          <p:nvPr/>
+        </p:nvSpPr>
+        <p:spPr>
+          <a:xfrm>
+            <a:off x="4800600" y="4362680"/>
+            <a:ext cx="359325" cy="346249"/>
+          </a:xfrm>
+          <a:prstGeom prst="rect">
+            <a:avLst/>
+          </a:prstGeom>
+          <a:noFill/>
+        </p:spPr>
+        <p:txBody>
+          <a:bodyPr wrap="square" rtlCol="0">
+            <a:spAutoFit/>
+          </a:bodyPr>
+          <a:lstStyle/>
+          <a:p>
+            <a:r>
+              <a:rPr lang="en-US" sz="1650" dirty="0" smtClean="0">
+                <a:latin typeface="Times New Roman" panose="02020603050405020304" pitchFamily="18" charset="0"/>
+                <a:cs typeface="Times New Roman" panose="02020603050405020304" pitchFamily="18" charset="0"/>
+              </a:rPr>
+              <a:t>D</a:t>
+            </a:r>
+            <a:endParaRPr lang="en-US" sz="1650" dirty="0">
+              <a:latin typeface="Times New Roman" panose="02020603050405020304" pitchFamily="18" charset="0"/>
+              <a:cs typeface="Times New Roman" panose="02020603050405020304" pitchFamily="18" charset="0"/>
+            </a:endParaRPr>
+          </a:p>
+        </p:txBody>
+      </p:sp>
+    </p:spTree>
+    <p:extLst>
+      <p:ext uri="{BB962C8B-B14F-4D97-AF65-F5344CB8AC3E}">
+        <p14:creationId xmlns:p14="http://schemas.microsoft.com/office/powerpoint/2010/main" val="578786071"/>
+      </p:ext>
+    </p:extLst>
+  </p:cSld>
+  <p:clrMapOvr>
+    <a:masterClrMapping/>
+  </p:clrMapOvr>
+  <p:timing>
+    <p:tnLst>
+      <p:par>
+        <p:cTn id="1" dur="indefinite" restart="never" nodeType="tmRoot"/>
+      </p:par>
+    </p:tnLst>
+  </p:timing>
+</p:sld>
+</file>
+
+<file path=ppt/slides/slide9.xml><?xml version="1.0" encoding="utf-8"?>
+<p:sld xmlns:a="http://schemas.openxmlformats.org/drawingml/2006/main" xmlns:r="http://schemas.openxmlformats.org/officeDocument/2006/relationships" xmlns:p="http://schemas.openxmlformats.org/presentationml/2006/main">
+  <p:cSld>
+    <p:spTree>
+      <p:nvGrpSpPr>
+        <p:cNvPr id="1" name=""/>
+        <p:cNvGrpSpPr/>
+        <p:nvPr/>
+      </p:nvGrpSpPr>
+      <p:grpSpPr>
+        <a:xfrm>
+          <a:off x="0" y="0"/>
+          <a:ext cx="0" cy="0"/>
+          <a:chOff x="0" y="0"/>
+          <a:chExt cx="0" cy="0"/>
+        </a:xfrm>
+      </p:grpSpPr>
+      <p:grpSp>
+        <p:nvGrpSpPr>
+          <p:cNvPr id="2" name="Group 1"/>
+          <p:cNvGrpSpPr/>
+          <p:nvPr/>
+        </p:nvGrpSpPr>
+        <p:grpSpPr>
+          <a:xfrm>
+            <a:off x="2840082" y="1803136"/>
+            <a:ext cx="778778" cy="610087"/>
+            <a:chOff x="628359" y="968829"/>
+            <a:chExt cx="1038370" cy="813449"/>
+          </a:xfrm>
+        </p:grpSpPr>
+        <p:grpSp>
+          <p:nvGrpSpPr>
+            <p:cNvPr id="3" name="Group 2"/>
+            <p:cNvGrpSpPr/>
+            <p:nvPr/>
+          </p:nvGrpSpPr>
+          <p:grpSpPr>
+            <a:xfrm rot="19185875">
+              <a:off x="980929" y="1005602"/>
+              <a:ext cx="685800" cy="457200"/>
+              <a:chOff x="1143000" y="1143000"/>
+              <a:chExt cx="685800" cy="457200"/>
+            </a:xfrm>
+          </p:grpSpPr>
+          <p:sp>
+            <p:nvSpPr>
+              <p:cNvPr id="10" name="Oval 9"/>
+              <p:cNvSpPr/>
+              <p:nvPr/>
+            </p:nvSpPr>
+            <p:spPr>
+              <a:xfrm>
+                <a:off x="1143000" y="1143000"/>
+                <a:ext cx="685800" cy="457200"/>
+              </a:xfrm>
+              <a:prstGeom prst="ellipse">
+                <a:avLst/>
+              </a:prstGeom>
+              <a:solidFill>
+                <a:srgbClr val="FF0000"/>
+              </a:solidFill>
+              <a:ln>
+                <a:solidFill>
+                  <a:schemeClr val="tx1"/>
+                </a:solidFill>
+              </a:ln>
+            </p:spPr>
+            <p:style>
+              <a:lnRef idx="2">
+                <a:schemeClr val="accent1">
+                  <a:shade val="50000"/>
+                </a:schemeClr>
+              </a:lnRef>
+              <a:fillRef idx="1">
+                <a:schemeClr val="accent1"/>
+              </a:fillRef>
+              <a:effectRef idx="0">
+                <a:schemeClr val="accent1"/>
+              </a:effectRef>
+              <a:fontRef idx="minor">
+                <a:schemeClr val="lt1"/>
+              </a:fontRef>
+            </p:style>
+            <p:txBody>
+              <a:bodyPr rtlCol="0" anchor="ctr"/>
+              <a:lstStyle/>
+              <a:p>
+                <a:pPr algn="ctr"/>
+                <a:endParaRPr lang="en-US" sz="1350" dirty="0"/>
+              </a:p>
+            </p:txBody>
+          </p:sp>
+          <p:sp>
+            <p:nvSpPr>
+              <p:cNvPr id="11" name="Oval 10"/>
+              <p:cNvSpPr/>
+              <p:nvPr/>
+            </p:nvSpPr>
+            <p:spPr>
+              <a:xfrm>
+                <a:off x="1485900" y="1295400"/>
+                <a:ext cx="190500" cy="152400"/>
+              </a:xfrm>
+              <a:prstGeom prst="ellipse">
+                <a:avLst/>
+              </a:prstGeom>
+              <a:solidFill>
+                <a:schemeClr val="tx1"/>
+              </a:solidFill>
+              <a:ln>
+                <a:noFill/>
+              </a:ln>
+            </p:spPr>
+            <p:style>
+              <a:lnRef idx="2">
+                <a:schemeClr val="accent1">
+                  <a:shade val="50000"/>
+                </a:schemeClr>
+              </a:lnRef>
+              <a:fillRef idx="1">
+                <a:schemeClr val="accent1"/>
+              </a:fillRef>
+              <a:effectRef idx="0">
+                <a:schemeClr val="accent1"/>
+              </a:effectRef>
+              <a:fontRef idx="minor">
+                <a:schemeClr val="lt1"/>
+              </a:fontRef>
+            </p:style>
+            <p:txBody>
+              <a:bodyPr rtlCol="0" anchor="ctr"/>
+              <a:lstStyle/>
+              <a:p>
+                <a:pPr algn="ctr"/>
+                <a:endParaRPr lang="en-US" sz="1350" dirty="0"/>
+              </a:p>
+            </p:txBody>
+          </p:sp>
+        </p:grpSp>
+        <p:grpSp>
+          <p:nvGrpSpPr>
+            <p:cNvPr id="4" name="Group 3"/>
+            <p:cNvGrpSpPr/>
+            <p:nvPr/>
+          </p:nvGrpSpPr>
+          <p:grpSpPr>
+            <a:xfrm rot="19185875">
+              <a:off x="628943" y="968829"/>
+              <a:ext cx="685800" cy="457200"/>
+              <a:chOff x="1143000" y="1143000"/>
+              <a:chExt cx="685800" cy="457200"/>
+            </a:xfrm>
+          </p:grpSpPr>
+          <p:sp>
+            <p:nvSpPr>
+              <p:cNvPr id="8" name="Oval 7"/>
+              <p:cNvSpPr/>
+              <p:nvPr/>
+            </p:nvSpPr>
+            <p:spPr>
+              <a:xfrm>
+                <a:off x="1143000" y="1143000"/>
+                <a:ext cx="685800" cy="457200"/>
+              </a:xfrm>
+              <a:prstGeom prst="ellipse">
+                <a:avLst/>
+              </a:prstGeom>
+              <a:solidFill>
+                <a:srgbClr val="FF0000"/>
+              </a:solidFill>
+              <a:ln>
+                <a:solidFill>
+                  <a:schemeClr val="tx1"/>
+                </a:solidFill>
+              </a:ln>
+            </p:spPr>
+            <p:style>
+              <a:lnRef idx="2">
+                <a:schemeClr val="accent1">
+                  <a:shade val="50000"/>
+                </a:schemeClr>
+              </a:lnRef>
+              <a:fillRef idx="1">
+                <a:schemeClr val="accent1"/>
+              </a:fillRef>
+              <a:effectRef idx="0">
+                <a:schemeClr val="accent1"/>
+              </a:effectRef>
+              <a:fontRef idx="minor">
+                <a:schemeClr val="lt1"/>
+              </a:fontRef>
+            </p:style>
+            <p:txBody>
+              <a:bodyPr rtlCol="0" anchor="ctr"/>
+              <a:lstStyle/>
+              <a:p>
+                <a:pPr algn="ctr"/>
+                <a:endParaRPr lang="en-US" sz="1350" dirty="0"/>
+              </a:p>
+            </p:txBody>
+          </p:sp>
+          <p:sp>
+            <p:nvSpPr>
+              <p:cNvPr id="9" name="Oval 8"/>
+              <p:cNvSpPr/>
+              <p:nvPr/>
+            </p:nvSpPr>
+            <p:spPr>
+              <a:xfrm>
+                <a:off x="1485900" y="1295400"/>
+                <a:ext cx="190500" cy="152400"/>
+              </a:xfrm>
+              <a:prstGeom prst="ellipse">
+                <a:avLst/>
+              </a:prstGeom>
+              <a:solidFill>
+                <a:schemeClr val="tx1"/>
+              </a:solidFill>
+              <a:ln>
+                <a:noFill/>
+              </a:ln>
+            </p:spPr>
+            <p:style>
+              <a:lnRef idx="2">
+                <a:schemeClr val="accent1">
+                  <a:shade val="50000"/>
+                </a:schemeClr>
+              </a:lnRef>
+              <a:fillRef idx="1">
+                <a:schemeClr val="accent1"/>
+              </a:fillRef>
+              <a:effectRef idx="0">
+                <a:schemeClr val="accent1"/>
+              </a:effectRef>
+              <a:fontRef idx="minor">
+                <a:schemeClr val="lt1"/>
+              </a:fontRef>
+            </p:style>
+            <p:txBody>
+              <a:bodyPr rtlCol="0" anchor="ctr"/>
+              <a:lstStyle/>
+              <a:p>
+                <a:pPr algn="ctr"/>
+                <a:endParaRPr lang="en-US" sz="1350" dirty="0"/>
+              </a:p>
+            </p:txBody>
+          </p:sp>
+        </p:grpSp>
+        <p:grpSp>
+          <p:nvGrpSpPr>
+            <p:cNvPr id="5" name="Group 4"/>
+            <p:cNvGrpSpPr/>
+            <p:nvPr/>
+          </p:nvGrpSpPr>
+          <p:grpSpPr>
+            <a:xfrm rot="19185875">
+              <a:off x="628359" y="1325078"/>
+              <a:ext cx="685800" cy="457200"/>
+              <a:chOff x="1143000" y="1143000"/>
+              <a:chExt cx="685800" cy="457200"/>
+            </a:xfrm>
+          </p:grpSpPr>
+          <p:sp>
+            <p:nvSpPr>
+              <p:cNvPr id="6" name="Oval 5"/>
+              <p:cNvSpPr/>
+              <p:nvPr/>
+            </p:nvSpPr>
+            <p:spPr>
+              <a:xfrm>
+                <a:off x="1143000" y="1143000"/>
+                <a:ext cx="685800" cy="457200"/>
+              </a:xfrm>
+              <a:prstGeom prst="ellipse">
+                <a:avLst/>
+              </a:prstGeom>
+              <a:solidFill>
+                <a:srgbClr val="FF0000"/>
+              </a:solidFill>
+              <a:ln>
+                <a:solidFill>
+                  <a:schemeClr val="tx1"/>
+                </a:solidFill>
+              </a:ln>
+            </p:spPr>
+            <p:style>
+              <a:lnRef idx="2">
+                <a:schemeClr val="accent1">
+                  <a:shade val="50000"/>
+                </a:schemeClr>
+              </a:lnRef>
+              <a:fillRef idx="1">
+                <a:schemeClr val="accent1"/>
+              </a:fillRef>
+              <a:effectRef idx="0">
+                <a:schemeClr val="accent1"/>
+              </a:effectRef>
+              <a:fontRef idx="minor">
+                <a:schemeClr val="lt1"/>
+              </a:fontRef>
+            </p:style>
+            <p:txBody>
+              <a:bodyPr rtlCol="0" anchor="ctr"/>
+              <a:lstStyle/>
+              <a:p>
+                <a:pPr algn="ctr"/>
+                <a:endParaRPr lang="en-US" sz="1350" dirty="0"/>
+              </a:p>
+            </p:txBody>
+          </p:sp>
+          <p:sp>
+            <p:nvSpPr>
+              <p:cNvPr id="7" name="Oval 6"/>
+              <p:cNvSpPr/>
+              <p:nvPr/>
+            </p:nvSpPr>
+            <p:spPr>
+              <a:xfrm>
+                <a:off x="1485900" y="1295400"/>
+                <a:ext cx="190500" cy="152400"/>
+              </a:xfrm>
+              <a:prstGeom prst="ellipse">
+                <a:avLst/>
+              </a:prstGeom>
+              <a:solidFill>
+                <a:schemeClr val="tx1"/>
+              </a:solidFill>
+              <a:ln>
+                <a:noFill/>
+              </a:ln>
+            </p:spPr>
+            <p:style>
+              <a:lnRef idx="2">
+                <a:schemeClr val="accent1">
+                  <a:shade val="50000"/>
+                </a:schemeClr>
+              </a:lnRef>
+              <a:fillRef idx="1">
+                <a:schemeClr val="accent1"/>
+              </a:fillRef>
+              <a:effectRef idx="0">
+                <a:schemeClr val="accent1"/>
+              </a:effectRef>
+              <a:fontRef idx="minor">
+                <a:schemeClr val="lt1"/>
+              </a:fontRef>
+            </p:style>
+            <p:txBody>
+              <a:bodyPr rtlCol="0" anchor="ctr"/>
+              <a:lstStyle/>
+              <a:p>
+                <a:pPr algn="ctr"/>
+                <a:endParaRPr lang="en-US" sz="1350" dirty="0"/>
+              </a:p>
+            </p:txBody>
+          </p:sp>
+        </p:grpSp>
+      </p:grpSp>
+      <p:grpSp>
+        <p:nvGrpSpPr>
+          <p:cNvPr id="12" name="Group 11"/>
+          <p:cNvGrpSpPr/>
+          <p:nvPr/>
+        </p:nvGrpSpPr>
+        <p:grpSpPr>
+          <a:xfrm>
+            <a:off x="2826310" y="3657113"/>
+            <a:ext cx="778778" cy="610087"/>
+            <a:chOff x="628359" y="968829"/>
+            <a:chExt cx="1038370" cy="813449"/>
+          </a:xfrm>
+        </p:grpSpPr>
+        <p:grpSp>
+          <p:nvGrpSpPr>
+            <p:cNvPr id="13" name="Group 12"/>
+            <p:cNvGrpSpPr/>
+            <p:nvPr/>
+          </p:nvGrpSpPr>
+          <p:grpSpPr>
+            <a:xfrm rot="19185875">
+              <a:off x="980929" y="1005602"/>
+              <a:ext cx="685800" cy="457200"/>
+              <a:chOff x="1143000" y="1143000"/>
+              <a:chExt cx="685800" cy="457200"/>
+            </a:xfrm>
+          </p:grpSpPr>
+          <p:sp>
+            <p:nvSpPr>
+              <p:cNvPr id="20" name="Oval 19"/>
+              <p:cNvSpPr/>
+              <p:nvPr/>
+            </p:nvSpPr>
+            <p:spPr>
+              <a:xfrm>
+                <a:off x="1143000" y="1143000"/>
+                <a:ext cx="685800" cy="457200"/>
+              </a:xfrm>
+              <a:prstGeom prst="ellipse">
+                <a:avLst/>
+              </a:prstGeom>
+              <a:solidFill>
+                <a:srgbClr val="7030A0"/>
+              </a:solidFill>
+              <a:ln>
+                <a:solidFill>
+                  <a:schemeClr val="tx1"/>
+                </a:solidFill>
+              </a:ln>
+            </p:spPr>
+            <p:style>
+              <a:lnRef idx="2">
+                <a:schemeClr val="accent1">
+                  <a:shade val="50000"/>
+                </a:schemeClr>
+              </a:lnRef>
+              <a:fillRef idx="1">
+                <a:schemeClr val="accent1"/>
+              </a:fillRef>
+              <a:effectRef idx="0">
+                <a:schemeClr val="accent1"/>
+              </a:effectRef>
+              <a:fontRef idx="minor">
+                <a:schemeClr val="lt1"/>
+              </a:fontRef>
+            </p:style>
+            <p:txBody>
+              <a:bodyPr rtlCol="0" anchor="ctr"/>
+              <a:lstStyle/>
+              <a:p>
+                <a:pPr algn="ctr"/>
+                <a:endParaRPr lang="en-US" sz="1350" dirty="0"/>
+              </a:p>
+            </p:txBody>
+          </p:sp>
+          <p:sp>
+            <p:nvSpPr>
+              <p:cNvPr id="21" name="Oval 20"/>
+              <p:cNvSpPr/>
+              <p:nvPr/>
+            </p:nvSpPr>
+            <p:spPr>
+              <a:xfrm>
+                <a:off x="1485900" y="1295400"/>
+                <a:ext cx="190500" cy="152400"/>
+              </a:xfrm>
+              <a:prstGeom prst="ellipse">
+                <a:avLst/>
+              </a:prstGeom>
+              <a:solidFill>
+                <a:schemeClr val="tx1"/>
+              </a:solidFill>
+              <a:ln>
+                <a:noFill/>
+              </a:ln>
+            </p:spPr>
+            <p:style>
+              <a:lnRef idx="2">
+                <a:schemeClr val="accent1">
+                  <a:shade val="50000"/>
+                </a:schemeClr>
+              </a:lnRef>
+              <a:fillRef idx="1">
+                <a:schemeClr val="accent1"/>
+              </a:fillRef>
+              <a:effectRef idx="0">
+                <a:schemeClr val="accent1"/>
+              </a:effectRef>
+              <a:fontRef idx="minor">
+                <a:schemeClr val="lt1"/>
+              </a:fontRef>
+            </p:style>
+            <p:txBody>
+              <a:bodyPr rtlCol="0" anchor="ctr"/>
+              <a:lstStyle/>
+              <a:p>
+                <a:pPr algn="ctr"/>
+                <a:endParaRPr lang="en-US" sz="1350" dirty="0"/>
+              </a:p>
+            </p:txBody>
+          </p:sp>
+        </p:grpSp>
+        <p:grpSp>
+          <p:nvGrpSpPr>
+            <p:cNvPr id="14" name="Group 13"/>
+            <p:cNvGrpSpPr/>
+            <p:nvPr/>
+          </p:nvGrpSpPr>
+          <p:grpSpPr>
+            <a:xfrm rot="19185875">
+              <a:off x="628943" y="968829"/>
+              <a:ext cx="685800" cy="457200"/>
+              <a:chOff x="1143000" y="1143000"/>
+              <a:chExt cx="685800" cy="457200"/>
+            </a:xfrm>
+          </p:grpSpPr>
+          <p:sp>
+            <p:nvSpPr>
+              <p:cNvPr id="18" name="Oval 17"/>
+              <p:cNvSpPr/>
+              <p:nvPr/>
+            </p:nvSpPr>
+            <p:spPr>
+              <a:xfrm>
+                <a:off x="1143000" y="1143000"/>
+                <a:ext cx="685800" cy="457200"/>
+              </a:xfrm>
+              <a:prstGeom prst="ellipse">
+                <a:avLst/>
+              </a:prstGeom>
+              <a:solidFill>
+                <a:srgbClr val="7030A0"/>
+              </a:solidFill>
+              <a:ln>
+                <a:solidFill>
+                  <a:schemeClr val="tx1"/>
+                </a:solidFill>
+              </a:ln>
+            </p:spPr>
+            <p:style>
+              <a:lnRef idx="2">
+                <a:schemeClr val="accent1">
+                  <a:shade val="50000"/>
+                </a:schemeClr>
+              </a:lnRef>
+              <a:fillRef idx="1">
+                <a:schemeClr val="accent1"/>
+              </a:fillRef>
+              <a:effectRef idx="0">
+                <a:schemeClr val="accent1"/>
+              </a:effectRef>
+              <a:fontRef idx="minor">
+                <a:schemeClr val="lt1"/>
+              </a:fontRef>
+            </p:style>
+            <p:txBody>
+              <a:bodyPr rtlCol="0" anchor="ctr"/>
+              <a:lstStyle/>
+              <a:p>
+                <a:pPr algn="ctr"/>
+                <a:endParaRPr lang="en-US" sz="1350" dirty="0"/>
+              </a:p>
+            </p:txBody>
+          </p:sp>
+          <p:sp>
+            <p:nvSpPr>
+              <p:cNvPr id="19" name="Oval 18"/>
+              <p:cNvSpPr/>
+              <p:nvPr/>
+            </p:nvSpPr>
+            <p:spPr>
+              <a:xfrm>
+                <a:off x="1485900" y="1295400"/>
+                <a:ext cx="190500" cy="152400"/>
+              </a:xfrm>
+              <a:prstGeom prst="ellipse">
+                <a:avLst/>
+              </a:prstGeom>
+              <a:solidFill>
+                <a:schemeClr val="tx1"/>
+              </a:solidFill>
+              <a:ln>
+                <a:noFill/>
+              </a:ln>
+            </p:spPr>
+            <p:style>
+              <a:lnRef idx="2">
+                <a:schemeClr val="accent1">
+                  <a:shade val="50000"/>
+                </a:schemeClr>
+              </a:lnRef>
+              <a:fillRef idx="1">
+                <a:schemeClr val="accent1"/>
+              </a:fillRef>
+              <a:effectRef idx="0">
+                <a:schemeClr val="accent1"/>
+              </a:effectRef>
+              <a:fontRef idx="minor">
+                <a:schemeClr val="lt1"/>
+              </a:fontRef>
+            </p:style>
+            <p:txBody>
+              <a:bodyPr rtlCol="0" anchor="ctr"/>
+              <a:lstStyle/>
+              <a:p>
+                <a:pPr algn="ctr"/>
+                <a:endParaRPr lang="en-US" sz="1350" dirty="0"/>
+              </a:p>
+            </p:txBody>
+          </p:sp>
+        </p:grpSp>
+        <p:grpSp>
+          <p:nvGrpSpPr>
+            <p:cNvPr id="15" name="Group 14"/>
+            <p:cNvGrpSpPr/>
+            <p:nvPr/>
+          </p:nvGrpSpPr>
+          <p:grpSpPr>
+            <a:xfrm rot="19185875">
+              <a:off x="628359" y="1325078"/>
+              <a:ext cx="685800" cy="457200"/>
+              <a:chOff x="1143000" y="1143000"/>
+              <a:chExt cx="685800" cy="457200"/>
+            </a:xfrm>
+          </p:grpSpPr>
+          <p:sp>
+            <p:nvSpPr>
+              <p:cNvPr id="16" name="Oval 15"/>
+              <p:cNvSpPr/>
+              <p:nvPr/>
+            </p:nvSpPr>
+            <p:spPr>
+              <a:xfrm>
+                <a:off x="1143000" y="1143000"/>
+                <a:ext cx="685800" cy="457200"/>
+              </a:xfrm>
+              <a:prstGeom prst="ellipse">
+                <a:avLst/>
+              </a:prstGeom>
+              <a:solidFill>
+                <a:srgbClr val="7030A0"/>
+              </a:solidFill>
+              <a:ln>
+                <a:solidFill>
+                  <a:schemeClr val="tx1"/>
+                </a:solidFill>
+              </a:ln>
+            </p:spPr>
+            <p:style>
+              <a:lnRef idx="2">
+                <a:schemeClr val="accent1">
+                  <a:shade val="50000"/>
+                </a:schemeClr>
+              </a:lnRef>
+              <a:fillRef idx="1">
+                <a:schemeClr val="accent1"/>
+              </a:fillRef>
+              <a:effectRef idx="0">
+                <a:schemeClr val="accent1"/>
+              </a:effectRef>
+              <a:fontRef idx="minor">
+                <a:schemeClr val="lt1"/>
+              </a:fontRef>
+            </p:style>
+            <p:txBody>
+              <a:bodyPr rtlCol="0" anchor="ctr"/>
+              <a:lstStyle/>
+              <a:p>
+                <a:pPr algn="ctr"/>
+                <a:endParaRPr lang="en-US" sz="1350" dirty="0"/>
+              </a:p>
+            </p:txBody>
+          </p:sp>
+          <p:sp>
+            <p:nvSpPr>
+              <p:cNvPr id="17" name="Oval 16"/>
+              <p:cNvSpPr/>
+              <p:nvPr/>
+            </p:nvSpPr>
+            <p:spPr>
+              <a:xfrm>
+                <a:off x="1485900" y="1295400"/>
+                <a:ext cx="190500" cy="152400"/>
+              </a:xfrm>
+              <a:prstGeom prst="ellipse">
+                <a:avLst/>
+              </a:prstGeom>
+              <a:solidFill>
+                <a:schemeClr val="tx1"/>
+              </a:solidFill>
+              <a:ln>
+                <a:noFill/>
+              </a:ln>
+            </p:spPr>
+            <p:style>
+              <a:lnRef idx="2">
+                <a:schemeClr val="accent1">
+                  <a:shade val="50000"/>
+                </a:schemeClr>
+              </a:lnRef>
+              <a:fillRef idx="1">
+                <a:schemeClr val="accent1"/>
+              </a:fillRef>
+              <a:effectRef idx="0">
+                <a:schemeClr val="accent1"/>
+              </a:effectRef>
+              <a:fontRef idx="minor">
+                <a:schemeClr val="lt1"/>
+              </a:fontRef>
+            </p:style>
+            <p:txBody>
+              <a:bodyPr rtlCol="0" anchor="ctr"/>
+              <a:lstStyle/>
+              <a:p>
+                <a:pPr algn="ctr"/>
+                <a:endParaRPr lang="en-US" sz="1350" dirty="0"/>
+              </a:p>
+            </p:txBody>
+          </p:sp>
+        </p:grpSp>
+      </p:grpSp>
+      <p:grpSp>
+        <p:nvGrpSpPr>
+          <p:cNvPr id="22" name="Group 21"/>
+          <p:cNvGrpSpPr/>
+          <p:nvPr/>
+        </p:nvGrpSpPr>
+        <p:grpSpPr>
+          <a:xfrm>
+            <a:off x="4694841" y="1828313"/>
+            <a:ext cx="778778" cy="610087"/>
+            <a:chOff x="628359" y="968829"/>
+            <a:chExt cx="1038370" cy="813449"/>
+          </a:xfrm>
+        </p:grpSpPr>
+        <p:grpSp>
+          <p:nvGrpSpPr>
+            <p:cNvPr id="23" name="Group 22"/>
+            <p:cNvGrpSpPr/>
+            <p:nvPr/>
+          </p:nvGrpSpPr>
+          <p:grpSpPr>
+            <a:xfrm rot="19185875">
+              <a:off x="980929" y="1005602"/>
+              <a:ext cx="685800" cy="457200"/>
+              <a:chOff x="1143000" y="1143000"/>
+              <a:chExt cx="685800" cy="457200"/>
+            </a:xfrm>
+          </p:grpSpPr>
+          <p:sp>
+            <p:nvSpPr>
+              <p:cNvPr id="30" name="Oval 29"/>
+              <p:cNvSpPr/>
+              <p:nvPr/>
+            </p:nvSpPr>
+            <p:spPr>
+              <a:xfrm>
+                <a:off x="1143000" y="1143000"/>
+                <a:ext cx="685800" cy="457200"/>
+              </a:xfrm>
+              <a:prstGeom prst="ellipse">
+                <a:avLst/>
+              </a:prstGeom>
+              <a:solidFill>
+                <a:schemeClr val="tx2"/>
+              </a:solidFill>
+              <a:ln>
+                <a:solidFill>
+                  <a:schemeClr val="tx1"/>
+                </a:solidFill>
+              </a:ln>
+            </p:spPr>
+            <p:style>
+              <a:lnRef idx="2">
+                <a:schemeClr val="accent1">
+                  <a:shade val="50000"/>
+                </a:schemeClr>
+              </a:lnRef>
+              <a:fillRef idx="1">
+                <a:schemeClr val="accent1"/>
+              </a:fillRef>
+              <a:effectRef idx="0">
+                <a:schemeClr val="accent1"/>
+              </a:effectRef>
+              <a:fontRef idx="minor">
+                <a:schemeClr val="lt1"/>
+              </a:fontRef>
+            </p:style>
+            <p:txBody>
+              <a:bodyPr rtlCol="0" anchor="ctr"/>
+              <a:lstStyle/>
+              <a:p>
+                <a:pPr algn="ctr"/>
+                <a:endParaRPr lang="en-US" sz="1350" dirty="0"/>
+              </a:p>
+            </p:txBody>
+          </p:sp>
+          <p:sp>
+            <p:nvSpPr>
+              <p:cNvPr id="31" name="Oval 30"/>
+              <p:cNvSpPr/>
+              <p:nvPr/>
+            </p:nvSpPr>
+            <p:spPr>
+              <a:xfrm>
+                <a:off x="1485900" y="1295400"/>
+                <a:ext cx="190500" cy="152400"/>
+              </a:xfrm>
+              <a:prstGeom prst="ellipse">
+                <a:avLst/>
+              </a:prstGeom>
+              <a:solidFill>
+                <a:schemeClr val="tx1"/>
+              </a:solidFill>
+              <a:ln>
+                <a:noFill/>
+              </a:ln>
+            </p:spPr>
+            <p:style>
+              <a:lnRef idx="2">
+                <a:schemeClr val="accent1">
+                  <a:shade val="50000"/>
+                </a:schemeClr>
+              </a:lnRef>
+              <a:fillRef idx="1">
+                <a:schemeClr val="accent1"/>
+              </a:fillRef>
+              <a:effectRef idx="0">
+                <a:schemeClr val="accent1"/>
+              </a:effectRef>
+              <a:fontRef idx="minor">
+                <a:schemeClr val="lt1"/>
+              </a:fontRef>
+            </p:style>
+            <p:txBody>
+              <a:bodyPr rtlCol="0" anchor="ctr"/>
+              <a:lstStyle/>
+              <a:p>
+                <a:pPr algn="ctr"/>
+                <a:endParaRPr lang="en-US" sz="1350" dirty="0"/>
+              </a:p>
+            </p:txBody>
+          </p:sp>
+        </p:grpSp>
+        <p:grpSp>
+          <p:nvGrpSpPr>
+            <p:cNvPr id="24" name="Group 23"/>
+            <p:cNvGrpSpPr/>
+            <p:nvPr/>
+          </p:nvGrpSpPr>
+          <p:grpSpPr>
+            <a:xfrm rot="19185875">
+              <a:off x="628943" y="968829"/>
+              <a:ext cx="685800" cy="457200"/>
+              <a:chOff x="1143000" y="1143000"/>
+              <a:chExt cx="685800" cy="457200"/>
+            </a:xfrm>
+          </p:grpSpPr>
+          <p:sp>
+            <p:nvSpPr>
+              <p:cNvPr id="28" name="Oval 27"/>
+              <p:cNvSpPr/>
+              <p:nvPr/>
+            </p:nvSpPr>
+            <p:spPr>
+              <a:xfrm>
+                <a:off x="1143000" y="1143000"/>
+                <a:ext cx="685800" cy="457200"/>
+              </a:xfrm>
+              <a:prstGeom prst="ellipse">
+                <a:avLst/>
+              </a:prstGeom>
+              <a:solidFill>
+                <a:schemeClr val="tx2"/>
+              </a:solidFill>
+              <a:ln>
+                <a:solidFill>
+                  <a:schemeClr val="tx1"/>
+                </a:solidFill>
+              </a:ln>
+            </p:spPr>
+            <p:style>
+              <a:lnRef idx="2">
+                <a:schemeClr val="accent1">
+                  <a:shade val="50000"/>
+                </a:schemeClr>
+              </a:lnRef>
+              <a:fillRef idx="1">
+                <a:schemeClr val="accent1"/>
+              </a:fillRef>
+              <a:effectRef idx="0">
+                <a:schemeClr val="accent1"/>
+              </a:effectRef>
+              <a:fontRef idx="minor">
+                <a:schemeClr val="lt1"/>
+              </a:fontRef>
+            </p:style>
+            <p:txBody>
+              <a:bodyPr rtlCol="0" anchor="ctr"/>
+              <a:lstStyle/>
+              <a:p>
+                <a:pPr algn="ctr"/>
+                <a:endParaRPr lang="en-US" sz="1350" dirty="0"/>
+              </a:p>
+            </p:txBody>
+          </p:sp>
+          <p:sp>
+            <p:nvSpPr>
+              <p:cNvPr id="29" name="Oval 28"/>
+              <p:cNvSpPr/>
+              <p:nvPr/>
+            </p:nvSpPr>
+            <p:spPr>
+              <a:xfrm>
+                <a:off x="1485900" y="1295400"/>
+                <a:ext cx="190500" cy="152400"/>
+              </a:xfrm>
+              <a:prstGeom prst="ellipse">
+                <a:avLst/>
+              </a:prstGeom>
+              <a:solidFill>
+                <a:schemeClr val="tx1"/>
+              </a:solidFill>
+              <a:ln>
+                <a:noFill/>
+              </a:ln>
+            </p:spPr>
+            <p:style>
+              <a:lnRef idx="2">
+                <a:schemeClr val="accent1">
+                  <a:shade val="50000"/>
+                </a:schemeClr>
+              </a:lnRef>
+              <a:fillRef idx="1">
+                <a:schemeClr val="accent1"/>
+              </a:fillRef>
+              <a:effectRef idx="0">
+                <a:schemeClr val="accent1"/>
+              </a:effectRef>
+              <a:fontRef idx="minor">
+                <a:schemeClr val="lt1"/>
+              </a:fontRef>
+            </p:style>
+            <p:txBody>
+              <a:bodyPr rtlCol="0" anchor="ctr"/>
+              <a:lstStyle/>
+              <a:p>
+                <a:pPr algn="ctr"/>
+                <a:endParaRPr lang="en-US" sz="1350" dirty="0"/>
+              </a:p>
+            </p:txBody>
+          </p:sp>
+        </p:grpSp>
+        <p:grpSp>
+          <p:nvGrpSpPr>
+            <p:cNvPr id="25" name="Group 24"/>
+            <p:cNvGrpSpPr/>
+            <p:nvPr/>
+          </p:nvGrpSpPr>
+          <p:grpSpPr>
+            <a:xfrm rot="19185875">
+              <a:off x="628359" y="1325078"/>
+              <a:ext cx="685800" cy="457200"/>
+              <a:chOff x="1143000" y="1143000"/>
+              <a:chExt cx="685800" cy="457200"/>
+            </a:xfrm>
+          </p:grpSpPr>
+          <p:sp>
+            <p:nvSpPr>
+              <p:cNvPr id="26" name="Oval 25"/>
+              <p:cNvSpPr/>
+              <p:nvPr/>
+            </p:nvSpPr>
+            <p:spPr>
+              <a:xfrm>
+                <a:off x="1143000" y="1143000"/>
+                <a:ext cx="685800" cy="457200"/>
+              </a:xfrm>
+              <a:prstGeom prst="ellipse">
+                <a:avLst/>
+              </a:prstGeom>
+              <a:solidFill>
+                <a:schemeClr val="tx2"/>
+              </a:solidFill>
+              <a:ln>
+                <a:solidFill>
+                  <a:schemeClr val="tx1"/>
+                </a:solidFill>
+              </a:ln>
+            </p:spPr>
+            <p:style>
+              <a:lnRef idx="2">
+                <a:schemeClr val="accent1">
+                  <a:shade val="50000"/>
+                </a:schemeClr>
+              </a:lnRef>
+              <a:fillRef idx="1">
+                <a:schemeClr val="accent1"/>
+              </a:fillRef>
+              <a:effectRef idx="0">
+                <a:schemeClr val="accent1"/>
+              </a:effectRef>
+              <a:fontRef idx="minor">
+                <a:schemeClr val="lt1"/>
+              </a:fontRef>
+            </p:style>
+            <p:txBody>
+              <a:bodyPr rtlCol="0" anchor="ctr"/>
+              <a:lstStyle/>
+              <a:p>
+                <a:pPr algn="ctr"/>
+                <a:endParaRPr lang="en-US" sz="1350" dirty="0"/>
+              </a:p>
+            </p:txBody>
+          </p:sp>
+          <p:sp>
+            <p:nvSpPr>
+              <p:cNvPr id="27" name="Oval 26"/>
+              <p:cNvSpPr/>
+              <p:nvPr/>
+            </p:nvSpPr>
+            <p:spPr>
+              <a:xfrm>
+                <a:off x="1485900" y="1295400"/>
+                <a:ext cx="190500" cy="152400"/>
+              </a:xfrm>
+              <a:prstGeom prst="ellipse">
+                <a:avLst/>
+              </a:prstGeom>
+              <a:solidFill>
+                <a:schemeClr val="tx1"/>
+              </a:solidFill>
+              <a:ln>
+                <a:noFill/>
+              </a:ln>
+            </p:spPr>
+            <p:style>
+              <a:lnRef idx="2">
+                <a:schemeClr val="accent1">
+                  <a:shade val="50000"/>
+                </a:schemeClr>
+              </a:lnRef>
+              <a:fillRef idx="1">
+                <a:schemeClr val="accent1"/>
+              </a:fillRef>
+              <a:effectRef idx="0">
+                <a:schemeClr val="accent1"/>
+              </a:effectRef>
+              <a:fontRef idx="minor">
+                <a:schemeClr val="lt1"/>
+              </a:fontRef>
+            </p:style>
+            <p:txBody>
+              <a:bodyPr rtlCol="0" anchor="ctr"/>
+              <a:lstStyle/>
+              <a:p>
+                <a:pPr algn="ctr"/>
+                <a:endParaRPr lang="en-US" sz="1350" dirty="0"/>
+              </a:p>
+            </p:txBody>
+          </p:sp>
+        </p:grpSp>
+      </p:grpSp>
+      <p:grpSp>
+        <p:nvGrpSpPr>
+          <p:cNvPr id="32" name="Group 31"/>
+          <p:cNvGrpSpPr/>
+          <p:nvPr/>
+        </p:nvGrpSpPr>
+        <p:grpSpPr>
+          <a:xfrm>
+            <a:off x="4648200" y="3657113"/>
+            <a:ext cx="778778" cy="610087"/>
+            <a:chOff x="628359" y="968829"/>
+            <a:chExt cx="1038370" cy="813449"/>
+          </a:xfrm>
+        </p:grpSpPr>
+        <p:grpSp>
+          <p:nvGrpSpPr>
+            <p:cNvPr id="33" name="Group 32"/>
+            <p:cNvGrpSpPr/>
+            <p:nvPr/>
+          </p:nvGrpSpPr>
+          <p:grpSpPr>
+            <a:xfrm rot="19185875">
+              <a:off x="980929" y="1005602"/>
+              <a:ext cx="685800" cy="457200"/>
+              <a:chOff x="1143000" y="1143000"/>
+              <a:chExt cx="685800" cy="457200"/>
+            </a:xfrm>
+          </p:grpSpPr>
+          <p:sp>
+            <p:nvSpPr>
+              <p:cNvPr id="40" name="Oval 39"/>
+              <p:cNvSpPr/>
+              <p:nvPr/>
+            </p:nvSpPr>
+            <p:spPr>
+              <a:xfrm>
+                <a:off x="1143000" y="1143000"/>
+                <a:ext cx="685800" cy="457200"/>
+              </a:xfrm>
+              <a:prstGeom prst="ellipse">
+                <a:avLst/>
+              </a:prstGeom>
+              <a:solidFill>
+                <a:schemeClr val="tx2">
+                  <a:lumMod val="20000"/>
+                  <a:lumOff val="80000"/>
+                </a:schemeClr>
+              </a:solidFill>
+              <a:ln>
+                <a:solidFill>
+                  <a:schemeClr val="tx1"/>
+                </a:solidFill>
+              </a:ln>
+            </p:spPr>
+            <p:style>
+              <a:lnRef idx="2">
+                <a:schemeClr val="accent1">
+                  <a:shade val="50000"/>
+                </a:schemeClr>
+              </a:lnRef>
+              <a:fillRef idx="1">
+                <a:schemeClr val="accent1"/>
+              </a:fillRef>
+              <a:effectRef idx="0">
+                <a:schemeClr val="accent1"/>
+              </a:effectRef>
+              <a:fontRef idx="minor">
+                <a:schemeClr val="lt1"/>
+              </a:fontRef>
+            </p:style>
+            <p:txBody>
+              <a:bodyPr rtlCol="0" anchor="ctr"/>
+              <a:lstStyle/>
+              <a:p>
+                <a:pPr algn="ctr"/>
+                <a:endParaRPr lang="en-US" sz="1350" dirty="0"/>
+              </a:p>
+            </p:txBody>
+          </p:sp>
+          <p:sp>
+            <p:nvSpPr>
+              <p:cNvPr id="41" name="Oval 40"/>
+              <p:cNvSpPr/>
+              <p:nvPr/>
+            </p:nvSpPr>
+            <p:spPr>
+              <a:xfrm>
+                <a:off x="1485900" y="1295400"/>
+                <a:ext cx="190500" cy="152400"/>
+              </a:xfrm>
+              <a:prstGeom prst="ellipse">
+                <a:avLst/>
+              </a:prstGeom>
+              <a:solidFill>
+                <a:schemeClr val="tx1"/>
+              </a:solidFill>
+              <a:ln>
+                <a:noFill/>
+              </a:ln>
+            </p:spPr>
+            <p:style>
+              <a:lnRef idx="2">
+                <a:schemeClr val="accent1">
+                  <a:shade val="50000"/>
+                </a:schemeClr>
+              </a:lnRef>
+              <a:fillRef idx="1">
+                <a:schemeClr val="accent1"/>
+              </a:fillRef>
+              <a:effectRef idx="0">
+                <a:schemeClr val="accent1"/>
+              </a:effectRef>
+              <a:fontRef idx="minor">
+                <a:schemeClr val="lt1"/>
+              </a:fontRef>
+            </p:style>
+            <p:txBody>
+              <a:bodyPr rtlCol="0" anchor="ctr"/>
+              <a:lstStyle/>
+              <a:p>
+                <a:pPr algn="ctr"/>
+                <a:endParaRPr lang="en-US" sz="1350" dirty="0"/>
+              </a:p>
+            </p:txBody>
+          </p:sp>
+        </p:grpSp>
+        <p:grpSp>
+          <p:nvGrpSpPr>
+            <p:cNvPr id="34" name="Group 33"/>
+            <p:cNvGrpSpPr/>
+            <p:nvPr/>
+          </p:nvGrpSpPr>
+          <p:grpSpPr>
+            <a:xfrm rot="19185875">
+              <a:off x="628943" y="968829"/>
+              <a:ext cx="685800" cy="457200"/>
+              <a:chOff x="1143000" y="1143000"/>
+              <a:chExt cx="685800" cy="457200"/>
+            </a:xfrm>
+          </p:grpSpPr>
+          <p:sp>
+            <p:nvSpPr>
+              <p:cNvPr id="38" name="Oval 37"/>
+              <p:cNvSpPr/>
+              <p:nvPr/>
+            </p:nvSpPr>
+            <p:spPr>
+              <a:xfrm>
+                <a:off x="1143000" y="1143000"/>
+                <a:ext cx="685800" cy="457200"/>
+              </a:xfrm>
+              <a:prstGeom prst="ellipse">
+                <a:avLst/>
+              </a:prstGeom>
+              <a:solidFill>
+                <a:schemeClr val="tx2">
+                  <a:lumMod val="20000"/>
+                  <a:lumOff val="80000"/>
+                </a:schemeClr>
+              </a:solidFill>
+              <a:ln>
+                <a:solidFill>
+                  <a:schemeClr val="tx1"/>
+                </a:solidFill>
+              </a:ln>
+            </p:spPr>
+            <p:style>
+              <a:lnRef idx="2">
+                <a:schemeClr val="accent1">
+                  <a:shade val="50000"/>
+                </a:schemeClr>
+              </a:lnRef>
+              <a:fillRef idx="1">
+                <a:schemeClr val="accent1"/>
+              </a:fillRef>
+              <a:effectRef idx="0">
+                <a:schemeClr val="accent1"/>
+              </a:effectRef>
+              <a:fontRef idx="minor">
+                <a:schemeClr val="lt1"/>
+              </a:fontRef>
+            </p:style>
+            <p:txBody>
+              <a:bodyPr rtlCol="0" anchor="ctr"/>
+              <a:lstStyle/>
+              <a:p>
+                <a:pPr algn="ctr"/>
+                <a:endParaRPr lang="en-US" sz="1350" dirty="0"/>
+              </a:p>
+            </p:txBody>
+          </p:sp>
+          <p:sp>
+            <p:nvSpPr>
+              <p:cNvPr id="39" name="Oval 38"/>
+              <p:cNvSpPr/>
+              <p:nvPr/>
+            </p:nvSpPr>
+            <p:spPr>
+              <a:xfrm>
+                <a:off x="1485900" y="1295400"/>
+                <a:ext cx="190500" cy="152400"/>
+              </a:xfrm>
+              <a:prstGeom prst="ellipse">
+                <a:avLst/>
+              </a:prstGeom>
+              <a:solidFill>
+                <a:schemeClr val="tx1"/>
+              </a:solidFill>
+              <a:ln>
+                <a:noFill/>
+              </a:ln>
+            </p:spPr>
+            <p:style>
+              <a:lnRef idx="2">
+                <a:schemeClr val="accent1">
+                  <a:shade val="50000"/>
+                </a:schemeClr>
+              </a:lnRef>
+              <a:fillRef idx="1">
+                <a:schemeClr val="accent1"/>
+              </a:fillRef>
+              <a:effectRef idx="0">
+                <a:schemeClr val="accent1"/>
+              </a:effectRef>
+              <a:fontRef idx="minor">
+                <a:schemeClr val="lt1"/>
+              </a:fontRef>
+            </p:style>
+            <p:txBody>
+              <a:bodyPr rtlCol="0" anchor="ctr"/>
+              <a:lstStyle/>
+              <a:p>
+                <a:pPr algn="ctr"/>
+                <a:endParaRPr lang="en-US" sz="1350" dirty="0"/>
+              </a:p>
+            </p:txBody>
+          </p:sp>
+        </p:grpSp>
+        <p:grpSp>
+          <p:nvGrpSpPr>
+            <p:cNvPr id="35" name="Group 34"/>
+            <p:cNvGrpSpPr/>
+            <p:nvPr/>
+          </p:nvGrpSpPr>
+          <p:grpSpPr>
+            <a:xfrm rot="19185875">
+              <a:off x="628359" y="1325078"/>
+              <a:ext cx="685800" cy="457200"/>
+              <a:chOff x="1143000" y="1143000"/>
+              <a:chExt cx="685800" cy="457200"/>
+            </a:xfrm>
+          </p:grpSpPr>
+          <p:sp>
+            <p:nvSpPr>
+              <p:cNvPr id="36" name="Oval 35"/>
+              <p:cNvSpPr/>
+              <p:nvPr/>
+            </p:nvSpPr>
+            <p:spPr>
+              <a:xfrm>
+                <a:off x="1143000" y="1143000"/>
+                <a:ext cx="685800" cy="457200"/>
+              </a:xfrm>
+              <a:prstGeom prst="ellipse">
+                <a:avLst/>
+              </a:prstGeom>
+              <a:solidFill>
+                <a:schemeClr val="tx2">
+                  <a:lumMod val="20000"/>
+                  <a:lumOff val="80000"/>
+                </a:schemeClr>
+              </a:solidFill>
+              <a:ln>
+                <a:solidFill>
+                  <a:schemeClr val="tx1"/>
+                </a:solidFill>
+              </a:ln>
+            </p:spPr>
+            <p:style>
+              <a:lnRef idx="2">
+                <a:schemeClr val="accent1">
+                  <a:shade val="50000"/>
+                </a:schemeClr>
+              </a:lnRef>
+              <a:fillRef idx="1">
+                <a:schemeClr val="accent1"/>
+              </a:fillRef>
+              <a:effectRef idx="0">
+                <a:schemeClr val="accent1"/>
+              </a:effectRef>
+              <a:fontRef idx="minor">
+                <a:schemeClr val="lt1"/>
+              </a:fontRef>
+            </p:style>
+            <p:txBody>
+              <a:bodyPr rtlCol="0" anchor="ctr"/>
+              <a:lstStyle/>
+              <a:p>
+                <a:pPr algn="ctr"/>
+                <a:endParaRPr lang="en-US" sz="1350" dirty="0"/>
+              </a:p>
+            </p:txBody>
+          </p:sp>
+          <p:sp>
+            <p:nvSpPr>
+              <p:cNvPr id="37" name="Oval 36"/>
+              <p:cNvSpPr/>
+              <p:nvPr/>
+            </p:nvSpPr>
+            <p:spPr>
+              <a:xfrm>
+                <a:off x="1485900" y="1295400"/>
+                <a:ext cx="190500" cy="152400"/>
+              </a:xfrm>
+              <a:prstGeom prst="ellipse">
+                <a:avLst/>
+              </a:prstGeom>
+              <a:solidFill>
+                <a:schemeClr val="tx1"/>
+              </a:solidFill>
+              <a:ln>
+                <a:noFill/>
+              </a:ln>
+            </p:spPr>
+            <p:style>
+              <a:lnRef idx="2">
+                <a:schemeClr val="accent1">
+                  <a:shade val="50000"/>
+                </a:schemeClr>
+              </a:lnRef>
+              <a:fillRef idx="1">
+                <a:schemeClr val="accent1"/>
+              </a:fillRef>
+              <a:effectRef idx="0">
+                <a:schemeClr val="accent1"/>
+              </a:effectRef>
+              <a:fontRef idx="minor">
+                <a:schemeClr val="lt1"/>
+              </a:fontRef>
+            </p:style>
+            <p:txBody>
+              <a:bodyPr rtlCol="0" anchor="ctr"/>
+              <a:lstStyle/>
+              <a:p>
+                <a:pPr algn="ctr"/>
+                <a:endParaRPr lang="en-US" sz="1350" dirty="0"/>
+              </a:p>
+            </p:txBody>
+          </p:sp>
+        </p:grpSp>
+      </p:grpSp>
+      <p:sp>
+        <p:nvSpPr>
+          <p:cNvPr id="52" name="TextBox 51"/>
+          <p:cNvSpPr txBox="1"/>
+          <p:nvPr/>
+        </p:nvSpPr>
+        <p:spPr>
+          <a:xfrm>
+            <a:off x="2972567" y="1329299"/>
+            <a:ext cx="359325" cy="346249"/>
+          </a:xfrm>
+          <a:prstGeom prst="rect">
+            <a:avLst/>
+          </a:prstGeom>
+          <a:noFill/>
+        </p:spPr>
+        <p:txBody>
+          <a:bodyPr wrap="square" rtlCol="0">
+            <a:spAutoFit/>
+          </a:bodyPr>
+          <a:lstStyle/>
+          <a:p>
+            <a:r>
+              <a:rPr lang="en-US" sz="1650" dirty="0" smtClean="0">
+                <a:latin typeface="Times New Roman" panose="02020603050405020304" pitchFamily="18" charset="0"/>
+                <a:cs typeface="Times New Roman" panose="02020603050405020304" pitchFamily="18" charset="0"/>
+              </a:rPr>
+              <a:t>A</a:t>
+            </a:r>
+            <a:endParaRPr lang="en-US" sz="1650" dirty="0">
+              <a:latin typeface="Times New Roman" panose="02020603050405020304" pitchFamily="18" charset="0"/>
+              <a:cs typeface="Times New Roman" panose="02020603050405020304" pitchFamily="18" charset="0"/>
+            </a:endParaRPr>
+          </a:p>
+        </p:txBody>
+      </p:sp>
+      <p:sp>
+        <p:nvSpPr>
+          <p:cNvPr id="61" name="TextBox 60"/>
+          <p:cNvSpPr txBox="1"/>
+          <p:nvPr/>
+        </p:nvSpPr>
+        <p:spPr>
+          <a:xfrm>
+            <a:off x="2997496" y="4383405"/>
+            <a:ext cx="359325" cy="346249"/>
+          </a:xfrm>
+          <a:prstGeom prst="rect">
+            <a:avLst/>
+          </a:prstGeom>
+          <a:noFill/>
+        </p:spPr>
+        <p:txBody>
+          <a:bodyPr wrap="square" rtlCol="0">
+            <a:spAutoFit/>
+          </a:bodyPr>
+          <a:lstStyle/>
+          <a:p>
+            <a:r>
+              <a:rPr lang="en-US" sz="1650" dirty="0" smtClean="0">
+                <a:latin typeface="Times New Roman" panose="02020603050405020304" pitchFamily="18" charset="0"/>
+                <a:cs typeface="Times New Roman" panose="02020603050405020304" pitchFamily="18" charset="0"/>
+              </a:rPr>
+              <a:t>B</a:t>
+            </a:r>
+            <a:endParaRPr lang="en-US" sz="1650" dirty="0">
+              <a:latin typeface="Times New Roman" panose="02020603050405020304" pitchFamily="18" charset="0"/>
+              <a:cs typeface="Times New Roman" panose="02020603050405020304" pitchFamily="18" charset="0"/>
+            </a:endParaRPr>
+          </a:p>
+        </p:txBody>
+      </p:sp>
+      <p:sp>
+        <p:nvSpPr>
+          <p:cNvPr id="62" name="TextBox 61"/>
+          <p:cNvSpPr txBox="1"/>
+          <p:nvPr/>
+        </p:nvSpPr>
+        <p:spPr>
+          <a:xfrm>
+            <a:off x="4793321" y="1329298"/>
+            <a:ext cx="359325" cy="346249"/>
+          </a:xfrm>
+          <a:prstGeom prst="rect">
+            <a:avLst/>
+          </a:prstGeom>
+          <a:noFill/>
+        </p:spPr>
+        <p:txBody>
+          <a:bodyPr wrap="square" rtlCol="0">
+            <a:spAutoFit/>
+          </a:bodyPr>
+          <a:lstStyle/>
+          <a:p>
+            <a:r>
+              <a:rPr lang="en-US" sz="1650" dirty="0">
+                <a:latin typeface="Times New Roman" panose="02020603050405020304" pitchFamily="18" charset="0"/>
+                <a:cs typeface="Times New Roman" panose="02020603050405020304" pitchFamily="18" charset="0"/>
+              </a:rPr>
+              <a:t>C</a:t>
+            </a:r>
+            <a:endParaRPr lang="en-US" sz="1650" dirty="0">
+              <a:latin typeface="Times New Roman" panose="02020603050405020304" pitchFamily="18" charset="0"/>
+              <a:cs typeface="Times New Roman" panose="02020603050405020304" pitchFamily="18" charset="0"/>
+            </a:endParaRPr>
+          </a:p>
+        </p:txBody>
+      </p:sp>
+      <p:sp>
+        <p:nvSpPr>
+          <p:cNvPr id="63" name="TextBox 62"/>
+          <p:cNvSpPr txBox="1"/>
+          <p:nvPr/>
+        </p:nvSpPr>
+        <p:spPr>
+          <a:xfrm>
+            <a:off x="4800600" y="4362680"/>
+            <a:ext cx="359325" cy="346249"/>
+          </a:xfrm>
+          <a:prstGeom prst="rect">
+            <a:avLst/>
+          </a:prstGeom>
+          <a:noFill/>
+        </p:spPr>
+        <p:txBody>
+          <a:bodyPr wrap="square" rtlCol="0">
+            <a:spAutoFit/>
+          </a:bodyPr>
+          <a:lstStyle/>
+          <a:p>
+            <a:r>
+              <a:rPr lang="en-US" sz="1650" dirty="0" smtClean="0">
+                <a:latin typeface="Times New Roman" panose="02020603050405020304" pitchFamily="18" charset="0"/>
+                <a:cs typeface="Times New Roman" panose="02020603050405020304" pitchFamily="18" charset="0"/>
+              </a:rPr>
+              <a:t>D</a:t>
+            </a:r>
+            <a:endParaRPr lang="en-US" sz="1650" dirty="0">
+              <a:latin typeface="Times New Roman" panose="02020603050405020304" pitchFamily="18" charset="0"/>
+              <a:cs typeface="Times New Roman" panose="02020603050405020304" pitchFamily="18" charset="0"/>
+            </a:endParaRPr>
+          </a:p>
+        </p:txBody>
+      </p:sp>
+      <p:cxnSp>
+        <p:nvCxnSpPr>
+          <p:cNvPr id="46" name="Straight Arrow Connector 45"/>
+          <p:cNvCxnSpPr/>
+          <p:nvPr/>
+        </p:nvCxnSpPr>
+        <p:spPr>
+          <a:xfrm>
+            <a:off x="3652404" y="2002166"/>
+            <a:ext cx="992540" cy="0"/>
+          </a:xfrm>
+          <a:prstGeom prst="straightConnector1">
+            <a:avLst/>
+          </a:prstGeom>
+          <a:ln w="38100">
+            <a:solidFill>
+              <a:schemeClr val="tx1"/>
+            </a:solidFill>
+            <a:headEnd type="arrow"/>
+            <a:tailEnd type="arrow"/>
+          </a:ln>
+        </p:spPr>
+        <p:style>
+          <a:lnRef idx="1">
+            <a:schemeClr val="accent1"/>
+          </a:lnRef>
+          <a:fillRef idx="0">
+            <a:schemeClr val="accent1"/>
+          </a:fillRef>
+          <a:effectRef idx="0">
+            <a:schemeClr val="accent1"/>
+          </a:effectRef>
+          <a:fontRef idx="minor">
+            <a:schemeClr val="tx1"/>
+          </a:fontRef>
+        </p:style>
+      </p:cxnSp>
+      <p:cxnSp>
+        <p:nvCxnSpPr>
+          <p:cNvPr id="48" name="Straight Arrow Connector 47"/>
+          <p:cNvCxnSpPr/>
+          <p:nvPr/>
+        </p:nvCxnSpPr>
+        <p:spPr>
+          <a:xfrm rot="5400000">
+            <a:off x="2654007" y="3035045"/>
+            <a:ext cx="992540" cy="0"/>
+          </a:xfrm>
+          <a:prstGeom prst="straightConnector1">
+            <a:avLst/>
+          </a:prstGeom>
+          <a:ln w="38100">
+            <a:solidFill>
+              <a:schemeClr val="tx1"/>
+            </a:solidFill>
+            <a:headEnd type="arrow"/>
+            <a:tailEnd type="arrow"/>
+          </a:ln>
+        </p:spPr>
+        <p:style>
+          <a:lnRef idx="1">
+            <a:schemeClr val="accent1"/>
+          </a:lnRef>
+          <a:fillRef idx="0">
+            <a:schemeClr val="accent1"/>
+          </a:fillRef>
+          <a:effectRef idx="0">
+            <a:schemeClr val="accent1"/>
+          </a:effectRef>
+          <a:fontRef idx="minor">
+            <a:schemeClr val="tx1"/>
+          </a:fontRef>
+        </p:style>
+      </p:cxnSp>
+      <p:cxnSp>
+        <p:nvCxnSpPr>
+          <p:cNvPr id="51" name="Straight Arrow Connector 50"/>
+          <p:cNvCxnSpPr/>
+          <p:nvPr/>
+        </p:nvCxnSpPr>
+        <p:spPr>
+          <a:xfrm>
+            <a:off x="3507671" y="2438400"/>
+            <a:ext cx="1137273" cy="1092915"/>
+          </a:xfrm>
+          <a:prstGeom prst="straightConnector1">
+            <a:avLst/>
+          </a:prstGeom>
+          <a:ln w="38100">
+            <a:solidFill>
+              <a:schemeClr val="tx1"/>
+            </a:solidFill>
+            <a:headEnd type="arrow"/>
+            <a:tailEnd type="arrow"/>
+          </a:ln>
+        </p:spPr>
+        <p:style>
+          <a:lnRef idx="1">
+            <a:schemeClr val="accent1"/>
+          </a:lnRef>
+          <a:fillRef idx="0">
+            <a:schemeClr val="accent1"/>
+          </a:fillRef>
+          <a:effectRef idx="0">
+            <a:schemeClr val="accent1"/>
+          </a:effectRef>
+          <a:fontRef idx="minor">
+            <a:schemeClr val="tx1"/>
+          </a:fontRef>
+        </p:style>
+      </p:cxnSp>
+    </p:spTree>
+    <p:extLst>
+      <p:ext uri="{BB962C8B-B14F-4D97-AF65-F5344CB8AC3E}">
+        <p14:creationId xmlns:p14="http://schemas.microsoft.com/office/powerpoint/2010/main" val="407610822"/>
+      </p:ext>
+    </p:extLst>
+  </p:cSld>
+  <p:clrMapOvr>
+    <a:masterClrMapping/>
+  </p:clrMapOvr>
+  <p:timing>
+    <p:tnLst>
+      <p:par>
+        <p:cTn id="1" dur="indefinite" restart="never" nodeType="tmRoot"/>
+      </p:par>
+    </p:tnLst>
+  </p:timing>
+</p:sld>
+</file>
+
 <file path=ppt/theme/theme1.xml><?xml version="1.0" encoding="utf-8"?>
 <a:theme xmlns:a="http://schemas.openxmlformats.org/drawingml/2006/main" name="Office Theme">
   <a:themeElements>
@@ -14511,7 +21432,7 @@
   <a:extraClrSchemeLst/>
   <a:extLst>
     <a:ext uri="{05A4C25C-085E-4340-85A3-A5531E510DB2}">
-      <thm15:themeFamily xmlns:thm15="http://schemas.microsoft.com/office/thememl/2012/main" name="Office Theme" id="{62F939B6-93AF-4DB8-9C6B-D6C7DFDC589F}" vid="{4A3C46E8-61CC-4603-A589-7422A47A8E4A}"/>
+      <thm15:themeFamily xmlns:thm15="http://schemas.microsoft.com/office/thememl/2012/main" xmlns="" name="Office Theme" id="{62F939B6-93AF-4DB8-9C6B-D6C7DFDC589F}" vid="{4A3C46E8-61CC-4603-A589-7422A47A8E4A}"/>
     </a:ext>
   </a:extLst>
 </a:theme>
